--- a/document/세탁물 주문 관리_임준엽.pptx
+++ b/document/세탁물 주문 관리_임준엽.pptx
@@ -10,10 +10,10 @@
     <p:sldId id="293" r:id="rId4"/>
     <p:sldId id="294" r:id="rId5"/>
     <p:sldId id="295" r:id="rId6"/>
-    <p:sldId id="296" r:id="rId7"/>
+    <p:sldId id="299" r:id="rId7"/>
     <p:sldId id="297" r:id="rId8"/>
     <p:sldId id="298" r:id="rId9"/>
-    <p:sldId id="299" r:id="rId10"/>
+    <p:sldId id="296" r:id="rId10"/>
     <p:sldId id="301" r:id="rId11"/>
     <p:sldId id="302" r:id="rId12"/>
     <p:sldId id="303" r:id="rId13"/>
@@ -5815,7 +5815,7 @@
         </p:nvSpPr>
         <p:spPr>
           <a:xfrm>
-            <a:off x="1507067" y="2017355"/>
+            <a:off x="1507067" y="1740264"/>
             <a:ext cx="7766936" cy="1646302"/>
           </a:xfrm>
         </p:spPr>
@@ -5843,10 +5843,24 @@
         </p:nvSpPr>
         <p:spPr/>
         <p:txBody>
-          <a:bodyPr/>
-          <a:lstStyle/>
-          <a:p>
-            <a:endParaRPr lang="ko-KR" altLang="en-US" dirty="0"/>
+          <a:bodyPr>
+            <a:normAutofit/>
+          </a:bodyPr>
+          <a:lstStyle/>
+          <a:p>
+            <a:r>
+              <a:rPr lang="ko-KR" altLang="en-US" sz="2800" dirty="0" smtClean="0">
+                <a:solidFill>
+                  <a:schemeClr val="tx1"/>
+                </a:solidFill>
+              </a:rPr>
+              <a:t>작성자 임준엽</a:t>
+            </a:r>
+            <a:endParaRPr lang="ko-KR" altLang="en-US" sz="2800" dirty="0">
+              <a:solidFill>
+                <a:schemeClr val="tx1"/>
+              </a:solidFill>
+            </a:endParaRPr>
           </a:p>
         </p:txBody>
       </p:sp>
@@ -5860,6 +5874,13 @@
   <p:clrMapOvr>
     <a:masterClrMapping/>
   </p:clrMapOvr>
+  <p:timing>
+    <p:tnLst>
+      <p:par>
+        <p:cTn id="1" dur="indefinite" restart="never" nodeType="tmRoot"/>
+      </p:par>
+    </p:tnLst>
+  </p:timing>
 </p:sld>
 </file>
 
@@ -5945,6 +5966,13 @@
   <p:clrMapOvr>
     <a:masterClrMapping/>
   </p:clrMapOvr>
+  <p:timing>
+    <p:tnLst>
+      <p:par>
+        <p:cTn id="1" dur="indefinite" restart="never" nodeType="tmRoot"/>
+      </p:par>
+    </p:tnLst>
+  </p:timing>
 </p:sld>
 </file>
 
@@ -6030,6 +6058,13 @@
   <p:clrMapOvr>
     <a:masterClrMapping/>
   </p:clrMapOvr>
+  <p:timing>
+    <p:tnLst>
+      <p:par>
+        <p:cTn id="1" dur="indefinite" restart="never" nodeType="tmRoot"/>
+      </p:par>
+    </p:tnLst>
+  </p:timing>
 </p:sld>
 </file>
 
@@ -6115,6 +6150,13 @@
   <p:clrMapOvr>
     <a:masterClrMapping/>
   </p:clrMapOvr>
+  <p:timing>
+    <p:tnLst>
+      <p:par>
+        <p:cTn id="1" dur="indefinite" restart="never" nodeType="tmRoot"/>
+      </p:par>
+    </p:tnLst>
+  </p:timing>
 </p:sld>
 </file>
 
@@ -6199,6 +6241,13 @@
   <p:clrMapOvr>
     <a:masterClrMapping/>
   </p:clrMapOvr>
+  <p:timing>
+    <p:tnLst>
+      <p:par>
+        <p:cTn id="1" dur="indefinite" restart="never" nodeType="tmRoot"/>
+      </p:par>
+    </p:tnLst>
+  </p:timing>
 </p:sld>
 </file>
 
@@ -6283,6 +6332,13 @@
   <p:clrMapOvr>
     <a:masterClrMapping/>
   </p:clrMapOvr>
+  <p:timing>
+    <p:tnLst>
+      <p:par>
+        <p:cTn id="1" dur="indefinite" restart="never" nodeType="tmRoot"/>
+      </p:par>
+    </p:tnLst>
+  </p:timing>
 </p:sld>
 </file>
 
@@ -6367,6 +6423,13 @@
   <p:clrMapOvr>
     <a:masterClrMapping/>
   </p:clrMapOvr>
+  <p:timing>
+    <p:tnLst>
+      <p:par>
+        <p:cTn id="1" dur="indefinite" restart="never" nodeType="tmRoot"/>
+      </p:par>
+    </p:tnLst>
+  </p:timing>
 </p:sld>
 </file>
 
@@ -6451,6 +6514,13 @@
   <p:clrMapOvr>
     <a:masterClrMapping/>
   </p:clrMapOvr>
+  <p:timing>
+    <p:tnLst>
+      <p:par>
+        <p:cTn id="1" dur="indefinite" restart="never" nodeType="tmRoot"/>
+      </p:par>
+    </p:tnLst>
+  </p:timing>
 </p:sld>
 </file>
 
@@ -6535,6 +6605,13 @@
   <p:clrMapOvr>
     <a:masterClrMapping/>
   </p:clrMapOvr>
+  <p:timing>
+    <p:tnLst>
+      <p:par>
+        <p:cTn id="1" dur="indefinite" restart="never" nodeType="tmRoot"/>
+      </p:par>
+    </p:tnLst>
+  </p:timing>
 </p:sld>
 </file>
 
@@ -6619,6 +6696,13 @@
   <p:clrMapOvr>
     <a:masterClrMapping/>
   </p:clrMapOvr>
+  <p:timing>
+    <p:tnLst>
+      <p:par>
+        <p:cTn id="1" dur="indefinite" restart="never" nodeType="tmRoot"/>
+      </p:par>
+    </p:tnLst>
+  </p:timing>
 </p:sld>
 </file>
 
@@ -6703,6 +6787,13 @@
   <p:clrMapOvr>
     <a:masterClrMapping/>
   </p:clrMapOvr>
+  <p:timing>
+    <p:tnLst>
+      <p:par>
+        <p:cTn id="1" dur="indefinite" restart="never" nodeType="tmRoot"/>
+      </p:par>
+    </p:tnLst>
+  </p:timing>
 </p:sld>
 </file>
 
@@ -6829,6 +6920,13 @@
   <p:clrMapOvr>
     <a:masterClrMapping/>
   </p:clrMapOvr>
+  <p:timing>
+    <p:tnLst>
+      <p:par>
+        <p:cTn id="1" dur="indefinite" restart="never" nodeType="tmRoot"/>
+      </p:par>
+    </p:tnLst>
+  </p:timing>
 </p:sld>
 </file>
 
@@ -6913,6 +7011,13 @@
   <p:clrMapOvr>
     <a:masterClrMapping/>
   </p:clrMapOvr>
+  <p:timing>
+    <p:tnLst>
+      <p:par>
+        <p:cTn id="1" dur="indefinite" restart="never" nodeType="tmRoot"/>
+      </p:par>
+    </p:tnLst>
+  </p:timing>
 </p:sld>
 </file>
 
@@ -6997,6 +7102,13 @@
   <p:clrMapOvr>
     <a:masterClrMapping/>
   </p:clrMapOvr>
+  <p:timing>
+    <p:tnLst>
+      <p:par>
+        <p:cTn id="1" dur="indefinite" restart="never" nodeType="tmRoot"/>
+      </p:par>
+    </p:tnLst>
+  </p:timing>
 </p:sld>
 </file>
 
@@ -7081,6 +7193,13 @@
   <p:clrMapOvr>
     <a:masterClrMapping/>
   </p:clrMapOvr>
+  <p:timing>
+    <p:tnLst>
+      <p:par>
+        <p:cTn id="1" dur="indefinite" restart="never" nodeType="tmRoot"/>
+      </p:par>
+    </p:tnLst>
+  </p:timing>
 </p:sld>
 </file>
 
@@ -7165,6 +7284,13 @@
   <p:clrMapOvr>
     <a:masterClrMapping/>
   </p:clrMapOvr>
+  <p:timing>
+    <p:tnLst>
+      <p:par>
+        <p:cTn id="1" dur="indefinite" restart="never" nodeType="tmRoot"/>
+      </p:par>
+    </p:tnLst>
+  </p:timing>
 </p:sld>
 </file>
 
@@ -7249,6 +7375,13 @@
   <p:clrMapOvr>
     <a:masterClrMapping/>
   </p:clrMapOvr>
+  <p:timing>
+    <p:tnLst>
+      <p:par>
+        <p:cTn id="1" dur="indefinite" restart="never" nodeType="tmRoot"/>
+      </p:par>
+    </p:tnLst>
+  </p:timing>
 </p:sld>
 </file>
 
@@ -7360,6 +7493,24 @@
             </a:r>
           </a:p>
           <a:p>
+            <a:r>
+              <a:rPr lang="ko-KR" altLang="en-US" sz="3200" dirty="0" smtClean="0"/>
+              <a:t>중심기능</a:t>
+            </a:r>
+            <a:endParaRPr lang="en-US" altLang="ko-KR" sz="3200" dirty="0"/>
+          </a:p>
+          <a:p>
+            <a:pPr marL="0" indent="0">
+              <a:buNone/>
+            </a:pPr>
+            <a:r>
+              <a:rPr lang="en-US" altLang="ko-KR" sz="3200" dirty="0"/>
+              <a:t>	</a:t>
+            </a:r>
+            <a:r>
+              <a:rPr lang="ko-KR" altLang="en-US" sz="3200" dirty="0" smtClean="0"/>
+              <a:t>세탁물 입출고 관리</a:t>
+            </a:r>
             <a:endParaRPr lang="ko-KR" altLang="en-US" sz="3200" dirty="0"/>
           </a:p>
         </p:txBody>
@@ -7374,6 +7525,13 @@
   <p:clrMapOvr>
     <a:masterClrMapping/>
   </p:clrMapOvr>
+  <p:timing>
+    <p:tnLst>
+      <p:par>
+        <p:cTn id="1" dur="indefinite" restart="never" nodeType="tmRoot"/>
+      </p:par>
+    </p:tnLst>
+  </p:timing>
 </p:sld>
 </file>
 
@@ -7423,32 +7581,152 @@
           </a:p>
         </p:txBody>
       </p:sp>
-      <p:sp>
-        <p:nvSpPr>
-          <p:cNvPr id="3" name="내용 개체 틀 2"/>
-          <p:cNvSpPr>
-            <a:spLocks noGrp="1"/>
-          </p:cNvSpPr>
+      <p:pic>
+        <p:nvPicPr>
+          <p:cNvPr id="4" name="내용 개체 틀 3"/>
+          <p:cNvPicPr preferRelativeResize="0">
+            <a:picLocks noGrp="1"/>
+          </p:cNvPicPr>
           <p:nvPr>
             <p:ph idx="1"/>
           </p:nvPr>
-        </p:nvSpPr>
-        <p:spPr>
-          <a:xfrm>
-            <a:off x="677334" y="1619251"/>
-            <a:ext cx="8596668" cy="4422112"/>
-          </a:xfrm>
-        </p:spPr>
-        <p:txBody>
-          <a:bodyPr anchor="ctr">
-            <a:normAutofit/>
-          </a:bodyPr>
-          <a:lstStyle/>
-          <a:p>
-            <a:endParaRPr lang="ko-KR" altLang="en-US" sz="3200" dirty="0"/>
-          </a:p>
-        </p:txBody>
-      </p:sp>
+        </p:nvPicPr>
+        <p:blipFill>
+          <a:blip r:embed="rId2"/>
+          <a:stretch>
+            <a:fillRect/>
+          </a:stretch>
+        </p:blipFill>
+        <p:spPr>
+          <a:xfrm>
+            <a:off x="2125195" y="1787952"/>
+            <a:ext cx="1800000" cy="1440000"/>
+          </a:xfrm>
+          <a:prstGeom prst="rect">
+            <a:avLst/>
+          </a:prstGeom>
+        </p:spPr>
+      </p:pic>
+      <p:pic>
+        <p:nvPicPr>
+          <p:cNvPr id="7" name="그림 6"/>
+          <p:cNvPicPr preferRelativeResize="0">
+            <a:picLocks/>
+          </p:cNvPicPr>
+          <p:nvPr/>
+        </p:nvPicPr>
+        <p:blipFill>
+          <a:blip r:embed="rId3"/>
+          <a:stretch>
+            <a:fillRect/>
+          </a:stretch>
+        </p:blipFill>
+        <p:spPr>
+          <a:xfrm>
+            <a:off x="4807166" y="1787952"/>
+            <a:ext cx="1800000" cy="1440000"/>
+          </a:xfrm>
+          <a:prstGeom prst="rect">
+            <a:avLst/>
+          </a:prstGeom>
+        </p:spPr>
+      </p:pic>
+      <p:pic>
+        <p:nvPicPr>
+          <p:cNvPr id="8" name="그림 7"/>
+          <p:cNvPicPr preferRelativeResize="0">
+            <a:picLocks/>
+          </p:cNvPicPr>
+          <p:nvPr/>
+        </p:nvPicPr>
+        <p:blipFill>
+          <a:blip r:embed="rId4"/>
+          <a:stretch>
+            <a:fillRect/>
+          </a:stretch>
+        </p:blipFill>
+        <p:spPr>
+          <a:xfrm>
+            <a:off x="7339545" y="1787952"/>
+            <a:ext cx="1800000" cy="1440000"/>
+          </a:xfrm>
+          <a:prstGeom prst="rect">
+            <a:avLst/>
+          </a:prstGeom>
+        </p:spPr>
+      </p:pic>
+      <p:pic>
+        <p:nvPicPr>
+          <p:cNvPr id="9" name="그림 8"/>
+          <p:cNvPicPr preferRelativeResize="0">
+            <a:picLocks/>
+          </p:cNvPicPr>
+          <p:nvPr/>
+        </p:nvPicPr>
+        <p:blipFill>
+          <a:blip r:embed="rId5"/>
+          <a:stretch>
+            <a:fillRect/>
+          </a:stretch>
+        </p:blipFill>
+        <p:spPr>
+          <a:xfrm>
+            <a:off x="2125195" y="3756878"/>
+            <a:ext cx="1800000" cy="1440000"/>
+          </a:xfrm>
+          <a:prstGeom prst="rect">
+            <a:avLst/>
+          </a:prstGeom>
+        </p:spPr>
+      </p:pic>
+      <p:pic>
+        <p:nvPicPr>
+          <p:cNvPr id="10" name="그림 9"/>
+          <p:cNvPicPr preferRelativeResize="0">
+            <a:picLocks/>
+          </p:cNvPicPr>
+          <p:nvPr/>
+        </p:nvPicPr>
+        <p:blipFill>
+          <a:blip r:embed="rId6"/>
+          <a:stretch>
+            <a:fillRect/>
+          </a:stretch>
+        </p:blipFill>
+        <p:spPr>
+          <a:xfrm>
+            <a:off x="4807166" y="3756878"/>
+            <a:ext cx="1800000" cy="1440000"/>
+          </a:xfrm>
+          <a:prstGeom prst="rect">
+            <a:avLst/>
+          </a:prstGeom>
+        </p:spPr>
+      </p:pic>
+      <p:pic>
+        <p:nvPicPr>
+          <p:cNvPr id="11" name="그림 10"/>
+          <p:cNvPicPr preferRelativeResize="0">
+            <a:picLocks/>
+          </p:cNvPicPr>
+          <p:nvPr/>
+        </p:nvPicPr>
+        <p:blipFill>
+          <a:blip r:embed="rId7"/>
+          <a:stretch>
+            <a:fillRect/>
+          </a:stretch>
+        </p:blipFill>
+        <p:spPr>
+          <a:xfrm>
+            <a:off x="7339545" y="3756878"/>
+            <a:ext cx="1800000" cy="1440000"/>
+          </a:xfrm>
+          <a:prstGeom prst="rect">
+            <a:avLst/>
+          </a:prstGeom>
+        </p:spPr>
+      </p:pic>
     </p:spTree>
     <p:extLst>
       <p:ext uri="{BB962C8B-B14F-4D97-AF65-F5344CB8AC3E}">
@@ -7459,6 +7737,13 @@
   <p:clrMapOvr>
     <a:masterClrMapping/>
   </p:clrMapOvr>
+  <p:timing>
+    <p:tnLst>
+      <p:par>
+        <p:cTn id="1" dur="indefinite" restart="never" nodeType="tmRoot"/>
+      </p:par>
+    </p:tnLst>
+  </p:timing>
 </p:sld>
 </file>
 
@@ -7549,6 +7834,13 @@
   <p:clrMapOvr>
     <a:masterClrMapping/>
   </p:clrMapOvr>
+  <p:timing>
+    <p:tnLst>
+      <p:par>
+        <p:cTn id="1" dur="indefinite" restart="never" nodeType="tmRoot"/>
+      </p:par>
+    </p:tnLst>
+  </p:timing>
 </p:sld>
 </file>
 
@@ -7596,19 +7888,32 @@
               <a:t>설계 </a:t>
             </a:r>
             <a:r>
-              <a:rPr lang="en-US" altLang="ko-KR" dirty="0"/>
-              <a:t>- </a:t>
-            </a:r>
-            <a:r>
-              <a:rPr lang="ko-KR" altLang="en-US" dirty="0"/>
-              <a:t>관계정의서</a:t>
-            </a:r>
+              <a:rPr lang="en-US" altLang="ko-KR" dirty="0" smtClean="0"/>
+              <a:t>– </a:t>
+            </a:r>
+            <a:r>
+              <a:rPr lang="ko-KR" altLang="en-US" dirty="0" smtClean="0"/>
+              <a:t>클래스 다이어그램</a:t>
+            </a:r>
+            <a:r>
+              <a:rPr lang="en-US" altLang="ko-KR" dirty="0" smtClean="0"/>
+              <a:t>(</a:t>
+            </a:r>
+            <a:r>
+              <a:rPr lang="en-US" altLang="ko-KR" dirty="0" err="1" smtClean="0"/>
+              <a:t>Dto</a:t>
+            </a:r>
+            <a:r>
+              <a:rPr lang="en-US" altLang="ko-KR" dirty="0" smtClean="0"/>
+              <a:t>)</a:t>
+            </a:r>
+            <a:endParaRPr lang="ko-KR" altLang="en-US" dirty="0"/>
           </a:p>
         </p:txBody>
       </p:sp>
       <p:pic>
         <p:nvPicPr>
-          <p:cNvPr id="5" name="내용 개체 틀 4"/>
+          <p:cNvPr id="4" name="내용 개체 틀 3"/>
           <p:cNvPicPr>
             <a:picLocks noGrp="1" noChangeAspect="1"/>
           </p:cNvPicPr>
@@ -7624,8 +7929,8 @@
         </p:blipFill>
         <p:spPr>
           <a:xfrm>
-            <a:off x="677863" y="1853514"/>
-            <a:ext cx="8596312" cy="4151870"/>
+            <a:off x="550360" y="1276350"/>
+            <a:ext cx="8723642" cy="5272232"/>
           </a:xfrm>
           <a:prstGeom prst="rect">
             <a:avLst/>
@@ -7635,13 +7940,20 @@
     </p:spTree>
     <p:extLst>
       <p:ext uri="{BB962C8B-B14F-4D97-AF65-F5344CB8AC3E}">
-        <p14:creationId xmlns:p14="http://schemas.microsoft.com/office/powerpoint/2010/main" val="1428508131"/>
+        <p14:creationId xmlns:p14="http://schemas.microsoft.com/office/powerpoint/2010/main" val="2293158777"/>
       </p:ext>
     </p:extLst>
   </p:cSld>
   <p:clrMapOvr>
     <a:masterClrMapping/>
   </p:clrMapOvr>
+  <p:timing>
+    <p:tnLst>
+      <p:par>
+        <p:cTn id="1" dur="indefinite" restart="never" nodeType="tmRoot"/>
+      </p:par>
+    </p:tnLst>
+  </p:timing>
 </p:sld>
 </file>
 
@@ -7735,6 +8047,13 @@
   <p:clrMapOvr>
     <a:masterClrMapping/>
   </p:clrMapOvr>
+  <p:timing>
+    <p:tnLst>
+      <p:par>
+        <p:cTn id="1" dur="indefinite" restart="never" nodeType="tmRoot"/>
+      </p:par>
+    </p:tnLst>
+  </p:timing>
 </p:sld>
 </file>
 
@@ -7828,6 +8147,13 @@
   <p:clrMapOvr>
     <a:masterClrMapping/>
   </p:clrMapOvr>
+  <p:timing>
+    <p:tnLst>
+      <p:par>
+        <p:cTn id="1" dur="indefinite" restart="never" nodeType="tmRoot"/>
+      </p:par>
+    </p:tnLst>
+  </p:timing>
 </p:sld>
 </file>
 
@@ -7880,14 +8206,14 @@
             </a:r>
             <a:r>
               <a:rPr lang="ko-KR" altLang="en-US" dirty="0"/>
-              <a:t>다이어그램</a:t>
+              <a:t>관계정의서</a:t>
             </a:r>
           </a:p>
         </p:txBody>
       </p:sp>
       <p:pic>
         <p:nvPicPr>
-          <p:cNvPr id="6" name="내용 개체 틀 4"/>
+          <p:cNvPr id="5" name="내용 개체 틀 4"/>
           <p:cNvPicPr>
             <a:picLocks noGrp="1" noChangeAspect="1"/>
           </p:cNvPicPr>
@@ -7903,8 +8229,8 @@
         </p:blipFill>
         <p:spPr>
           <a:xfrm>
-            <a:off x="851458" y="1443897"/>
-            <a:ext cx="8276066" cy="4886590"/>
+            <a:off x="677863" y="1853514"/>
+            <a:ext cx="8596312" cy="4151870"/>
           </a:xfrm>
           <a:prstGeom prst="rect">
             <a:avLst/>
@@ -7914,13 +8240,20 @@
     </p:spTree>
     <p:extLst>
       <p:ext uri="{BB962C8B-B14F-4D97-AF65-F5344CB8AC3E}">
-        <p14:creationId xmlns:p14="http://schemas.microsoft.com/office/powerpoint/2010/main" val="2293158777"/>
+        <p14:creationId xmlns:p14="http://schemas.microsoft.com/office/powerpoint/2010/main" val="1428508131"/>
       </p:ext>
     </p:extLst>
   </p:cSld>
   <p:clrMapOvr>
     <a:masterClrMapping/>
   </p:clrMapOvr>
+  <p:timing>
+    <p:tnLst>
+      <p:par>
+        <p:cTn id="1" dur="indefinite" restart="never" nodeType="tmRoot"/>
+      </p:par>
+    </p:tnLst>
+  </p:timing>
 </p:sld>
 </file>
 

--- a/document/세탁물 주문 관리_임준엽.pptx
+++ b/document/세탁물 주문 관리_임준엽.pptx
@@ -881,7 +881,7 @@
             <a:fld id="{B61BEF0D-F0BB-DE4B-95CE-6DB70DBA9567}" type="datetimeFigureOut">
               <a:rPr lang="en-US" dirty="0"/>
               <a:pPr/>
-              <a:t>4/28/2021</a:t>
+              <a:t>4/30/2021</a:t>
             </a:fld>
             <a:endParaRPr lang="en-US" dirty="0"/>
           </a:p>
@@ -1129,7 +1129,7 @@
             <a:fld id="{B61BEF0D-F0BB-DE4B-95CE-6DB70DBA9567}" type="datetimeFigureOut">
               <a:rPr lang="en-US" dirty="0"/>
               <a:pPr/>
-              <a:t>4/28/2021</a:t>
+              <a:t>4/30/2021</a:t>
             </a:fld>
             <a:endParaRPr lang="en-US" dirty="0"/>
           </a:p>
@@ -1440,7 +1440,7 @@
             <a:fld id="{B61BEF0D-F0BB-DE4B-95CE-6DB70DBA9567}" type="datetimeFigureOut">
               <a:rPr lang="en-US" dirty="0"/>
               <a:pPr/>
-              <a:t>4/28/2021</a:t>
+              <a:t>4/30/2021</a:t>
             </a:fld>
             <a:endParaRPr lang="en-US" dirty="0"/>
           </a:p>
@@ -1770,7 +1770,7 @@
             <a:fld id="{B61BEF0D-F0BB-DE4B-95CE-6DB70DBA9567}" type="datetimeFigureOut">
               <a:rPr lang="en-US" dirty="0"/>
               <a:pPr/>
-              <a:t>4/28/2021</a:t>
+              <a:t>4/30/2021</a:t>
             </a:fld>
             <a:endParaRPr lang="en-US" dirty="0"/>
           </a:p>
@@ -2081,7 +2081,7 @@
             <a:fld id="{B61BEF0D-F0BB-DE4B-95CE-6DB70DBA9567}" type="datetimeFigureOut">
               <a:rPr lang="en-US" dirty="0"/>
               <a:pPr/>
-              <a:t>4/28/2021</a:t>
+              <a:t>4/30/2021</a:t>
             </a:fld>
             <a:endParaRPr lang="en-US" dirty="0"/>
           </a:p>
@@ -2471,7 +2471,7 @@
             <a:fld id="{B61BEF0D-F0BB-DE4B-95CE-6DB70DBA9567}" type="datetimeFigureOut">
               <a:rPr lang="en-US" dirty="0"/>
               <a:pPr/>
-              <a:t>4/28/2021</a:t>
+              <a:t>4/30/2021</a:t>
             </a:fld>
             <a:endParaRPr lang="en-US" dirty="0"/>
           </a:p>
@@ -2637,7 +2637,7 @@
           <a:p>
             <a:fld id="{55C6B4A9-1611-4792-9094-5F34BCA07E0B}" type="datetimeFigureOut">
               <a:rPr lang="en-US" dirty="0"/>
-              <a:t>4/28/2021</a:t>
+              <a:t>4/30/2021</a:t>
             </a:fld>
             <a:endParaRPr lang="en-US" dirty="0"/>
           </a:p>
@@ -2813,7 +2813,7 @@
             <a:fld id="{B61BEF0D-F0BB-DE4B-95CE-6DB70DBA9567}" type="datetimeFigureOut">
               <a:rPr lang="en-US" dirty="0"/>
               <a:pPr/>
-              <a:t>4/28/2021</a:t>
+              <a:t>4/30/2021</a:t>
             </a:fld>
             <a:endParaRPr lang="en-US" dirty="0"/>
           </a:p>
@@ -2979,7 +2979,7 @@
           <a:p>
             <a:fld id="{42A54C80-263E-416B-A8E0-580EDEADCBDC}" type="datetimeFigureOut">
               <a:rPr lang="en-US" dirty="0"/>
-              <a:t>4/28/2021</a:t>
+              <a:t>4/30/2021</a:t>
             </a:fld>
             <a:endParaRPr lang="en-US" dirty="0"/>
           </a:p>
@@ -3222,7 +3222,7 @@
             <a:fld id="{B61BEF0D-F0BB-DE4B-95CE-6DB70DBA9567}" type="datetimeFigureOut">
               <a:rPr lang="en-US" dirty="0"/>
               <a:pPr/>
-              <a:t>4/28/2021</a:t>
+              <a:t>4/30/2021</a:t>
             </a:fld>
             <a:endParaRPr lang="en-US" dirty="0"/>
           </a:p>
@@ -3450,7 +3450,7 @@
           <a:p>
             <a:fld id="{42A54C80-263E-416B-A8E0-580EDEADCBDC}" type="datetimeFigureOut">
               <a:rPr lang="en-US" dirty="0"/>
-              <a:t>4/28/2021</a:t>
+              <a:t>4/30/2021</a:t>
             </a:fld>
             <a:endParaRPr lang="en-US" dirty="0"/>
           </a:p>
@@ -3820,7 +3820,7 @@
             <a:fld id="{B61BEF0D-F0BB-DE4B-95CE-6DB70DBA9567}" type="datetimeFigureOut">
               <a:rPr lang="en-US" dirty="0"/>
               <a:pPr/>
-              <a:t>4/28/2021</a:t>
+              <a:t>4/30/2021</a:t>
             </a:fld>
             <a:endParaRPr lang="en-US" dirty="0"/>
           </a:p>
@@ -3940,7 +3940,7 @@
             <a:fld id="{B61BEF0D-F0BB-DE4B-95CE-6DB70DBA9567}" type="datetimeFigureOut">
               <a:rPr lang="en-US" dirty="0"/>
               <a:pPr/>
-              <a:t>4/28/2021</a:t>
+              <a:t>4/30/2021</a:t>
             </a:fld>
             <a:endParaRPr lang="en-US" dirty="0"/>
           </a:p>
@@ -4032,7 +4032,7 @@
             <a:fld id="{B61BEF0D-F0BB-DE4B-95CE-6DB70DBA9567}" type="datetimeFigureOut">
               <a:rPr lang="en-US" dirty="0"/>
               <a:pPr/>
-              <a:t>4/28/2021</a:t>
+              <a:t>4/30/2021</a:t>
             </a:fld>
             <a:endParaRPr lang="en-US" dirty="0"/>
           </a:p>
@@ -4283,7 +4283,7 @@
           <a:p>
             <a:fld id="{42A54C80-263E-416B-A8E0-580EDEADCBDC}" type="datetimeFigureOut">
               <a:rPr lang="en-US" dirty="0"/>
-              <a:t>4/28/2021</a:t>
+              <a:t>4/30/2021</a:t>
             </a:fld>
             <a:endParaRPr lang="en-US" dirty="0"/>
           </a:p>
@@ -4585,7 +4585,7 @@
             <a:fld id="{B61BEF0D-F0BB-DE4B-95CE-6DB70DBA9567}" type="datetimeFigureOut">
               <a:rPr lang="en-US" dirty="0"/>
               <a:pPr/>
-              <a:t>4/28/2021</a:t>
+              <a:t>4/30/2021</a:t>
             </a:fld>
             <a:endParaRPr lang="en-US" dirty="0"/>
           </a:p>
@@ -5283,7 +5283,7 @@
             <a:fld id="{B61BEF0D-F0BB-DE4B-95CE-6DB70DBA9567}" type="datetimeFigureOut">
               <a:rPr lang="en-US" dirty="0"/>
               <a:pPr/>
-              <a:t>4/28/2021</a:t>
+              <a:t>4/30/2021</a:t>
             </a:fld>
             <a:endParaRPr lang="en-US" dirty="0"/>
           </a:p>
@@ -7913,7 +7913,7 @@
       </p:sp>
       <p:pic>
         <p:nvPicPr>
-          <p:cNvPr id="4" name="내용 개체 틀 3"/>
+          <p:cNvPr id="5" name="내용 개체 틀 4"/>
           <p:cNvPicPr>
             <a:picLocks noGrp="1" noChangeAspect="1"/>
           </p:cNvPicPr>
@@ -7929,8 +7929,8 @@
         </p:blipFill>
         <p:spPr>
           <a:xfrm>
-            <a:off x="550360" y="1276350"/>
-            <a:ext cx="8723642" cy="5272232"/>
+            <a:off x="677334" y="1276350"/>
+            <a:ext cx="8948804" cy="4933257"/>
           </a:xfrm>
           <a:prstGeom prst="rect">
             <a:avLst/>

--- a/document/세탁물 주문 관리_임준엽.pptx
+++ b/document/세탁물 주문 관리_임준엽.pptx
@@ -10,25 +10,32 @@
     <p:sldId id="293" r:id="rId4"/>
     <p:sldId id="294" r:id="rId5"/>
     <p:sldId id="295" r:id="rId6"/>
-    <p:sldId id="299" r:id="rId7"/>
+    <p:sldId id="304" r:id="rId7"/>
     <p:sldId id="297" r:id="rId8"/>
     <p:sldId id="298" r:id="rId9"/>
     <p:sldId id="296" r:id="rId10"/>
-    <p:sldId id="301" r:id="rId11"/>
+    <p:sldId id="299" r:id="rId11"/>
     <p:sldId id="302" r:id="rId12"/>
-    <p:sldId id="303" r:id="rId13"/>
-    <p:sldId id="281" r:id="rId14"/>
-    <p:sldId id="282" r:id="rId15"/>
-    <p:sldId id="283" r:id="rId16"/>
-    <p:sldId id="284" r:id="rId17"/>
-    <p:sldId id="285" r:id="rId18"/>
-    <p:sldId id="286" r:id="rId19"/>
-    <p:sldId id="287" r:id="rId20"/>
-    <p:sldId id="288" r:id="rId21"/>
-    <p:sldId id="289" r:id="rId22"/>
-    <p:sldId id="290" r:id="rId23"/>
-    <p:sldId id="291" r:id="rId24"/>
-    <p:sldId id="292" r:id="rId25"/>
+    <p:sldId id="311" r:id="rId13"/>
+    <p:sldId id="301" r:id="rId14"/>
+    <p:sldId id="305" r:id="rId15"/>
+    <p:sldId id="310" r:id="rId16"/>
+    <p:sldId id="307" r:id="rId17"/>
+    <p:sldId id="303" r:id="rId18"/>
+    <p:sldId id="308" r:id="rId19"/>
+    <p:sldId id="281" r:id="rId20"/>
+    <p:sldId id="309" r:id="rId21"/>
+    <p:sldId id="282" r:id="rId22"/>
+    <p:sldId id="283" r:id="rId23"/>
+    <p:sldId id="284" r:id="rId24"/>
+    <p:sldId id="285" r:id="rId25"/>
+    <p:sldId id="286" r:id="rId26"/>
+    <p:sldId id="287" r:id="rId27"/>
+    <p:sldId id="288" r:id="rId28"/>
+    <p:sldId id="289" r:id="rId29"/>
+    <p:sldId id="290" r:id="rId30"/>
+    <p:sldId id="291" r:id="rId31"/>
+    <p:sldId id="292" r:id="rId32"/>
   </p:sldIdLst>
   <p:sldSz cx="12192000" cy="6858000"/>
   <p:notesSz cx="6858000" cy="9144000"/>
@@ -5925,16 +5932,37 @@
           <a:p>
             <a:r>
               <a:rPr lang="ko-KR" altLang="en-US" dirty="0"/>
-              <a:t>기능 소개</a:t>
-            </a:r>
+              <a:t>설계 </a:t>
+            </a:r>
+            <a:r>
+              <a:rPr lang="en-US" altLang="ko-KR" dirty="0" smtClean="0"/>
+              <a:t>– </a:t>
+            </a:r>
+            <a:r>
+              <a:rPr lang="ko-KR" altLang="en-US" dirty="0" smtClean="0"/>
+              <a:t>클래스 다이어그램</a:t>
+            </a:r>
+            <a:r>
+              <a:rPr lang="en-US" altLang="ko-KR" dirty="0" smtClean="0"/>
+              <a:t>(</a:t>
+            </a:r>
+            <a:r>
+              <a:rPr lang="en-US" altLang="ko-KR" dirty="0" err="1" smtClean="0"/>
+              <a:t>Dto</a:t>
+            </a:r>
+            <a:r>
+              <a:rPr lang="en-US" altLang="ko-KR" dirty="0" smtClean="0"/>
+              <a:t>)</a:t>
+            </a:r>
+            <a:endParaRPr lang="ko-KR" altLang="en-US" dirty="0"/>
           </a:p>
         </p:txBody>
       </p:sp>
       <p:pic>
         <p:nvPicPr>
-          <p:cNvPr id="4" name="내용 개체 틀 3"/>
-          <p:cNvPicPr>
-            <a:picLocks noGrp="1" noChangeAspect="1"/>
+          <p:cNvPr id="5" name="내용 개체 틀 4"/>
+          <p:cNvPicPr preferRelativeResize="0">
+            <a:picLocks noGrp="1"/>
           </p:cNvPicPr>
           <p:nvPr>
             <p:ph idx="1"/>
@@ -5948,8 +5976,8 @@
         </p:blipFill>
         <p:spPr>
           <a:xfrm>
-            <a:off x="677334" y="1276350"/>
-            <a:ext cx="9331190" cy="5291541"/>
+            <a:off x="720000" y="1259999"/>
+            <a:ext cx="8640000" cy="5040000"/>
           </a:xfrm>
           <a:prstGeom prst="rect">
             <a:avLst/>
@@ -5959,7 +5987,7 @@
     </p:spTree>
     <p:extLst>
       <p:ext uri="{BB962C8B-B14F-4D97-AF65-F5344CB8AC3E}">
-        <p14:creationId xmlns:p14="http://schemas.microsoft.com/office/powerpoint/2010/main" val="1457957795"/>
+        <p14:creationId xmlns:p14="http://schemas.microsoft.com/office/powerpoint/2010/main" val="2293158777"/>
       </p:ext>
     </p:extLst>
   </p:cSld>
@@ -6017,20 +6045,27 @@
           <a:p>
             <a:r>
               <a:rPr lang="ko-KR" altLang="en-US" dirty="0"/>
-              <a:t>기능 소개</a:t>
-            </a:r>
+              <a:t>설계 </a:t>
+            </a:r>
+            <a:r>
+              <a:rPr lang="en-US" altLang="ko-KR" dirty="0"/>
+              <a:t>- </a:t>
+            </a:r>
+            <a:r>
+              <a:rPr lang="ko-KR" altLang="en-US" dirty="0" smtClean="0"/>
+              <a:t>주요테이블</a:t>
+            </a:r>
+            <a:endParaRPr lang="ko-KR" altLang="en-US" dirty="0"/>
           </a:p>
         </p:txBody>
       </p:sp>
       <p:pic>
         <p:nvPicPr>
-          <p:cNvPr id="4" name="내용 개체 틀 3"/>
+          <p:cNvPr id="9" name="그림 8"/>
           <p:cNvPicPr>
-            <a:picLocks noGrp="1" noChangeAspect="1"/>
+            <a:picLocks noChangeAspect="1"/>
           </p:cNvPicPr>
-          <p:nvPr>
-            <p:ph idx="1"/>
-          </p:nvPr>
+          <p:nvPr/>
         </p:nvPicPr>
         <p:blipFill>
           <a:blip r:embed="rId2"/>
@@ -6040,8 +6075,32 @@
         </p:blipFill>
         <p:spPr>
           <a:xfrm>
-            <a:off x="804039" y="1276350"/>
-            <a:ext cx="8570620" cy="4996158"/>
+            <a:off x="7200000" y="1276350"/>
+            <a:ext cx="3912759" cy="5023650"/>
+          </a:xfrm>
+          <a:prstGeom prst="rect">
+            <a:avLst/>
+          </a:prstGeom>
+        </p:spPr>
+      </p:pic>
+      <p:pic>
+        <p:nvPicPr>
+          <p:cNvPr id="10" name="그림 9"/>
+          <p:cNvPicPr preferRelativeResize="0">
+            <a:picLocks/>
+          </p:cNvPicPr>
+          <p:nvPr/>
+        </p:nvPicPr>
+        <p:blipFill>
+          <a:blip r:embed="rId3"/>
+          <a:stretch>
+            <a:fillRect/>
+          </a:stretch>
+        </p:blipFill>
+        <p:spPr>
+          <a:xfrm>
+            <a:off x="720000" y="1260000"/>
+            <a:ext cx="6480000" cy="5040000"/>
           </a:xfrm>
           <a:prstGeom prst="rect">
             <a:avLst/>
@@ -6109,20 +6168,27 @@
           <a:p>
             <a:r>
               <a:rPr lang="ko-KR" altLang="en-US" dirty="0"/>
-              <a:t>기능 소개</a:t>
-            </a:r>
+              <a:t>설계 </a:t>
+            </a:r>
+            <a:r>
+              <a:rPr lang="en-US" altLang="ko-KR" dirty="0"/>
+              <a:t>- </a:t>
+            </a:r>
+            <a:r>
+              <a:rPr lang="ko-KR" altLang="en-US" dirty="0"/>
+              <a:t>주요테이블</a:t>
+            </a:r>
+            <a:endParaRPr lang="ko-KR" altLang="en-US" dirty="0"/>
           </a:p>
         </p:txBody>
       </p:sp>
       <p:pic>
         <p:nvPicPr>
-          <p:cNvPr id="7" name="내용 개체 틀 6"/>
-          <p:cNvPicPr>
-            <a:picLocks noGrp="1" noChangeAspect="1"/>
+          <p:cNvPr id="7" name="그림 6"/>
+          <p:cNvPicPr preferRelativeResize="0">
+            <a:picLocks/>
           </p:cNvPicPr>
-          <p:nvPr>
-            <p:ph idx="1"/>
-          </p:nvPr>
+          <p:nvPr/>
         </p:nvPicPr>
         <p:blipFill>
           <a:blip r:embed="rId2"/>
@@ -6132,8 +6198,32 @@
         </p:blipFill>
         <p:spPr>
           <a:xfrm>
-            <a:off x="677333" y="1276350"/>
-            <a:ext cx="8985651" cy="5033621"/>
+            <a:off x="720000" y="1260000"/>
+            <a:ext cx="6480000" cy="5040000"/>
+          </a:xfrm>
+          <a:prstGeom prst="rect">
+            <a:avLst/>
+          </a:prstGeom>
+        </p:spPr>
+      </p:pic>
+      <p:pic>
+        <p:nvPicPr>
+          <p:cNvPr id="3" name="그림 2"/>
+          <p:cNvPicPr>
+            <a:picLocks noChangeAspect="1"/>
+          </p:cNvPicPr>
+          <p:nvPr/>
+        </p:nvPicPr>
+        <p:blipFill>
+          <a:blip r:embed="rId3"/>
+          <a:stretch>
+            <a:fillRect/>
+          </a:stretch>
+        </p:blipFill>
+        <p:spPr>
+          <a:xfrm>
+            <a:off x="7242666" y="1260000"/>
+            <a:ext cx="3823440" cy="5040000"/>
           </a:xfrm>
           <a:prstGeom prst="rect">
             <a:avLst/>
@@ -6143,7 +6233,7 @@
     </p:spTree>
     <p:extLst>
       <p:ext uri="{BB962C8B-B14F-4D97-AF65-F5344CB8AC3E}">
-        <p14:creationId xmlns:p14="http://schemas.microsoft.com/office/powerpoint/2010/main" val="306488307"/>
+        <p14:creationId xmlns:p14="http://schemas.microsoft.com/office/powerpoint/2010/main" val="398987561"/>
       </p:ext>
     </p:extLst>
   </p:cSld>
@@ -6190,26 +6280,40 @@
         <p:spPr>
           <a:xfrm>
             <a:off x="677334" y="609600"/>
-            <a:ext cx="8596668" cy="762000"/>
-          </a:xfrm>
-        </p:spPr>
-        <p:txBody>
-          <a:bodyPr/>
-          <a:lstStyle/>
-          <a:p>
+            <a:ext cx="8596668" cy="666750"/>
+          </a:xfrm>
+        </p:spPr>
+        <p:txBody>
+          <a:bodyPr>
+            <a:normAutofit/>
+          </a:bodyPr>
+          <a:lstStyle/>
+          <a:p>
+            <a:r>
+              <a:rPr lang="ko-KR" altLang="en-US" dirty="0"/>
+              <a:t>기능 </a:t>
+            </a:r>
             <a:r>
               <a:rPr lang="ko-KR" altLang="en-US" dirty="0" smtClean="0"/>
-              <a:t>기능 소개</a:t>
-            </a:r>
-            <a:endParaRPr lang="en-US" altLang="ko-KR" dirty="0"/>
+              <a:t>소개 </a:t>
+            </a:r>
+            <a:r>
+              <a:rPr lang="en-US" altLang="ko-KR" dirty="0" smtClean="0"/>
+              <a:t>- </a:t>
+            </a:r>
+            <a:r>
+              <a:rPr lang="ko-KR" altLang="en-US" dirty="0" smtClean="0"/>
+              <a:t>주문입력</a:t>
+            </a:r>
+            <a:endParaRPr lang="ko-KR" altLang="en-US" dirty="0"/>
           </a:p>
         </p:txBody>
       </p:sp>
       <p:pic>
         <p:nvPicPr>
-          <p:cNvPr id="6" name="내용 개체 틀 5"/>
-          <p:cNvPicPr>
-            <a:picLocks noGrp="1" noChangeAspect="1"/>
+          <p:cNvPr id="5" name="내용 개체 틀 4"/>
+          <p:cNvPicPr preferRelativeResize="0">
+            <a:picLocks noGrp="1"/>
           </p:cNvPicPr>
           <p:nvPr>
             <p:ph idx="1"/>
@@ -6223,8 +6327,8 @@
         </p:blipFill>
         <p:spPr>
           <a:xfrm>
-            <a:off x="677333" y="1371600"/>
-            <a:ext cx="8820893" cy="5096573"/>
+            <a:off x="720000" y="1260000"/>
+            <a:ext cx="8640000" cy="5040000"/>
           </a:xfrm>
           <a:prstGeom prst="rect">
             <a:avLst/>
@@ -6234,7 +6338,7 @@
     </p:spTree>
     <p:extLst>
       <p:ext uri="{BB962C8B-B14F-4D97-AF65-F5344CB8AC3E}">
-        <p14:creationId xmlns:p14="http://schemas.microsoft.com/office/powerpoint/2010/main" val="3305254148"/>
+        <p14:creationId xmlns:p14="http://schemas.microsoft.com/office/powerpoint/2010/main" val="1457957795"/>
       </p:ext>
     </p:extLst>
   </p:cSld>
@@ -6281,26 +6385,40 @@
         <p:spPr>
           <a:xfrm>
             <a:off x="677334" y="609600"/>
-            <a:ext cx="8596668" cy="762000"/>
-          </a:xfrm>
-        </p:spPr>
-        <p:txBody>
-          <a:bodyPr/>
-          <a:lstStyle/>
-          <a:p>
+            <a:ext cx="8596668" cy="666750"/>
+          </a:xfrm>
+        </p:spPr>
+        <p:txBody>
+          <a:bodyPr>
+            <a:normAutofit/>
+          </a:bodyPr>
+          <a:lstStyle/>
+          <a:p>
+            <a:r>
+              <a:rPr lang="ko-KR" altLang="en-US" dirty="0"/>
+              <a:t>기능 </a:t>
+            </a:r>
             <a:r>
               <a:rPr lang="ko-KR" altLang="en-US" dirty="0" smtClean="0"/>
-              <a:t>기능 소개</a:t>
-            </a:r>
-            <a:endParaRPr lang="en-US" altLang="ko-KR" dirty="0"/>
+              <a:t>소개 </a:t>
+            </a:r>
+            <a:r>
+              <a:rPr lang="en-US" altLang="ko-KR" dirty="0" smtClean="0"/>
+              <a:t>- </a:t>
+            </a:r>
+            <a:r>
+              <a:rPr lang="ko-KR" altLang="en-US" dirty="0" smtClean="0"/>
+              <a:t>주문입력</a:t>
+            </a:r>
+            <a:endParaRPr lang="ko-KR" altLang="en-US" dirty="0"/>
           </a:p>
         </p:txBody>
       </p:sp>
       <p:pic>
         <p:nvPicPr>
-          <p:cNvPr id="6" name="내용 개체 틀 5"/>
-          <p:cNvPicPr>
-            <a:picLocks noGrp="1" noChangeAspect="1"/>
+          <p:cNvPr id="4" name="내용 개체 틀 3"/>
+          <p:cNvPicPr preferRelativeResize="0">
+            <a:picLocks noGrp="1"/>
           </p:cNvPicPr>
           <p:nvPr>
             <p:ph idx="1"/>
@@ -6314,8 +6432,8 @@
         </p:blipFill>
         <p:spPr>
           <a:xfrm>
-            <a:off x="677334" y="1371600"/>
-            <a:ext cx="8952698" cy="4847968"/>
+            <a:off x="720000" y="1260000"/>
+            <a:ext cx="8640000" cy="5040000"/>
           </a:xfrm>
           <a:prstGeom prst="rect">
             <a:avLst/>
@@ -6325,7 +6443,7 @@
     </p:spTree>
     <p:extLst>
       <p:ext uri="{BB962C8B-B14F-4D97-AF65-F5344CB8AC3E}">
-        <p14:creationId xmlns:p14="http://schemas.microsoft.com/office/powerpoint/2010/main" val="2121195127"/>
+        <p14:creationId xmlns:p14="http://schemas.microsoft.com/office/powerpoint/2010/main" val="3419396562"/>
       </p:ext>
     </p:extLst>
   </p:cSld>
@@ -6372,26 +6490,40 @@
         <p:spPr>
           <a:xfrm>
             <a:off x="677334" y="609600"/>
-            <a:ext cx="8596668" cy="762000"/>
-          </a:xfrm>
-        </p:spPr>
-        <p:txBody>
-          <a:bodyPr/>
-          <a:lstStyle/>
-          <a:p>
+            <a:ext cx="8596668" cy="666750"/>
+          </a:xfrm>
+        </p:spPr>
+        <p:txBody>
+          <a:bodyPr>
+            <a:normAutofit/>
+          </a:bodyPr>
+          <a:lstStyle/>
+          <a:p>
+            <a:r>
+              <a:rPr lang="ko-KR" altLang="en-US" dirty="0"/>
+              <a:t>기능 </a:t>
+            </a:r>
             <a:r>
               <a:rPr lang="ko-KR" altLang="en-US" dirty="0" smtClean="0"/>
-              <a:t>기능 소개</a:t>
-            </a:r>
-            <a:endParaRPr lang="en-US" altLang="ko-KR" dirty="0"/>
+              <a:t>소개 </a:t>
+            </a:r>
+            <a:r>
+              <a:rPr lang="en-US" altLang="ko-KR" dirty="0" smtClean="0"/>
+              <a:t>- </a:t>
+            </a:r>
+            <a:r>
+              <a:rPr lang="ko-KR" altLang="en-US" dirty="0" smtClean="0"/>
+              <a:t>수정</a:t>
+            </a:r>
+            <a:endParaRPr lang="ko-KR" altLang="en-US" dirty="0"/>
           </a:p>
         </p:txBody>
       </p:sp>
       <p:pic>
         <p:nvPicPr>
-          <p:cNvPr id="7" name="내용 개체 틀 6"/>
-          <p:cNvPicPr>
-            <a:picLocks noGrp="1" noChangeAspect="1"/>
+          <p:cNvPr id="5" name="내용 개체 틀 4"/>
+          <p:cNvPicPr preferRelativeResize="0">
+            <a:picLocks noGrp="1"/>
           </p:cNvPicPr>
           <p:nvPr>
             <p:ph idx="1"/>
@@ -6405,8 +6537,8 @@
         </p:blipFill>
         <p:spPr>
           <a:xfrm>
-            <a:off x="677334" y="1371600"/>
-            <a:ext cx="8738515" cy="5031063"/>
+            <a:off x="719999" y="1260000"/>
+            <a:ext cx="8640000" cy="5040000"/>
           </a:xfrm>
           <a:prstGeom prst="rect">
             <a:avLst/>
@@ -6416,7 +6548,7 @@
     </p:spTree>
     <p:extLst>
       <p:ext uri="{BB962C8B-B14F-4D97-AF65-F5344CB8AC3E}">
-        <p14:creationId xmlns:p14="http://schemas.microsoft.com/office/powerpoint/2010/main" val="500650955"/>
+        <p14:creationId xmlns:p14="http://schemas.microsoft.com/office/powerpoint/2010/main" val="1494529616"/>
       </p:ext>
     </p:extLst>
   </p:cSld>
@@ -6463,26 +6595,40 @@
         <p:spPr>
           <a:xfrm>
             <a:off x="677334" y="609600"/>
-            <a:ext cx="8596668" cy="762000"/>
-          </a:xfrm>
-        </p:spPr>
-        <p:txBody>
-          <a:bodyPr/>
-          <a:lstStyle/>
-          <a:p>
+            <a:ext cx="8596668" cy="666750"/>
+          </a:xfrm>
+        </p:spPr>
+        <p:txBody>
+          <a:bodyPr>
+            <a:normAutofit/>
+          </a:bodyPr>
+          <a:lstStyle/>
+          <a:p>
+            <a:r>
+              <a:rPr lang="ko-KR" altLang="en-US" dirty="0"/>
+              <a:t>기능 </a:t>
+            </a:r>
             <a:r>
               <a:rPr lang="ko-KR" altLang="en-US" dirty="0" smtClean="0"/>
-              <a:t>기능 소개</a:t>
-            </a:r>
-            <a:endParaRPr lang="en-US" altLang="ko-KR" dirty="0"/>
+              <a:t>소개 </a:t>
+            </a:r>
+            <a:r>
+              <a:rPr lang="en-US" altLang="ko-KR" dirty="0" smtClean="0"/>
+              <a:t>- </a:t>
+            </a:r>
+            <a:r>
+              <a:rPr lang="ko-KR" altLang="en-US" dirty="0" smtClean="0"/>
+              <a:t>수정</a:t>
+            </a:r>
+            <a:endParaRPr lang="ko-KR" altLang="en-US" dirty="0"/>
           </a:p>
         </p:txBody>
       </p:sp>
       <p:pic>
         <p:nvPicPr>
-          <p:cNvPr id="6" name="내용 개체 틀 5"/>
-          <p:cNvPicPr>
-            <a:picLocks noGrp="1" noChangeAspect="1"/>
+          <p:cNvPr id="9" name="내용 개체 틀 8"/>
+          <p:cNvPicPr preferRelativeResize="0">
+            <a:picLocks noGrp="1"/>
           </p:cNvPicPr>
           <p:nvPr>
             <p:ph idx="1"/>
@@ -6496,8 +6642,8 @@
         </p:blipFill>
         <p:spPr>
           <a:xfrm>
-            <a:off x="677334" y="1371600"/>
-            <a:ext cx="8450190" cy="5090893"/>
+            <a:off x="720000" y="1260000"/>
+            <a:ext cx="8640000" cy="5040000"/>
           </a:xfrm>
           <a:prstGeom prst="rect">
             <a:avLst/>
@@ -6507,7 +6653,7 @@
     </p:spTree>
     <p:extLst>
       <p:ext uri="{BB962C8B-B14F-4D97-AF65-F5344CB8AC3E}">
-        <p14:creationId xmlns:p14="http://schemas.microsoft.com/office/powerpoint/2010/main" val="2937453668"/>
+        <p14:creationId xmlns:p14="http://schemas.microsoft.com/office/powerpoint/2010/main" val="3229213084"/>
       </p:ext>
     </p:extLst>
   </p:cSld>
@@ -6554,26 +6700,40 @@
         <p:spPr>
           <a:xfrm>
             <a:off x="677334" y="609600"/>
-            <a:ext cx="8596668" cy="762000"/>
-          </a:xfrm>
-        </p:spPr>
-        <p:txBody>
-          <a:bodyPr/>
-          <a:lstStyle/>
-          <a:p>
+            <a:ext cx="8596668" cy="666750"/>
+          </a:xfrm>
+        </p:spPr>
+        <p:txBody>
+          <a:bodyPr>
+            <a:normAutofit/>
+          </a:bodyPr>
+          <a:lstStyle/>
+          <a:p>
+            <a:r>
+              <a:rPr lang="ko-KR" altLang="en-US" dirty="0"/>
+              <a:t>기능 </a:t>
+            </a:r>
             <a:r>
               <a:rPr lang="ko-KR" altLang="en-US" dirty="0" smtClean="0"/>
-              <a:t>기능 소개</a:t>
-            </a:r>
-            <a:endParaRPr lang="en-US" altLang="ko-KR" dirty="0"/>
+              <a:t>소개 </a:t>
+            </a:r>
+            <a:r>
+              <a:rPr lang="en-US" altLang="ko-KR" dirty="0" smtClean="0"/>
+              <a:t>= </a:t>
+            </a:r>
+            <a:r>
+              <a:rPr lang="ko-KR" altLang="en-US" dirty="0" smtClean="0"/>
+              <a:t>출고</a:t>
+            </a:r>
+            <a:endParaRPr lang="ko-KR" altLang="en-US" dirty="0"/>
           </a:p>
         </p:txBody>
       </p:sp>
       <p:pic>
         <p:nvPicPr>
-          <p:cNvPr id="7" name="내용 개체 틀 6"/>
-          <p:cNvPicPr>
-            <a:picLocks noGrp="1" noChangeAspect="1"/>
+          <p:cNvPr id="4" name="내용 개체 틀 3"/>
+          <p:cNvPicPr preferRelativeResize="0">
+            <a:picLocks noGrp="1"/>
           </p:cNvPicPr>
           <p:nvPr>
             <p:ph idx="1"/>
@@ -6587,8 +6747,8 @@
         </p:blipFill>
         <p:spPr>
           <a:xfrm>
-            <a:off x="677334" y="1371600"/>
-            <a:ext cx="7865304" cy="5020962"/>
+            <a:off x="720000" y="1260000"/>
+            <a:ext cx="8640000" cy="5040000"/>
           </a:xfrm>
           <a:prstGeom prst="rect">
             <a:avLst/>
@@ -6598,7 +6758,7 @@
     </p:spTree>
     <p:extLst>
       <p:ext uri="{BB962C8B-B14F-4D97-AF65-F5344CB8AC3E}">
-        <p14:creationId xmlns:p14="http://schemas.microsoft.com/office/powerpoint/2010/main" val="347174083"/>
+        <p14:creationId xmlns:p14="http://schemas.microsoft.com/office/powerpoint/2010/main" val="306488307"/>
       </p:ext>
     </p:extLst>
   </p:cSld>
@@ -6645,26 +6805,40 @@
         <p:spPr>
           <a:xfrm>
             <a:off x="677334" y="609600"/>
-            <a:ext cx="8596668" cy="762000"/>
-          </a:xfrm>
-        </p:spPr>
-        <p:txBody>
-          <a:bodyPr/>
-          <a:lstStyle/>
-          <a:p>
+            <a:ext cx="8596668" cy="666750"/>
+          </a:xfrm>
+        </p:spPr>
+        <p:txBody>
+          <a:bodyPr>
+            <a:normAutofit/>
+          </a:bodyPr>
+          <a:lstStyle/>
+          <a:p>
+            <a:r>
+              <a:rPr lang="ko-KR" altLang="en-US" dirty="0"/>
+              <a:t>기능 </a:t>
+            </a:r>
             <a:r>
               <a:rPr lang="ko-KR" altLang="en-US" dirty="0" smtClean="0"/>
-              <a:t>기능 소개</a:t>
-            </a:r>
-            <a:endParaRPr lang="en-US" altLang="ko-KR" dirty="0"/>
+              <a:t>소개 </a:t>
+            </a:r>
+            <a:r>
+              <a:rPr lang="en-US" altLang="ko-KR" dirty="0" smtClean="0"/>
+              <a:t>= </a:t>
+            </a:r>
+            <a:r>
+              <a:rPr lang="ko-KR" altLang="en-US" dirty="0" smtClean="0"/>
+              <a:t>출고</a:t>
+            </a:r>
+            <a:endParaRPr lang="ko-KR" altLang="en-US" dirty="0"/>
           </a:p>
         </p:txBody>
       </p:sp>
       <p:pic>
         <p:nvPicPr>
-          <p:cNvPr id="6" name="내용 개체 틀 5"/>
-          <p:cNvPicPr>
-            <a:picLocks noGrp="1" noChangeAspect="1"/>
+          <p:cNvPr id="5" name="내용 개체 틀 4"/>
+          <p:cNvPicPr preferRelativeResize="0">
+            <a:picLocks noGrp="1"/>
           </p:cNvPicPr>
           <p:nvPr>
             <p:ph idx="1"/>
@@ -6678,8 +6852,8 @@
         </p:blipFill>
         <p:spPr>
           <a:xfrm>
-            <a:off x="677333" y="1371600"/>
-            <a:ext cx="8722039" cy="4872681"/>
+            <a:off x="720000" y="1260000"/>
+            <a:ext cx="8640000" cy="5040000"/>
           </a:xfrm>
           <a:prstGeom prst="rect">
             <a:avLst/>
@@ -6689,7 +6863,7 @@
     </p:spTree>
     <p:extLst>
       <p:ext uri="{BB962C8B-B14F-4D97-AF65-F5344CB8AC3E}">
-        <p14:creationId xmlns:p14="http://schemas.microsoft.com/office/powerpoint/2010/main" val="1905856394"/>
+        <p14:creationId xmlns:p14="http://schemas.microsoft.com/office/powerpoint/2010/main" val="2637462507"/>
       </p:ext>
     </p:extLst>
   </p:cSld>
@@ -6745,7 +6919,23 @@
           <a:p>
             <a:r>
               <a:rPr lang="ko-KR" altLang="en-US" dirty="0" smtClean="0"/>
-              <a:t>기능 소개</a:t>
+              <a:t>기능 </a:t>
+            </a:r>
+            <a:r>
+              <a:rPr lang="ko-KR" altLang="en-US" dirty="0" smtClean="0"/>
+              <a:t>소개 </a:t>
+            </a:r>
+            <a:r>
+              <a:rPr lang="en-US" altLang="ko-KR" dirty="0" smtClean="0"/>
+              <a:t>– </a:t>
+            </a:r>
+            <a:r>
+              <a:rPr lang="ko-KR" altLang="en-US" dirty="0" err="1" smtClean="0"/>
+              <a:t>미출고</a:t>
+            </a:r>
+            <a:r>
+              <a:rPr lang="ko-KR" altLang="en-US" dirty="0" smtClean="0"/>
+              <a:t> 세탁물</a:t>
             </a:r>
             <a:endParaRPr lang="en-US" altLang="ko-KR" dirty="0"/>
           </a:p>
@@ -6753,9 +6943,9 @@
       </p:sp>
       <p:pic>
         <p:nvPicPr>
-          <p:cNvPr id="8" name="내용 개체 틀 7"/>
-          <p:cNvPicPr>
-            <a:picLocks noGrp="1" noChangeAspect="1"/>
+          <p:cNvPr id="4" name="내용 개체 틀 3"/>
+          <p:cNvPicPr preferRelativeResize="0">
+            <a:picLocks noGrp="1"/>
           </p:cNvPicPr>
           <p:nvPr>
             <p:ph idx="1"/>
@@ -6769,8 +6959,8 @@
         </p:blipFill>
         <p:spPr>
           <a:xfrm>
-            <a:off x="677334" y="1371600"/>
-            <a:ext cx="8450190" cy="4799435"/>
+            <a:off x="720000" y="1260000"/>
+            <a:ext cx="8640000" cy="5040000"/>
           </a:xfrm>
           <a:prstGeom prst="rect">
             <a:avLst/>
@@ -6780,7 +6970,7 @@
     </p:spTree>
     <p:extLst>
       <p:ext uri="{BB962C8B-B14F-4D97-AF65-F5344CB8AC3E}">
-        <p14:creationId xmlns:p14="http://schemas.microsoft.com/office/powerpoint/2010/main" val="1066177961"/>
+        <p14:creationId xmlns:p14="http://schemas.microsoft.com/office/powerpoint/2010/main" val="3305254148"/>
       </p:ext>
     </p:extLst>
   </p:cSld>
@@ -6969,7 +7159,23 @@
           <a:p>
             <a:r>
               <a:rPr lang="ko-KR" altLang="en-US" dirty="0" smtClean="0"/>
-              <a:t>기능 소개</a:t>
+              <a:t>기능 </a:t>
+            </a:r>
+            <a:r>
+              <a:rPr lang="ko-KR" altLang="en-US" dirty="0" smtClean="0"/>
+              <a:t>소개 </a:t>
+            </a:r>
+            <a:r>
+              <a:rPr lang="en-US" altLang="ko-KR" dirty="0" smtClean="0"/>
+              <a:t>– </a:t>
+            </a:r>
+            <a:r>
+              <a:rPr lang="ko-KR" altLang="en-US" dirty="0" err="1" smtClean="0"/>
+              <a:t>미출고</a:t>
+            </a:r>
+            <a:r>
+              <a:rPr lang="ko-KR" altLang="en-US" dirty="0" smtClean="0"/>
+              <a:t> 세탁물</a:t>
             </a:r>
             <a:endParaRPr lang="en-US" altLang="ko-KR" dirty="0"/>
           </a:p>
@@ -6977,9 +7183,9 @@
       </p:sp>
       <p:pic>
         <p:nvPicPr>
-          <p:cNvPr id="8" name="내용 개체 틀 7"/>
-          <p:cNvPicPr>
-            <a:picLocks noGrp="1" noChangeAspect="1"/>
+          <p:cNvPr id="4" name="내용 개체 틀 3"/>
+          <p:cNvPicPr preferRelativeResize="0">
+            <a:picLocks noGrp="1"/>
           </p:cNvPicPr>
           <p:nvPr>
             <p:ph idx="1"/>
@@ -6993,8 +7199,8 @@
         </p:blipFill>
         <p:spPr>
           <a:xfrm>
-            <a:off x="549308" y="1371599"/>
-            <a:ext cx="8166323" cy="4871571"/>
+            <a:off x="720000" y="1260000"/>
+            <a:ext cx="8640000" cy="5040000"/>
           </a:xfrm>
           <a:prstGeom prst="rect">
             <a:avLst/>
@@ -7004,7 +7210,7 @@
     </p:spTree>
     <p:extLst>
       <p:ext uri="{BB962C8B-B14F-4D97-AF65-F5344CB8AC3E}">
-        <p14:creationId xmlns:p14="http://schemas.microsoft.com/office/powerpoint/2010/main" val="2935671793"/>
+        <p14:creationId xmlns:p14="http://schemas.microsoft.com/office/powerpoint/2010/main" val="2334689864"/>
       </p:ext>
     </p:extLst>
   </p:cSld>
@@ -7060,7 +7266,27 @@
           <a:p>
             <a:r>
               <a:rPr lang="ko-KR" altLang="en-US" dirty="0" smtClean="0"/>
-              <a:t>기능 소개</a:t>
+              <a:t>기능 </a:t>
+            </a:r>
+            <a:r>
+              <a:rPr lang="ko-KR" altLang="en-US" dirty="0" smtClean="0"/>
+              <a:t>소개 </a:t>
+            </a:r>
+            <a:r>
+              <a:rPr lang="en-US" altLang="ko-KR" dirty="0" smtClean="0"/>
+              <a:t>– </a:t>
+            </a:r>
+            <a:r>
+              <a:rPr lang="ko-KR" altLang="en-US" dirty="0" smtClean="0"/>
+              <a:t>전체</a:t>
+            </a:r>
+            <a:r>
+              <a:rPr lang="en-US" altLang="ko-KR" dirty="0" smtClean="0"/>
+              <a:t> </a:t>
+            </a:r>
+            <a:r>
+              <a:rPr lang="ko-KR" altLang="en-US" dirty="0" smtClean="0"/>
+              <a:t>주문검색</a:t>
             </a:r>
             <a:endParaRPr lang="en-US" altLang="ko-KR" dirty="0"/>
           </a:p>
@@ -7068,9 +7294,9 @@
       </p:sp>
       <p:pic>
         <p:nvPicPr>
-          <p:cNvPr id="6" name="내용 개체 틀 5"/>
-          <p:cNvPicPr>
-            <a:picLocks noGrp="1" noChangeAspect="1"/>
+          <p:cNvPr id="7" name="내용 개체 틀 6"/>
+          <p:cNvPicPr preferRelativeResize="0">
+            <a:picLocks noGrp="1"/>
           </p:cNvPicPr>
           <p:nvPr>
             <p:ph idx="1"/>
@@ -7084,8 +7310,8 @@
         </p:blipFill>
         <p:spPr>
           <a:xfrm>
-            <a:off x="677334" y="1371600"/>
-            <a:ext cx="8450190" cy="5081899"/>
+            <a:off x="720000" y="1260000"/>
+            <a:ext cx="8640000" cy="5040000"/>
           </a:xfrm>
           <a:prstGeom prst="rect">
             <a:avLst/>
@@ -7095,7 +7321,7 @@
     </p:spTree>
     <p:extLst>
       <p:ext uri="{BB962C8B-B14F-4D97-AF65-F5344CB8AC3E}">
-        <p14:creationId xmlns:p14="http://schemas.microsoft.com/office/powerpoint/2010/main" val="3459207618"/>
+        <p14:creationId xmlns:p14="http://schemas.microsoft.com/office/powerpoint/2010/main" val="2121195127"/>
       </p:ext>
     </p:extLst>
   </p:cSld>
@@ -7151,7 +7377,19 @@
           <a:p>
             <a:r>
               <a:rPr lang="ko-KR" altLang="en-US" dirty="0" smtClean="0"/>
-              <a:t>기능 소개</a:t>
+              <a:t>기능 </a:t>
+            </a:r>
+            <a:r>
+              <a:rPr lang="ko-KR" altLang="en-US" dirty="0" smtClean="0"/>
+              <a:t>소개 </a:t>
+            </a:r>
+            <a:r>
+              <a:rPr lang="en-US" altLang="ko-KR" dirty="0" smtClean="0"/>
+              <a:t>– </a:t>
+            </a:r>
+            <a:r>
+              <a:rPr lang="ko-KR" altLang="en-US" dirty="0" smtClean="0"/>
+              <a:t>회원 검색</a:t>
             </a:r>
             <a:endParaRPr lang="en-US" altLang="ko-KR" dirty="0"/>
           </a:p>
@@ -7159,9 +7397,9 @@
       </p:sp>
       <p:pic>
         <p:nvPicPr>
-          <p:cNvPr id="6" name="내용 개체 틀 5"/>
-          <p:cNvPicPr>
-            <a:picLocks noGrp="1" noChangeAspect="1"/>
+          <p:cNvPr id="4" name="내용 개체 틀 3"/>
+          <p:cNvPicPr preferRelativeResize="0">
+            <a:picLocks noGrp="1"/>
           </p:cNvPicPr>
           <p:nvPr>
             <p:ph idx="1"/>
@@ -7175,8 +7413,8 @@
         </p:blipFill>
         <p:spPr>
           <a:xfrm>
-            <a:off x="740067" y="1371600"/>
-            <a:ext cx="8156797" cy="5012724"/>
+            <a:off x="720000" y="1260000"/>
+            <a:ext cx="8640000" cy="5040000"/>
           </a:xfrm>
           <a:prstGeom prst="rect">
             <a:avLst/>
@@ -7186,7 +7424,7 @@
     </p:spTree>
     <p:extLst>
       <p:ext uri="{BB962C8B-B14F-4D97-AF65-F5344CB8AC3E}">
-        <p14:creationId xmlns:p14="http://schemas.microsoft.com/office/powerpoint/2010/main" val="2413401105"/>
+        <p14:creationId xmlns:p14="http://schemas.microsoft.com/office/powerpoint/2010/main" val="500650955"/>
       </p:ext>
     </p:extLst>
   </p:cSld>
@@ -7250,9 +7488,9 @@
       </p:sp>
       <p:pic>
         <p:nvPicPr>
-          <p:cNvPr id="5" name="내용 개체 틀 4"/>
-          <p:cNvPicPr>
-            <a:picLocks noGrp="1" noChangeAspect="1"/>
+          <p:cNvPr id="4" name="내용 개체 틀 3"/>
+          <p:cNvPicPr preferRelativeResize="0">
+            <a:picLocks noGrp="1"/>
           </p:cNvPicPr>
           <p:nvPr>
             <p:ph idx="1"/>
@@ -7266,8 +7504,8 @@
         </p:blipFill>
         <p:spPr>
           <a:xfrm>
-            <a:off x="677334" y="1371599"/>
-            <a:ext cx="8120677" cy="5085271"/>
+            <a:off x="720000" y="1260000"/>
+            <a:ext cx="8640000" cy="5040000"/>
           </a:xfrm>
           <a:prstGeom prst="rect">
             <a:avLst/>
@@ -7277,7 +7515,7 @@
     </p:spTree>
     <p:extLst>
       <p:ext uri="{BB962C8B-B14F-4D97-AF65-F5344CB8AC3E}">
-        <p14:creationId xmlns:p14="http://schemas.microsoft.com/office/powerpoint/2010/main" val="1766457730"/>
+        <p14:creationId xmlns:p14="http://schemas.microsoft.com/office/powerpoint/2010/main" val="2937453668"/>
       </p:ext>
     </p:extLst>
   </p:cSld>
@@ -7333,7 +7571,19 @@
           <a:p>
             <a:r>
               <a:rPr lang="ko-KR" altLang="en-US" dirty="0" smtClean="0"/>
-              <a:t>기능 소개</a:t>
+              <a:t>기능 </a:t>
+            </a:r>
+            <a:r>
+              <a:rPr lang="ko-KR" altLang="en-US" dirty="0" smtClean="0"/>
+              <a:t>소개 </a:t>
+            </a:r>
+            <a:r>
+              <a:rPr lang="en-US" altLang="ko-KR" dirty="0" smtClean="0"/>
+              <a:t>– </a:t>
+            </a:r>
+            <a:r>
+              <a:rPr lang="ko-KR" altLang="en-US" dirty="0" smtClean="0"/>
+              <a:t>주문 관리</a:t>
             </a:r>
             <a:endParaRPr lang="en-US" altLang="ko-KR" dirty="0"/>
           </a:p>
@@ -7341,9 +7591,9 @@
       </p:sp>
       <p:pic>
         <p:nvPicPr>
-          <p:cNvPr id="6" name="내용 개체 틀 5"/>
-          <p:cNvPicPr>
-            <a:picLocks noGrp="1" noChangeAspect="1"/>
+          <p:cNvPr id="4" name="내용 개체 틀 3"/>
+          <p:cNvPicPr preferRelativeResize="0">
+            <a:picLocks noGrp="1"/>
           </p:cNvPicPr>
           <p:nvPr>
             <p:ph idx="1"/>
@@ -7357,8 +7607,8 @@
         </p:blipFill>
         <p:spPr>
           <a:xfrm>
-            <a:off x="677333" y="1371599"/>
-            <a:ext cx="8441953" cy="5068463"/>
+            <a:off x="720000" y="1260000"/>
+            <a:ext cx="8640000" cy="5040000"/>
           </a:xfrm>
           <a:prstGeom prst="rect">
             <a:avLst/>
@@ -7368,7 +7618,474 @@
     </p:spTree>
     <p:extLst>
       <p:ext uri="{BB962C8B-B14F-4D97-AF65-F5344CB8AC3E}">
-        <p14:creationId xmlns:p14="http://schemas.microsoft.com/office/powerpoint/2010/main" val="3022237012"/>
+        <p14:creationId xmlns:p14="http://schemas.microsoft.com/office/powerpoint/2010/main" val="347174083"/>
+      </p:ext>
+    </p:extLst>
+  </p:cSld>
+  <p:clrMapOvr>
+    <a:masterClrMapping/>
+  </p:clrMapOvr>
+  <p:timing>
+    <p:tnLst>
+      <p:par>
+        <p:cTn id="1" dur="indefinite" restart="never" nodeType="tmRoot"/>
+      </p:par>
+    </p:tnLst>
+  </p:timing>
+</p:sld>
+</file>
+
+<file path=ppt/slides/slide25.xml><?xml version="1.0" encoding="utf-8"?>
+<p:sld xmlns:a="http://schemas.openxmlformats.org/drawingml/2006/main" xmlns:r="http://schemas.openxmlformats.org/officeDocument/2006/relationships" xmlns:p="http://schemas.openxmlformats.org/presentationml/2006/main">
+  <p:cSld>
+    <p:spTree>
+      <p:nvGrpSpPr>
+        <p:cNvPr id="1" name=""/>
+        <p:cNvGrpSpPr/>
+        <p:nvPr/>
+      </p:nvGrpSpPr>
+      <p:grpSpPr>
+        <a:xfrm>
+          <a:off x="0" y="0"/>
+          <a:ext cx="0" cy="0"/>
+          <a:chOff x="0" y="0"/>
+          <a:chExt cx="0" cy="0"/>
+        </a:xfrm>
+      </p:grpSpPr>
+      <p:sp>
+        <p:nvSpPr>
+          <p:cNvPr id="2" name="제목 1"/>
+          <p:cNvSpPr>
+            <a:spLocks noGrp="1"/>
+          </p:cNvSpPr>
+          <p:nvPr>
+            <p:ph type="title"/>
+          </p:nvPr>
+        </p:nvSpPr>
+        <p:spPr>
+          <a:xfrm>
+            <a:off x="677334" y="609600"/>
+            <a:ext cx="8596668" cy="762000"/>
+          </a:xfrm>
+        </p:spPr>
+        <p:txBody>
+          <a:bodyPr/>
+          <a:lstStyle/>
+          <a:p>
+            <a:r>
+              <a:rPr lang="ko-KR" altLang="en-US" dirty="0" smtClean="0"/>
+              <a:t>기능 </a:t>
+            </a:r>
+            <a:r>
+              <a:rPr lang="ko-KR" altLang="en-US" dirty="0" smtClean="0"/>
+              <a:t>소개 </a:t>
+            </a:r>
+            <a:r>
+              <a:rPr lang="en-US" altLang="ko-KR" dirty="0" smtClean="0"/>
+              <a:t>– </a:t>
+            </a:r>
+            <a:r>
+              <a:rPr lang="ko-KR" altLang="en-US" dirty="0" smtClean="0"/>
+              <a:t>회원 관리</a:t>
+            </a:r>
+            <a:endParaRPr lang="en-US" altLang="ko-KR" dirty="0"/>
+          </a:p>
+        </p:txBody>
+      </p:sp>
+      <p:pic>
+        <p:nvPicPr>
+          <p:cNvPr id="4" name="내용 개체 틀 3"/>
+          <p:cNvPicPr preferRelativeResize="0">
+            <a:picLocks noGrp="1"/>
+          </p:cNvPicPr>
+          <p:nvPr>
+            <p:ph idx="1"/>
+          </p:nvPr>
+        </p:nvPicPr>
+        <p:blipFill>
+          <a:blip r:embed="rId2"/>
+          <a:stretch>
+            <a:fillRect/>
+          </a:stretch>
+        </p:blipFill>
+        <p:spPr>
+          <a:xfrm>
+            <a:off x="720000" y="1260000"/>
+            <a:ext cx="8640000" cy="5040000"/>
+          </a:xfrm>
+          <a:prstGeom prst="rect">
+            <a:avLst/>
+          </a:prstGeom>
+        </p:spPr>
+      </p:pic>
+    </p:spTree>
+    <p:extLst>
+      <p:ext uri="{BB962C8B-B14F-4D97-AF65-F5344CB8AC3E}">
+        <p14:creationId xmlns:p14="http://schemas.microsoft.com/office/powerpoint/2010/main" val="1905856394"/>
+      </p:ext>
+    </p:extLst>
+  </p:cSld>
+  <p:clrMapOvr>
+    <a:masterClrMapping/>
+  </p:clrMapOvr>
+  <p:timing>
+    <p:tnLst>
+      <p:par>
+        <p:cTn id="1" dur="indefinite" restart="never" nodeType="tmRoot"/>
+      </p:par>
+    </p:tnLst>
+  </p:timing>
+</p:sld>
+</file>
+
+<file path=ppt/slides/slide26.xml><?xml version="1.0" encoding="utf-8"?>
+<p:sld xmlns:a="http://schemas.openxmlformats.org/drawingml/2006/main" xmlns:r="http://schemas.openxmlformats.org/officeDocument/2006/relationships" xmlns:p="http://schemas.openxmlformats.org/presentationml/2006/main">
+  <p:cSld>
+    <p:spTree>
+      <p:nvGrpSpPr>
+        <p:cNvPr id="1" name=""/>
+        <p:cNvGrpSpPr/>
+        <p:nvPr/>
+      </p:nvGrpSpPr>
+      <p:grpSpPr>
+        <a:xfrm>
+          <a:off x="0" y="0"/>
+          <a:ext cx="0" cy="0"/>
+          <a:chOff x="0" y="0"/>
+          <a:chExt cx="0" cy="0"/>
+        </a:xfrm>
+      </p:grpSpPr>
+      <p:sp>
+        <p:nvSpPr>
+          <p:cNvPr id="2" name="제목 1"/>
+          <p:cNvSpPr>
+            <a:spLocks noGrp="1"/>
+          </p:cNvSpPr>
+          <p:nvPr>
+            <p:ph type="title"/>
+          </p:nvPr>
+        </p:nvSpPr>
+        <p:spPr>
+          <a:xfrm>
+            <a:off x="677334" y="609600"/>
+            <a:ext cx="8596668" cy="762000"/>
+          </a:xfrm>
+        </p:spPr>
+        <p:txBody>
+          <a:bodyPr/>
+          <a:lstStyle/>
+          <a:p>
+            <a:r>
+              <a:rPr lang="ko-KR" altLang="en-US" dirty="0" smtClean="0"/>
+              <a:t>기능 소개</a:t>
+            </a:r>
+            <a:endParaRPr lang="en-US" altLang="ko-KR" dirty="0"/>
+          </a:p>
+        </p:txBody>
+      </p:sp>
+      <p:pic>
+        <p:nvPicPr>
+          <p:cNvPr id="8" name="내용 개체 틀 7"/>
+          <p:cNvPicPr preferRelativeResize="0">
+            <a:picLocks noGrp="1"/>
+          </p:cNvPicPr>
+          <p:nvPr>
+            <p:ph idx="1"/>
+          </p:nvPr>
+        </p:nvPicPr>
+        <p:blipFill>
+          <a:blip r:embed="rId2"/>
+          <a:stretch>
+            <a:fillRect/>
+          </a:stretch>
+        </p:blipFill>
+        <p:spPr>
+          <a:xfrm>
+            <a:off x="720000" y="1260000"/>
+            <a:ext cx="8640000" cy="5040000"/>
+          </a:xfrm>
+          <a:prstGeom prst="rect">
+            <a:avLst/>
+          </a:prstGeom>
+        </p:spPr>
+      </p:pic>
+    </p:spTree>
+    <p:extLst>
+      <p:ext uri="{BB962C8B-B14F-4D97-AF65-F5344CB8AC3E}">
+        <p14:creationId xmlns:p14="http://schemas.microsoft.com/office/powerpoint/2010/main" val="1066177961"/>
+      </p:ext>
+    </p:extLst>
+  </p:cSld>
+  <p:clrMapOvr>
+    <a:masterClrMapping/>
+  </p:clrMapOvr>
+  <p:timing>
+    <p:tnLst>
+      <p:par>
+        <p:cTn id="1" dur="indefinite" restart="never" nodeType="tmRoot"/>
+      </p:par>
+    </p:tnLst>
+  </p:timing>
+</p:sld>
+</file>
+
+<file path=ppt/slides/slide27.xml><?xml version="1.0" encoding="utf-8"?>
+<p:sld xmlns:a="http://schemas.openxmlformats.org/drawingml/2006/main" xmlns:r="http://schemas.openxmlformats.org/officeDocument/2006/relationships" xmlns:p="http://schemas.openxmlformats.org/presentationml/2006/main">
+  <p:cSld>
+    <p:spTree>
+      <p:nvGrpSpPr>
+        <p:cNvPr id="1" name=""/>
+        <p:cNvGrpSpPr/>
+        <p:nvPr/>
+      </p:nvGrpSpPr>
+      <p:grpSpPr>
+        <a:xfrm>
+          <a:off x="0" y="0"/>
+          <a:ext cx="0" cy="0"/>
+          <a:chOff x="0" y="0"/>
+          <a:chExt cx="0" cy="0"/>
+        </a:xfrm>
+      </p:grpSpPr>
+      <p:sp>
+        <p:nvSpPr>
+          <p:cNvPr id="2" name="제목 1"/>
+          <p:cNvSpPr>
+            <a:spLocks noGrp="1"/>
+          </p:cNvSpPr>
+          <p:nvPr>
+            <p:ph type="title"/>
+          </p:nvPr>
+        </p:nvSpPr>
+        <p:spPr>
+          <a:xfrm>
+            <a:off x="677334" y="609600"/>
+            <a:ext cx="8596668" cy="762000"/>
+          </a:xfrm>
+        </p:spPr>
+        <p:txBody>
+          <a:bodyPr/>
+          <a:lstStyle/>
+          <a:p>
+            <a:r>
+              <a:rPr lang="ko-KR" altLang="en-US" dirty="0" smtClean="0"/>
+              <a:t>기능 소개</a:t>
+            </a:r>
+            <a:endParaRPr lang="en-US" altLang="ko-KR" dirty="0"/>
+          </a:p>
+        </p:txBody>
+      </p:sp>
+      <p:pic>
+        <p:nvPicPr>
+          <p:cNvPr id="8" name="내용 개체 틀 7"/>
+          <p:cNvPicPr preferRelativeResize="0">
+            <a:picLocks noGrp="1"/>
+          </p:cNvPicPr>
+          <p:nvPr>
+            <p:ph idx="1"/>
+          </p:nvPr>
+        </p:nvPicPr>
+        <p:blipFill>
+          <a:blip r:embed="rId2"/>
+          <a:stretch>
+            <a:fillRect/>
+          </a:stretch>
+        </p:blipFill>
+        <p:spPr>
+          <a:xfrm>
+            <a:off x="720000" y="1260000"/>
+            <a:ext cx="8640000" cy="5040000"/>
+          </a:xfrm>
+          <a:prstGeom prst="rect">
+            <a:avLst/>
+          </a:prstGeom>
+        </p:spPr>
+      </p:pic>
+    </p:spTree>
+    <p:extLst>
+      <p:ext uri="{BB962C8B-B14F-4D97-AF65-F5344CB8AC3E}">
+        <p14:creationId xmlns:p14="http://schemas.microsoft.com/office/powerpoint/2010/main" val="2935671793"/>
+      </p:ext>
+    </p:extLst>
+  </p:cSld>
+  <p:clrMapOvr>
+    <a:masterClrMapping/>
+  </p:clrMapOvr>
+  <p:timing>
+    <p:tnLst>
+      <p:par>
+        <p:cTn id="1" dur="indefinite" restart="never" nodeType="tmRoot"/>
+      </p:par>
+    </p:tnLst>
+  </p:timing>
+</p:sld>
+</file>
+
+<file path=ppt/slides/slide28.xml><?xml version="1.0" encoding="utf-8"?>
+<p:sld xmlns:a="http://schemas.openxmlformats.org/drawingml/2006/main" xmlns:r="http://schemas.openxmlformats.org/officeDocument/2006/relationships" xmlns:p="http://schemas.openxmlformats.org/presentationml/2006/main">
+  <p:cSld>
+    <p:spTree>
+      <p:nvGrpSpPr>
+        <p:cNvPr id="1" name=""/>
+        <p:cNvGrpSpPr/>
+        <p:nvPr/>
+      </p:nvGrpSpPr>
+      <p:grpSpPr>
+        <a:xfrm>
+          <a:off x="0" y="0"/>
+          <a:ext cx="0" cy="0"/>
+          <a:chOff x="0" y="0"/>
+          <a:chExt cx="0" cy="0"/>
+        </a:xfrm>
+      </p:grpSpPr>
+      <p:sp>
+        <p:nvSpPr>
+          <p:cNvPr id="2" name="제목 1"/>
+          <p:cNvSpPr>
+            <a:spLocks noGrp="1"/>
+          </p:cNvSpPr>
+          <p:nvPr>
+            <p:ph type="title"/>
+          </p:nvPr>
+        </p:nvSpPr>
+        <p:spPr>
+          <a:xfrm>
+            <a:off x="677334" y="609600"/>
+            <a:ext cx="8596668" cy="762000"/>
+          </a:xfrm>
+        </p:spPr>
+        <p:txBody>
+          <a:bodyPr/>
+          <a:lstStyle/>
+          <a:p>
+            <a:r>
+              <a:rPr lang="ko-KR" altLang="en-US" dirty="0" smtClean="0"/>
+              <a:t>기능 소개</a:t>
+            </a:r>
+            <a:endParaRPr lang="en-US" altLang="ko-KR" dirty="0"/>
+          </a:p>
+        </p:txBody>
+      </p:sp>
+      <p:pic>
+        <p:nvPicPr>
+          <p:cNvPr id="6" name="내용 개체 틀 5"/>
+          <p:cNvPicPr preferRelativeResize="0">
+            <a:picLocks noGrp="1"/>
+          </p:cNvPicPr>
+          <p:nvPr>
+            <p:ph idx="1"/>
+          </p:nvPr>
+        </p:nvPicPr>
+        <p:blipFill>
+          <a:blip r:embed="rId2"/>
+          <a:stretch>
+            <a:fillRect/>
+          </a:stretch>
+        </p:blipFill>
+        <p:spPr>
+          <a:xfrm>
+            <a:off x="720000" y="1260000"/>
+            <a:ext cx="8640000" cy="5040000"/>
+          </a:xfrm>
+          <a:prstGeom prst="rect">
+            <a:avLst/>
+          </a:prstGeom>
+        </p:spPr>
+      </p:pic>
+    </p:spTree>
+    <p:extLst>
+      <p:ext uri="{BB962C8B-B14F-4D97-AF65-F5344CB8AC3E}">
+        <p14:creationId xmlns:p14="http://schemas.microsoft.com/office/powerpoint/2010/main" val="3459207618"/>
+      </p:ext>
+    </p:extLst>
+  </p:cSld>
+  <p:clrMapOvr>
+    <a:masterClrMapping/>
+  </p:clrMapOvr>
+  <p:timing>
+    <p:tnLst>
+      <p:par>
+        <p:cTn id="1" dur="indefinite" restart="never" nodeType="tmRoot"/>
+      </p:par>
+    </p:tnLst>
+  </p:timing>
+</p:sld>
+</file>
+
+<file path=ppt/slides/slide29.xml><?xml version="1.0" encoding="utf-8"?>
+<p:sld xmlns:a="http://schemas.openxmlformats.org/drawingml/2006/main" xmlns:r="http://schemas.openxmlformats.org/officeDocument/2006/relationships" xmlns:p="http://schemas.openxmlformats.org/presentationml/2006/main">
+  <p:cSld>
+    <p:spTree>
+      <p:nvGrpSpPr>
+        <p:cNvPr id="1" name=""/>
+        <p:cNvGrpSpPr/>
+        <p:nvPr/>
+      </p:nvGrpSpPr>
+      <p:grpSpPr>
+        <a:xfrm>
+          <a:off x="0" y="0"/>
+          <a:ext cx="0" cy="0"/>
+          <a:chOff x="0" y="0"/>
+          <a:chExt cx="0" cy="0"/>
+        </a:xfrm>
+      </p:grpSpPr>
+      <p:sp>
+        <p:nvSpPr>
+          <p:cNvPr id="2" name="제목 1"/>
+          <p:cNvSpPr>
+            <a:spLocks noGrp="1"/>
+          </p:cNvSpPr>
+          <p:nvPr>
+            <p:ph type="title"/>
+          </p:nvPr>
+        </p:nvSpPr>
+        <p:spPr>
+          <a:xfrm>
+            <a:off x="677334" y="609600"/>
+            <a:ext cx="8596668" cy="762000"/>
+          </a:xfrm>
+        </p:spPr>
+        <p:txBody>
+          <a:bodyPr/>
+          <a:lstStyle/>
+          <a:p>
+            <a:r>
+              <a:rPr lang="ko-KR" altLang="en-US" dirty="0" smtClean="0"/>
+              <a:t>기능 소개</a:t>
+            </a:r>
+            <a:endParaRPr lang="en-US" altLang="ko-KR" dirty="0"/>
+          </a:p>
+        </p:txBody>
+      </p:sp>
+      <p:pic>
+        <p:nvPicPr>
+          <p:cNvPr id="6" name="내용 개체 틀 5"/>
+          <p:cNvPicPr preferRelativeResize="0">
+            <a:picLocks noGrp="1"/>
+          </p:cNvPicPr>
+          <p:nvPr>
+            <p:ph idx="1"/>
+          </p:nvPr>
+        </p:nvPicPr>
+        <p:blipFill>
+          <a:blip r:embed="rId2"/>
+          <a:stretch>
+            <a:fillRect/>
+          </a:stretch>
+        </p:blipFill>
+        <p:spPr>
+          <a:xfrm>
+            <a:off x="720000" y="1260000"/>
+            <a:ext cx="8640000" cy="5040000"/>
+          </a:xfrm>
+          <a:prstGeom prst="rect">
+            <a:avLst/>
+          </a:prstGeom>
+        </p:spPr>
+      </p:pic>
+    </p:spTree>
+    <p:extLst>
+      <p:ext uri="{BB962C8B-B14F-4D97-AF65-F5344CB8AC3E}">
+        <p14:creationId xmlns:p14="http://schemas.microsoft.com/office/powerpoint/2010/main" val="2413401105"/>
       </p:ext>
     </p:extLst>
   </p:cSld>
@@ -7519,6 +8236,212 @@
     <p:extLst>
       <p:ext uri="{BB962C8B-B14F-4D97-AF65-F5344CB8AC3E}">
         <p14:creationId xmlns:p14="http://schemas.microsoft.com/office/powerpoint/2010/main" val="3719779541"/>
+      </p:ext>
+    </p:extLst>
+  </p:cSld>
+  <p:clrMapOvr>
+    <a:masterClrMapping/>
+  </p:clrMapOvr>
+  <p:timing>
+    <p:tnLst>
+      <p:par>
+        <p:cTn id="1" dur="indefinite" restart="never" nodeType="tmRoot"/>
+      </p:par>
+    </p:tnLst>
+  </p:timing>
+</p:sld>
+</file>
+
+<file path=ppt/slides/slide30.xml><?xml version="1.0" encoding="utf-8"?>
+<p:sld xmlns:a="http://schemas.openxmlformats.org/drawingml/2006/main" xmlns:r="http://schemas.openxmlformats.org/officeDocument/2006/relationships" xmlns:p="http://schemas.openxmlformats.org/presentationml/2006/main">
+  <p:cSld>
+    <p:spTree>
+      <p:nvGrpSpPr>
+        <p:cNvPr id="1" name=""/>
+        <p:cNvGrpSpPr/>
+        <p:nvPr/>
+      </p:nvGrpSpPr>
+      <p:grpSpPr>
+        <a:xfrm>
+          <a:off x="0" y="0"/>
+          <a:ext cx="0" cy="0"/>
+          <a:chOff x="0" y="0"/>
+          <a:chExt cx="0" cy="0"/>
+        </a:xfrm>
+      </p:grpSpPr>
+      <p:sp>
+        <p:nvSpPr>
+          <p:cNvPr id="2" name="제목 1"/>
+          <p:cNvSpPr>
+            <a:spLocks noGrp="1"/>
+          </p:cNvSpPr>
+          <p:nvPr>
+            <p:ph type="title"/>
+          </p:nvPr>
+        </p:nvSpPr>
+        <p:spPr>
+          <a:xfrm>
+            <a:off x="677334" y="609600"/>
+            <a:ext cx="8596668" cy="762000"/>
+          </a:xfrm>
+        </p:spPr>
+        <p:txBody>
+          <a:bodyPr/>
+          <a:lstStyle/>
+          <a:p>
+            <a:r>
+              <a:rPr lang="ko-KR" altLang="en-US" dirty="0" smtClean="0"/>
+              <a:t>기능 </a:t>
+            </a:r>
+            <a:r>
+              <a:rPr lang="ko-KR" altLang="en-US" dirty="0" smtClean="0"/>
+              <a:t>소개 </a:t>
+            </a:r>
+            <a:r>
+              <a:rPr lang="en-US" altLang="ko-KR" dirty="0" smtClean="0"/>
+              <a:t>– </a:t>
+            </a:r>
+            <a:r>
+              <a:rPr lang="ko-KR" altLang="en-US" dirty="0" smtClean="0"/>
+              <a:t>등급 관리</a:t>
+            </a:r>
+            <a:endParaRPr lang="en-US" altLang="ko-KR" dirty="0"/>
+          </a:p>
+        </p:txBody>
+      </p:sp>
+      <p:pic>
+        <p:nvPicPr>
+          <p:cNvPr id="4" name="내용 개체 틀 3"/>
+          <p:cNvPicPr preferRelativeResize="0">
+            <a:picLocks noGrp="1"/>
+          </p:cNvPicPr>
+          <p:nvPr>
+            <p:ph idx="1"/>
+          </p:nvPr>
+        </p:nvPicPr>
+        <p:blipFill>
+          <a:blip r:embed="rId2"/>
+          <a:stretch>
+            <a:fillRect/>
+          </a:stretch>
+        </p:blipFill>
+        <p:spPr>
+          <a:xfrm>
+            <a:off x="720000" y="1260000"/>
+            <a:ext cx="8640000" cy="5040000"/>
+          </a:xfrm>
+          <a:prstGeom prst="rect">
+            <a:avLst/>
+          </a:prstGeom>
+        </p:spPr>
+      </p:pic>
+    </p:spTree>
+    <p:extLst>
+      <p:ext uri="{BB962C8B-B14F-4D97-AF65-F5344CB8AC3E}">
+        <p14:creationId xmlns:p14="http://schemas.microsoft.com/office/powerpoint/2010/main" val="1766457730"/>
+      </p:ext>
+    </p:extLst>
+  </p:cSld>
+  <p:clrMapOvr>
+    <a:masterClrMapping/>
+  </p:clrMapOvr>
+  <p:timing>
+    <p:tnLst>
+      <p:par>
+        <p:cTn id="1" dur="indefinite" restart="never" nodeType="tmRoot"/>
+      </p:par>
+    </p:tnLst>
+  </p:timing>
+</p:sld>
+</file>
+
+<file path=ppt/slides/slide31.xml><?xml version="1.0" encoding="utf-8"?>
+<p:sld xmlns:a="http://schemas.openxmlformats.org/drawingml/2006/main" xmlns:r="http://schemas.openxmlformats.org/officeDocument/2006/relationships" xmlns:p="http://schemas.openxmlformats.org/presentationml/2006/main">
+  <p:cSld>
+    <p:spTree>
+      <p:nvGrpSpPr>
+        <p:cNvPr id="1" name=""/>
+        <p:cNvGrpSpPr/>
+        <p:nvPr/>
+      </p:nvGrpSpPr>
+      <p:grpSpPr>
+        <a:xfrm>
+          <a:off x="0" y="0"/>
+          <a:ext cx="0" cy="0"/>
+          <a:chOff x="0" y="0"/>
+          <a:chExt cx="0" cy="0"/>
+        </a:xfrm>
+      </p:grpSpPr>
+      <p:sp>
+        <p:nvSpPr>
+          <p:cNvPr id="2" name="제목 1"/>
+          <p:cNvSpPr>
+            <a:spLocks noGrp="1"/>
+          </p:cNvSpPr>
+          <p:nvPr>
+            <p:ph type="title"/>
+          </p:nvPr>
+        </p:nvSpPr>
+        <p:spPr>
+          <a:xfrm>
+            <a:off x="677334" y="609600"/>
+            <a:ext cx="8596668" cy="762000"/>
+          </a:xfrm>
+        </p:spPr>
+        <p:txBody>
+          <a:bodyPr/>
+          <a:lstStyle/>
+          <a:p>
+            <a:r>
+              <a:rPr lang="ko-KR" altLang="en-US" dirty="0" smtClean="0"/>
+              <a:t>기능 </a:t>
+            </a:r>
+            <a:r>
+              <a:rPr lang="ko-KR" altLang="en-US" dirty="0" smtClean="0"/>
+              <a:t>소개 </a:t>
+            </a:r>
+            <a:r>
+              <a:rPr lang="en-US" altLang="ko-KR" dirty="0" smtClean="0"/>
+              <a:t>– </a:t>
+            </a:r>
+            <a:r>
+              <a:rPr lang="ko-KR" altLang="en-US" dirty="0" smtClean="0"/>
+              <a:t>세탁물 코드 관리</a:t>
+            </a:r>
+            <a:endParaRPr lang="en-US" altLang="ko-KR" dirty="0"/>
+          </a:p>
+        </p:txBody>
+      </p:sp>
+      <p:pic>
+        <p:nvPicPr>
+          <p:cNvPr id="4" name="내용 개체 틀 3"/>
+          <p:cNvPicPr preferRelativeResize="0">
+            <a:picLocks noGrp="1"/>
+          </p:cNvPicPr>
+          <p:nvPr>
+            <p:ph idx="1"/>
+          </p:nvPr>
+        </p:nvPicPr>
+        <p:blipFill>
+          <a:blip r:embed="rId2"/>
+          <a:stretch>
+            <a:fillRect/>
+          </a:stretch>
+        </p:blipFill>
+        <p:spPr>
+          <a:xfrm>
+            <a:off x="720000" y="1260000"/>
+            <a:ext cx="8640000" cy="5040000"/>
+          </a:xfrm>
+          <a:prstGeom prst="rect">
+            <a:avLst/>
+          </a:prstGeom>
+        </p:spPr>
+      </p:pic>
+    </p:spTree>
+    <p:extLst>
+      <p:ext uri="{BB962C8B-B14F-4D97-AF65-F5344CB8AC3E}">
+        <p14:creationId xmlns:p14="http://schemas.microsoft.com/office/powerpoint/2010/main" val="3022237012"/>
       </p:ext>
     </p:extLst>
   </p:cSld>
@@ -7792,38 +8715,804 @@
             </a:r>
             <a:r>
               <a:rPr lang="en-US" altLang="ko-KR" dirty="0"/>
-              <a:t>- EXERD</a:t>
+              <a:t>- </a:t>
+            </a:r>
+            <a:r>
+              <a:rPr lang="ko-KR" altLang="en-US" dirty="0" smtClean="0"/>
+              <a:t>구성도</a:t>
             </a:r>
             <a:endParaRPr lang="ko-KR" altLang="en-US" dirty="0"/>
           </a:p>
         </p:txBody>
       </p:sp>
-      <p:pic>
-        <p:nvPicPr>
-          <p:cNvPr id="6" name="내용 개체 틀 3"/>
-          <p:cNvPicPr>
-            <a:picLocks noGrp="1" noChangeAspect="1"/>
-          </p:cNvPicPr>
-          <p:nvPr>
-            <p:ph idx="1"/>
-          </p:nvPr>
-        </p:nvPicPr>
-        <p:blipFill>
-          <a:blip r:embed="rId2"/>
-          <a:stretch>
-            <a:fillRect/>
-          </a:stretch>
-        </p:blipFill>
-        <p:spPr>
-          <a:xfrm>
-            <a:off x="1094040" y="1691976"/>
-            <a:ext cx="7763958" cy="4277322"/>
-          </a:xfrm>
-          <a:prstGeom prst="rect">
+      <p:sp>
+        <p:nvSpPr>
+          <p:cNvPr id="4" name="순서도: 처리 3"/>
+          <p:cNvSpPr/>
+          <p:nvPr/>
+        </p:nvSpPr>
+        <p:spPr>
+          <a:xfrm>
+            <a:off x="958351" y="3177310"/>
+            <a:ext cx="1152000" cy="900000"/>
+          </a:xfrm>
+          <a:prstGeom prst="flowChartProcess">
             <a:avLst/>
           </a:prstGeom>
-        </p:spPr>
-      </p:pic>
+          <a:solidFill>
+            <a:schemeClr val="accent1">
+              <a:lumMod val="20000"/>
+              <a:lumOff val="80000"/>
+            </a:schemeClr>
+          </a:solidFill>
+        </p:spPr>
+        <p:style>
+          <a:lnRef idx="2">
+            <a:schemeClr val="dk1">
+              <a:shade val="50000"/>
+            </a:schemeClr>
+          </a:lnRef>
+          <a:fillRef idx="1">
+            <a:schemeClr val="dk1"/>
+          </a:fillRef>
+          <a:effectRef idx="0">
+            <a:schemeClr val="dk1"/>
+          </a:effectRef>
+          <a:fontRef idx="minor">
+            <a:schemeClr val="lt1"/>
+          </a:fontRef>
+        </p:style>
+        <p:txBody>
+          <a:bodyPr rtlCol="0" anchor="ctr"/>
+          <a:lstStyle/>
+          <a:p>
+            <a:pPr algn="ctr"/>
+            <a:r>
+              <a:rPr lang="ko-KR" altLang="en-US" dirty="0" smtClean="0">
+                <a:ln w="0"/>
+                <a:solidFill>
+                  <a:schemeClr val="tx1"/>
+                </a:solidFill>
+                <a:effectLst>
+                  <a:outerShdw blurRad="38100" dist="19050" dir="2700000" algn="tl" rotWithShape="0">
+                    <a:schemeClr val="dk1">
+                      <a:alpha val="40000"/>
+                    </a:schemeClr>
+                  </a:outerShdw>
+                </a:effectLst>
+              </a:rPr>
+              <a:t>주문입력</a:t>
+            </a:r>
+            <a:endParaRPr lang="ko-KR" altLang="en-US" dirty="0">
+              <a:ln w="0"/>
+              <a:solidFill>
+                <a:schemeClr val="tx1"/>
+              </a:solidFill>
+              <a:effectLst>
+                <a:outerShdw blurRad="38100" dist="19050" dir="2700000" algn="tl" rotWithShape="0">
+                  <a:schemeClr val="dk1">
+                    <a:alpha val="40000"/>
+                  </a:schemeClr>
+                </a:outerShdw>
+              </a:effectLst>
+            </a:endParaRPr>
+          </a:p>
+        </p:txBody>
+      </p:sp>
+      <p:sp>
+        <p:nvSpPr>
+          <p:cNvPr id="8" name="순서도: 처리 7"/>
+          <p:cNvSpPr/>
+          <p:nvPr/>
+        </p:nvSpPr>
+        <p:spPr>
+          <a:xfrm>
+            <a:off x="2214842" y="3177310"/>
+            <a:ext cx="1152000" cy="900000"/>
+          </a:xfrm>
+          <a:prstGeom prst="flowChartProcess">
+            <a:avLst/>
+          </a:prstGeom>
+          <a:solidFill>
+            <a:schemeClr val="accent1">
+              <a:lumMod val="20000"/>
+              <a:lumOff val="80000"/>
+            </a:schemeClr>
+          </a:solidFill>
+        </p:spPr>
+        <p:style>
+          <a:lnRef idx="2">
+            <a:schemeClr val="dk1">
+              <a:shade val="50000"/>
+            </a:schemeClr>
+          </a:lnRef>
+          <a:fillRef idx="1">
+            <a:schemeClr val="dk1"/>
+          </a:fillRef>
+          <a:effectRef idx="0">
+            <a:schemeClr val="dk1"/>
+          </a:effectRef>
+          <a:fontRef idx="minor">
+            <a:schemeClr val="lt1"/>
+          </a:fontRef>
+        </p:style>
+        <p:txBody>
+          <a:bodyPr rtlCol="0" anchor="ctr"/>
+          <a:lstStyle/>
+          <a:p>
+            <a:pPr algn="ctr"/>
+            <a:r>
+              <a:rPr lang="ko-KR" altLang="en-US" dirty="0" smtClean="0">
+                <a:ln w="0"/>
+                <a:solidFill>
+                  <a:schemeClr val="tx1"/>
+                </a:solidFill>
+                <a:effectLst>
+                  <a:outerShdw blurRad="38100" dist="19050" dir="2700000" algn="tl" rotWithShape="0">
+                    <a:schemeClr val="dk1">
+                      <a:alpha val="40000"/>
+                    </a:schemeClr>
+                  </a:outerShdw>
+                </a:effectLst>
+              </a:rPr>
+              <a:t>주문수정</a:t>
+            </a:r>
+            <a:endParaRPr lang="ko-KR" altLang="en-US" dirty="0"/>
+          </a:p>
+        </p:txBody>
+      </p:sp>
+      <p:sp>
+        <p:nvSpPr>
+          <p:cNvPr id="9" name="순서도: 처리 8"/>
+          <p:cNvSpPr/>
+          <p:nvPr/>
+        </p:nvSpPr>
+        <p:spPr>
+          <a:xfrm>
+            <a:off x="3472528" y="3177310"/>
+            <a:ext cx="1152000" cy="900000"/>
+          </a:xfrm>
+          <a:prstGeom prst="flowChartProcess">
+            <a:avLst/>
+          </a:prstGeom>
+          <a:solidFill>
+            <a:schemeClr val="accent1">
+              <a:lumMod val="20000"/>
+              <a:lumOff val="80000"/>
+            </a:schemeClr>
+          </a:solidFill>
+        </p:spPr>
+        <p:style>
+          <a:lnRef idx="2">
+            <a:schemeClr val="dk1">
+              <a:shade val="50000"/>
+            </a:schemeClr>
+          </a:lnRef>
+          <a:fillRef idx="1">
+            <a:schemeClr val="dk1"/>
+          </a:fillRef>
+          <a:effectRef idx="0">
+            <a:schemeClr val="dk1"/>
+          </a:effectRef>
+          <a:fontRef idx="minor">
+            <a:schemeClr val="lt1"/>
+          </a:fontRef>
+        </p:style>
+        <p:txBody>
+          <a:bodyPr rtlCol="0" anchor="ctr"/>
+          <a:lstStyle/>
+          <a:p>
+            <a:pPr algn="ctr"/>
+            <a:r>
+              <a:rPr lang="ko-KR" altLang="en-US" dirty="0" smtClean="0">
+                <a:ln w="0"/>
+                <a:solidFill>
+                  <a:schemeClr val="tx1"/>
+                </a:solidFill>
+                <a:effectLst>
+                  <a:outerShdw blurRad="38100" dist="19050" dir="2700000" algn="tl" rotWithShape="0">
+                    <a:schemeClr val="dk1">
+                      <a:alpha val="40000"/>
+                    </a:schemeClr>
+                  </a:outerShdw>
+                </a:effectLst>
+              </a:rPr>
+              <a:t>출고</a:t>
+            </a:r>
+            <a:endParaRPr lang="ko-KR" altLang="en-US" dirty="0"/>
+          </a:p>
+        </p:txBody>
+      </p:sp>
+      <p:sp>
+        <p:nvSpPr>
+          <p:cNvPr id="10" name="순서도: 처리 9"/>
+          <p:cNvSpPr/>
+          <p:nvPr/>
+        </p:nvSpPr>
+        <p:spPr>
+          <a:xfrm>
+            <a:off x="4730214" y="3177310"/>
+            <a:ext cx="1152000" cy="900000"/>
+          </a:xfrm>
+          <a:prstGeom prst="flowChartProcess">
+            <a:avLst/>
+          </a:prstGeom>
+          <a:solidFill>
+            <a:schemeClr val="accent1">
+              <a:lumMod val="20000"/>
+              <a:lumOff val="80000"/>
+            </a:schemeClr>
+          </a:solidFill>
+        </p:spPr>
+        <p:style>
+          <a:lnRef idx="2">
+            <a:schemeClr val="dk1">
+              <a:shade val="50000"/>
+            </a:schemeClr>
+          </a:lnRef>
+          <a:fillRef idx="1">
+            <a:schemeClr val="dk1"/>
+          </a:fillRef>
+          <a:effectRef idx="0">
+            <a:schemeClr val="dk1"/>
+          </a:effectRef>
+          <a:fontRef idx="minor">
+            <a:schemeClr val="lt1"/>
+          </a:fontRef>
+        </p:style>
+        <p:txBody>
+          <a:bodyPr rtlCol="0" anchor="ctr"/>
+          <a:lstStyle/>
+          <a:p>
+            <a:pPr algn="ctr"/>
+            <a:r>
+              <a:rPr lang="ko-KR" altLang="en-US" dirty="0" err="1" smtClean="0">
+                <a:ln w="0"/>
+                <a:solidFill>
+                  <a:schemeClr val="tx1"/>
+                </a:solidFill>
+                <a:effectLst>
+                  <a:outerShdw blurRad="38100" dist="19050" dir="2700000" algn="tl" rotWithShape="0">
+                    <a:schemeClr val="dk1">
+                      <a:alpha val="40000"/>
+                    </a:schemeClr>
+                  </a:outerShdw>
+                </a:effectLst>
+              </a:rPr>
+              <a:t>미출고</a:t>
+            </a:r>
+            <a:endParaRPr lang="ko-KR" altLang="en-US" dirty="0"/>
+          </a:p>
+        </p:txBody>
+      </p:sp>
+      <p:sp>
+        <p:nvSpPr>
+          <p:cNvPr id="11" name="순서도: 처리 10"/>
+          <p:cNvSpPr/>
+          <p:nvPr/>
+        </p:nvSpPr>
+        <p:spPr>
+          <a:xfrm>
+            <a:off x="5987900" y="3177310"/>
+            <a:ext cx="1152000" cy="900000"/>
+          </a:xfrm>
+          <a:prstGeom prst="flowChartProcess">
+            <a:avLst/>
+          </a:prstGeom>
+          <a:solidFill>
+            <a:schemeClr val="accent1">
+              <a:lumMod val="20000"/>
+              <a:lumOff val="80000"/>
+            </a:schemeClr>
+          </a:solidFill>
+        </p:spPr>
+        <p:style>
+          <a:lnRef idx="2">
+            <a:schemeClr val="dk1">
+              <a:shade val="50000"/>
+            </a:schemeClr>
+          </a:lnRef>
+          <a:fillRef idx="1">
+            <a:schemeClr val="dk1"/>
+          </a:fillRef>
+          <a:effectRef idx="0">
+            <a:schemeClr val="dk1"/>
+          </a:effectRef>
+          <a:fontRef idx="minor">
+            <a:schemeClr val="lt1"/>
+          </a:fontRef>
+        </p:style>
+        <p:txBody>
+          <a:bodyPr rtlCol="0" anchor="ctr"/>
+          <a:lstStyle/>
+          <a:p>
+            <a:pPr algn="ctr"/>
+            <a:r>
+              <a:rPr lang="ko-KR" altLang="en-US" dirty="0" smtClean="0">
+                <a:ln w="0"/>
+                <a:solidFill>
+                  <a:schemeClr val="tx1"/>
+                </a:solidFill>
+                <a:effectLst>
+                  <a:outerShdw blurRad="38100" dist="19050" dir="2700000" algn="tl" rotWithShape="0">
+                    <a:schemeClr val="dk1">
+                      <a:alpha val="40000"/>
+                    </a:schemeClr>
+                  </a:outerShdw>
+                </a:effectLst>
+              </a:rPr>
+              <a:t>전체주문검색</a:t>
+            </a:r>
+            <a:endParaRPr lang="ko-KR" altLang="en-US" dirty="0"/>
+          </a:p>
+        </p:txBody>
+      </p:sp>
+      <p:sp>
+        <p:nvSpPr>
+          <p:cNvPr id="12" name="순서도: 처리 11"/>
+          <p:cNvSpPr/>
+          <p:nvPr/>
+        </p:nvSpPr>
+        <p:spPr>
+          <a:xfrm>
+            <a:off x="7245586" y="3177310"/>
+            <a:ext cx="1152000" cy="900000"/>
+          </a:xfrm>
+          <a:prstGeom prst="flowChartProcess">
+            <a:avLst/>
+          </a:prstGeom>
+          <a:solidFill>
+            <a:schemeClr val="accent1">
+              <a:lumMod val="20000"/>
+              <a:lumOff val="80000"/>
+            </a:schemeClr>
+          </a:solidFill>
+        </p:spPr>
+        <p:style>
+          <a:lnRef idx="2">
+            <a:schemeClr val="dk1">
+              <a:shade val="50000"/>
+            </a:schemeClr>
+          </a:lnRef>
+          <a:fillRef idx="1">
+            <a:schemeClr val="dk1"/>
+          </a:fillRef>
+          <a:effectRef idx="0">
+            <a:schemeClr val="dk1"/>
+          </a:effectRef>
+          <a:fontRef idx="minor">
+            <a:schemeClr val="lt1"/>
+          </a:fontRef>
+        </p:style>
+        <p:txBody>
+          <a:bodyPr rtlCol="0" anchor="ctr"/>
+          <a:lstStyle/>
+          <a:p>
+            <a:pPr algn="ctr"/>
+            <a:r>
+              <a:rPr lang="ko-KR" altLang="en-US" dirty="0" smtClean="0">
+                <a:ln w="0"/>
+                <a:solidFill>
+                  <a:schemeClr val="tx1"/>
+                </a:solidFill>
+                <a:effectLst>
+                  <a:outerShdw blurRad="38100" dist="19050" dir="2700000" algn="tl" rotWithShape="0">
+                    <a:schemeClr val="dk1">
+                      <a:alpha val="40000"/>
+                    </a:schemeClr>
+                  </a:outerShdw>
+                </a:effectLst>
+              </a:rPr>
+              <a:t>회원정보검색</a:t>
+            </a:r>
+            <a:endParaRPr lang="ko-KR" altLang="en-US" dirty="0"/>
+          </a:p>
+        </p:txBody>
+      </p:sp>
+      <p:sp>
+        <p:nvSpPr>
+          <p:cNvPr id="13" name="순서도: 처리 12"/>
+          <p:cNvSpPr/>
+          <p:nvPr/>
+        </p:nvSpPr>
+        <p:spPr>
+          <a:xfrm>
+            <a:off x="8517337" y="3177310"/>
+            <a:ext cx="1152000" cy="900000"/>
+          </a:xfrm>
+          <a:prstGeom prst="flowChartProcess">
+            <a:avLst/>
+          </a:prstGeom>
+          <a:solidFill>
+            <a:schemeClr val="accent1">
+              <a:lumMod val="20000"/>
+              <a:lumOff val="80000"/>
+            </a:schemeClr>
+          </a:solidFill>
+        </p:spPr>
+        <p:style>
+          <a:lnRef idx="2">
+            <a:schemeClr val="dk1">
+              <a:shade val="50000"/>
+            </a:schemeClr>
+          </a:lnRef>
+          <a:fillRef idx="1">
+            <a:schemeClr val="dk1"/>
+          </a:fillRef>
+          <a:effectRef idx="0">
+            <a:schemeClr val="dk1"/>
+          </a:effectRef>
+          <a:fontRef idx="minor">
+            <a:schemeClr val="lt1"/>
+          </a:fontRef>
+        </p:style>
+        <p:txBody>
+          <a:bodyPr rtlCol="0" anchor="ctr"/>
+          <a:lstStyle/>
+          <a:p>
+            <a:pPr algn="ctr"/>
+            <a:r>
+              <a:rPr lang="ko-KR" altLang="en-US" dirty="0" smtClean="0">
+                <a:ln w="0"/>
+                <a:solidFill>
+                  <a:schemeClr val="tx1"/>
+                </a:solidFill>
+                <a:effectLst>
+                  <a:outerShdw blurRad="38100" dist="19050" dir="2700000" algn="tl" rotWithShape="0">
+                    <a:schemeClr val="dk1">
+                      <a:alpha val="40000"/>
+                    </a:schemeClr>
+                  </a:outerShdw>
+                </a:effectLst>
+              </a:rPr>
+              <a:t>관리</a:t>
+            </a:r>
+            <a:endParaRPr lang="en-US" altLang="ko-KR" dirty="0" smtClean="0">
+              <a:ln w="0"/>
+              <a:solidFill>
+                <a:schemeClr val="tx1"/>
+              </a:solidFill>
+              <a:effectLst>
+                <a:outerShdw blurRad="38100" dist="19050" dir="2700000" algn="tl" rotWithShape="0">
+                  <a:schemeClr val="dk1">
+                    <a:alpha val="40000"/>
+                  </a:schemeClr>
+                </a:outerShdw>
+              </a:effectLst>
+            </a:endParaRPr>
+          </a:p>
+          <a:p>
+            <a:pPr algn="ctr"/>
+            <a:r>
+              <a:rPr lang="en-US" altLang="ko-KR" dirty="0" smtClean="0">
+                <a:ln w="0"/>
+                <a:solidFill>
+                  <a:schemeClr val="tx1"/>
+                </a:solidFill>
+                <a:effectLst>
+                  <a:outerShdw blurRad="38100" dist="19050" dir="2700000" algn="tl" rotWithShape="0">
+                    <a:schemeClr val="dk1">
+                      <a:alpha val="40000"/>
+                    </a:schemeClr>
+                  </a:outerShdw>
+                </a:effectLst>
+              </a:rPr>
+              <a:t>/</a:t>
+            </a:r>
+            <a:r>
+              <a:rPr lang="ko-KR" altLang="en-US" dirty="0" smtClean="0">
+                <a:ln w="0"/>
+                <a:solidFill>
+                  <a:schemeClr val="tx1"/>
+                </a:solidFill>
+                <a:effectLst>
+                  <a:outerShdw blurRad="38100" dist="19050" dir="2700000" algn="tl" rotWithShape="0">
+                    <a:schemeClr val="dk1">
+                      <a:alpha val="40000"/>
+                    </a:schemeClr>
+                  </a:outerShdw>
+                </a:effectLst>
+              </a:rPr>
+              <a:t>설정</a:t>
+            </a:r>
+            <a:endParaRPr lang="en-US" altLang="ko-KR" dirty="0" smtClean="0">
+              <a:ln w="0"/>
+              <a:solidFill>
+                <a:schemeClr val="tx1"/>
+              </a:solidFill>
+              <a:effectLst>
+                <a:outerShdw blurRad="38100" dist="19050" dir="2700000" algn="tl" rotWithShape="0">
+                  <a:schemeClr val="dk1">
+                    <a:alpha val="40000"/>
+                  </a:schemeClr>
+                </a:outerShdw>
+              </a:effectLst>
+            </a:endParaRPr>
+          </a:p>
+          <a:p>
+            <a:pPr algn="ctr"/>
+            <a:r>
+              <a:rPr lang="en-US" altLang="ko-KR" dirty="0" smtClean="0">
+                <a:ln w="0"/>
+                <a:solidFill>
+                  <a:schemeClr val="tx1"/>
+                </a:solidFill>
+                <a:effectLst>
+                  <a:outerShdw blurRad="38100" dist="19050" dir="2700000" algn="tl" rotWithShape="0">
+                    <a:schemeClr val="dk1">
+                      <a:alpha val="40000"/>
+                    </a:schemeClr>
+                  </a:outerShdw>
+                </a:effectLst>
+              </a:rPr>
+              <a:t>/</a:t>
+            </a:r>
+            <a:r>
+              <a:rPr lang="ko-KR" altLang="en-US" dirty="0" smtClean="0">
+                <a:ln w="0"/>
+                <a:solidFill>
+                  <a:schemeClr val="tx1"/>
+                </a:solidFill>
+                <a:effectLst>
+                  <a:outerShdw blurRad="38100" dist="19050" dir="2700000" algn="tl" rotWithShape="0">
+                    <a:schemeClr val="dk1">
+                      <a:alpha val="40000"/>
+                    </a:schemeClr>
+                  </a:outerShdw>
+                </a:effectLst>
+              </a:rPr>
+              <a:t>통계</a:t>
+            </a:r>
+            <a:endParaRPr lang="ko-KR" altLang="en-US" dirty="0"/>
+          </a:p>
+        </p:txBody>
+      </p:sp>
+      <p:cxnSp>
+        <p:nvCxnSpPr>
+          <p:cNvPr id="25" name="직선 연결선 24"/>
+          <p:cNvCxnSpPr>
+            <a:endCxn id="4" idx="0"/>
+          </p:cNvCxnSpPr>
+          <p:nvPr/>
+        </p:nvCxnSpPr>
+        <p:spPr>
+          <a:xfrm>
+            <a:off x="1534351" y="2724728"/>
+            <a:ext cx="0" cy="452582"/>
+          </a:xfrm>
+          <a:prstGeom prst="line">
+            <a:avLst/>
+          </a:prstGeom>
+        </p:spPr>
+        <p:style>
+          <a:lnRef idx="1">
+            <a:schemeClr val="dk1"/>
+          </a:lnRef>
+          <a:fillRef idx="0">
+            <a:schemeClr val="dk1"/>
+          </a:fillRef>
+          <a:effectRef idx="0">
+            <a:schemeClr val="dk1"/>
+          </a:effectRef>
+          <a:fontRef idx="minor">
+            <a:schemeClr val="tx1"/>
+          </a:fontRef>
+        </p:style>
+      </p:cxnSp>
+      <p:cxnSp>
+        <p:nvCxnSpPr>
+          <p:cNvPr id="28" name="직선 연결선 27"/>
+          <p:cNvCxnSpPr>
+            <a:stCxn id="8" idx="0"/>
+          </p:cNvCxnSpPr>
+          <p:nvPr/>
+        </p:nvCxnSpPr>
+        <p:spPr>
+          <a:xfrm flipV="1">
+            <a:off x="2790842" y="2724728"/>
+            <a:ext cx="0" cy="452582"/>
+          </a:xfrm>
+          <a:prstGeom prst="line">
+            <a:avLst/>
+          </a:prstGeom>
+        </p:spPr>
+        <p:style>
+          <a:lnRef idx="1">
+            <a:schemeClr val="dk1"/>
+          </a:lnRef>
+          <a:fillRef idx="0">
+            <a:schemeClr val="dk1"/>
+          </a:fillRef>
+          <a:effectRef idx="0">
+            <a:schemeClr val="dk1"/>
+          </a:effectRef>
+          <a:fontRef idx="minor">
+            <a:schemeClr val="tx1"/>
+          </a:fontRef>
+        </p:style>
+      </p:cxnSp>
+      <p:cxnSp>
+        <p:nvCxnSpPr>
+          <p:cNvPr id="31" name="꺾인 연결선 30"/>
+          <p:cNvCxnSpPr/>
+          <p:nvPr/>
+        </p:nvCxnSpPr>
+        <p:spPr>
+          <a:xfrm>
+            <a:off x="5283614" y="2724728"/>
+            <a:ext cx="3809723" cy="452582"/>
+          </a:xfrm>
+          <a:prstGeom prst="bentConnector2">
+            <a:avLst/>
+          </a:prstGeom>
+        </p:spPr>
+        <p:style>
+          <a:lnRef idx="1">
+            <a:schemeClr val="dk1"/>
+          </a:lnRef>
+          <a:fillRef idx="0">
+            <a:schemeClr val="dk1"/>
+          </a:fillRef>
+          <a:effectRef idx="0">
+            <a:schemeClr val="dk1"/>
+          </a:effectRef>
+          <a:fontRef idx="minor">
+            <a:schemeClr val="tx1"/>
+          </a:fontRef>
+        </p:style>
+      </p:cxnSp>
+      <p:cxnSp>
+        <p:nvCxnSpPr>
+          <p:cNvPr id="34" name="직선 연결선 33"/>
+          <p:cNvCxnSpPr>
+            <a:stCxn id="9" idx="0"/>
+          </p:cNvCxnSpPr>
+          <p:nvPr/>
+        </p:nvCxnSpPr>
+        <p:spPr>
+          <a:xfrm flipH="1" flipV="1">
+            <a:off x="4047333" y="2724728"/>
+            <a:ext cx="1195" cy="452582"/>
+          </a:xfrm>
+          <a:prstGeom prst="line">
+            <a:avLst/>
+          </a:prstGeom>
+        </p:spPr>
+        <p:style>
+          <a:lnRef idx="1">
+            <a:schemeClr val="dk1"/>
+          </a:lnRef>
+          <a:fillRef idx="0">
+            <a:schemeClr val="dk1"/>
+          </a:fillRef>
+          <a:effectRef idx="0">
+            <a:schemeClr val="dk1"/>
+          </a:effectRef>
+          <a:fontRef idx="minor">
+            <a:schemeClr val="tx1"/>
+          </a:fontRef>
+        </p:style>
+      </p:cxnSp>
+      <p:cxnSp>
+        <p:nvCxnSpPr>
+          <p:cNvPr id="36" name="직선 연결선 35"/>
+          <p:cNvCxnSpPr/>
+          <p:nvPr/>
+        </p:nvCxnSpPr>
+        <p:spPr>
+          <a:xfrm flipH="1" flipV="1">
+            <a:off x="5283018" y="2724758"/>
+            <a:ext cx="1195" cy="452582"/>
+          </a:xfrm>
+          <a:prstGeom prst="line">
+            <a:avLst/>
+          </a:prstGeom>
+        </p:spPr>
+        <p:style>
+          <a:lnRef idx="1">
+            <a:schemeClr val="dk1"/>
+          </a:lnRef>
+          <a:fillRef idx="0">
+            <a:schemeClr val="dk1"/>
+          </a:fillRef>
+          <a:effectRef idx="0">
+            <a:schemeClr val="dk1"/>
+          </a:effectRef>
+          <a:fontRef idx="minor">
+            <a:schemeClr val="tx1"/>
+          </a:fontRef>
+        </p:style>
+      </p:cxnSp>
+      <p:cxnSp>
+        <p:nvCxnSpPr>
+          <p:cNvPr id="37" name="직선 연결선 36"/>
+          <p:cNvCxnSpPr/>
+          <p:nvPr/>
+        </p:nvCxnSpPr>
+        <p:spPr>
+          <a:xfrm flipH="1" flipV="1">
+            <a:off x="7820532" y="2724728"/>
+            <a:ext cx="5007" cy="501087"/>
+          </a:xfrm>
+          <a:prstGeom prst="line">
+            <a:avLst/>
+          </a:prstGeom>
+        </p:spPr>
+        <p:style>
+          <a:lnRef idx="1">
+            <a:schemeClr val="dk1"/>
+          </a:lnRef>
+          <a:fillRef idx="0">
+            <a:schemeClr val="dk1"/>
+          </a:fillRef>
+          <a:effectRef idx="0">
+            <a:schemeClr val="dk1"/>
+          </a:effectRef>
+          <a:fontRef idx="minor">
+            <a:schemeClr val="tx1"/>
+          </a:fontRef>
+        </p:style>
+      </p:cxnSp>
+      <p:cxnSp>
+        <p:nvCxnSpPr>
+          <p:cNvPr id="38" name="직선 연결선 37"/>
+          <p:cNvCxnSpPr/>
+          <p:nvPr/>
+        </p:nvCxnSpPr>
+        <p:spPr>
+          <a:xfrm flipH="1" flipV="1">
+            <a:off x="6540105" y="2724728"/>
+            <a:ext cx="1195" cy="452582"/>
+          </a:xfrm>
+          <a:prstGeom prst="line">
+            <a:avLst/>
+          </a:prstGeom>
+        </p:spPr>
+        <p:style>
+          <a:lnRef idx="1">
+            <a:schemeClr val="dk1"/>
+          </a:lnRef>
+          <a:fillRef idx="0">
+            <a:schemeClr val="dk1"/>
+          </a:fillRef>
+          <a:effectRef idx="0">
+            <a:schemeClr val="dk1"/>
+          </a:effectRef>
+          <a:fontRef idx="minor">
+            <a:schemeClr val="tx1"/>
+          </a:fontRef>
+        </p:style>
+      </p:cxnSp>
+      <p:cxnSp>
+        <p:nvCxnSpPr>
+          <p:cNvPr id="42" name="직선 연결선 41"/>
+          <p:cNvCxnSpPr/>
+          <p:nvPr/>
+        </p:nvCxnSpPr>
+        <p:spPr>
+          <a:xfrm>
+            <a:off x="1534351" y="2724728"/>
+            <a:ext cx="3748068" cy="0"/>
+          </a:xfrm>
+          <a:prstGeom prst="line">
+            <a:avLst/>
+          </a:prstGeom>
+        </p:spPr>
+        <p:style>
+          <a:lnRef idx="1">
+            <a:schemeClr val="dk1"/>
+          </a:lnRef>
+          <a:fillRef idx="0">
+            <a:schemeClr val="dk1"/>
+          </a:fillRef>
+          <a:effectRef idx="0">
+            <a:schemeClr val="dk1"/>
+          </a:effectRef>
+          <a:fontRef idx="minor">
+            <a:schemeClr val="tx1"/>
+          </a:fontRef>
+        </p:style>
+      </p:cxnSp>
     </p:spTree>
     <p:extLst>
       <p:ext uri="{BB962C8B-B14F-4D97-AF65-F5344CB8AC3E}">
@@ -7888,24 +9577,8 @@
               <a:t>설계 </a:t>
             </a:r>
             <a:r>
-              <a:rPr lang="en-US" altLang="ko-KR" dirty="0" smtClean="0"/>
-              <a:t>– </a:t>
-            </a:r>
-            <a:r>
-              <a:rPr lang="ko-KR" altLang="en-US" dirty="0" smtClean="0"/>
-              <a:t>클래스 다이어그램</a:t>
-            </a:r>
-            <a:r>
-              <a:rPr lang="en-US" altLang="ko-KR" dirty="0" smtClean="0"/>
-              <a:t>(</a:t>
-            </a:r>
-            <a:r>
-              <a:rPr lang="en-US" altLang="ko-KR" dirty="0" err="1" smtClean="0"/>
-              <a:t>Dto</a:t>
-            </a:r>
-            <a:r>
-              <a:rPr lang="en-US" altLang="ko-KR" dirty="0" smtClean="0"/>
-              <a:t>)</a:t>
+              <a:rPr lang="en-US" altLang="ko-KR" dirty="0"/>
+              <a:t>- EXERD</a:t>
             </a:r>
             <a:endParaRPr lang="ko-KR" altLang="en-US" dirty="0"/>
           </a:p>
@@ -7913,13 +9586,11 @@
       </p:sp>
       <p:pic>
         <p:nvPicPr>
-          <p:cNvPr id="5" name="내용 개체 틀 4"/>
-          <p:cNvPicPr>
-            <a:picLocks noGrp="1" noChangeAspect="1"/>
+          <p:cNvPr id="7" name="그림 6"/>
+          <p:cNvPicPr preferRelativeResize="0">
+            <a:picLocks/>
           </p:cNvPicPr>
-          <p:nvPr>
-            <p:ph idx="1"/>
-          </p:nvPr>
+          <p:nvPr/>
         </p:nvPicPr>
         <p:blipFill>
           <a:blip r:embed="rId2"/>
@@ -7929,8 +9600,8 @@
         </p:blipFill>
         <p:spPr>
           <a:xfrm>
-            <a:off x="677334" y="1276350"/>
-            <a:ext cx="8948804" cy="4933257"/>
+            <a:off x="720000" y="1260000"/>
+            <a:ext cx="8640000" cy="5040000"/>
           </a:xfrm>
           <a:prstGeom prst="rect">
             <a:avLst/>
@@ -7940,7 +9611,7 @@
     </p:spTree>
     <p:extLst>
       <p:ext uri="{BB962C8B-B14F-4D97-AF65-F5344CB8AC3E}">
-        <p14:creationId xmlns:p14="http://schemas.microsoft.com/office/powerpoint/2010/main" val="2293158777"/>
+        <p14:creationId xmlns:p14="http://schemas.microsoft.com/office/powerpoint/2010/main" val="2235560489"/>
       </p:ext>
     </p:extLst>
   </p:cSld>
@@ -8014,8 +9685,8 @@
       <p:pic>
         <p:nvPicPr>
           <p:cNvPr id="6" name="내용 개체 틀 6"/>
-          <p:cNvPicPr>
-            <a:picLocks noGrp="1" noChangeAspect="1"/>
+          <p:cNvPicPr preferRelativeResize="0">
+            <a:picLocks noGrp="1"/>
           </p:cNvPicPr>
           <p:nvPr>
             <p:ph idx="1"/>
@@ -8029,8 +9700,8 @@
         </p:blipFill>
         <p:spPr>
           <a:xfrm>
-            <a:off x="975212" y="2160588"/>
-            <a:ext cx="8001613" cy="3881437"/>
+            <a:off x="720000" y="1260000"/>
+            <a:ext cx="8640000" cy="5040000"/>
           </a:xfrm>
           <a:prstGeom prst="rect">
             <a:avLst/>
@@ -8113,9 +9784,9 @@
       </p:sp>
       <p:pic>
         <p:nvPicPr>
-          <p:cNvPr id="5" name="내용 개체 틀 6"/>
-          <p:cNvPicPr>
-            <a:picLocks noGrp="1" noChangeAspect="1"/>
+          <p:cNvPr id="4" name="내용 개체 틀 3"/>
+          <p:cNvPicPr preferRelativeResize="0">
+            <a:picLocks noGrp="1"/>
           </p:cNvPicPr>
           <p:nvPr>
             <p:ph idx="1"/>
@@ -8129,8 +9800,8 @@
         </p:blipFill>
         <p:spPr>
           <a:xfrm>
-            <a:off x="1021494" y="1276350"/>
-            <a:ext cx="8336690" cy="5080184"/>
+            <a:off x="720000" y="1276349"/>
+            <a:ext cx="8640000" cy="5040000"/>
           </a:xfrm>
           <a:prstGeom prst="rect">
             <a:avLst/>
@@ -8214,8 +9885,8 @@
       <p:pic>
         <p:nvPicPr>
           <p:cNvPr id="5" name="내용 개체 틀 4"/>
-          <p:cNvPicPr>
-            <a:picLocks noGrp="1" noChangeAspect="1"/>
+          <p:cNvPicPr preferRelativeResize="0">
+            <a:picLocks noGrp="1"/>
           </p:cNvPicPr>
           <p:nvPr>
             <p:ph idx="1"/>
@@ -8229,8 +9900,8 @@
         </p:blipFill>
         <p:spPr>
           <a:xfrm>
-            <a:off x="677863" y="1853514"/>
-            <a:ext cx="8596312" cy="4151870"/>
+            <a:off x="720000" y="1260000"/>
+            <a:ext cx="8640000" cy="5040000"/>
           </a:xfrm>
           <a:prstGeom prst="rect">
             <a:avLst/>

--- a/document/세탁물 주문 관리_임준엽.pptx
+++ b/document/세탁물 주문 관리_임준엽.pptx
@@ -9586,7 +9586,7 @@
       </p:sp>
       <p:pic>
         <p:nvPicPr>
-          <p:cNvPr id="7" name="그림 6"/>
+          <p:cNvPr id="8" name="그림 7"/>
           <p:cNvPicPr preferRelativeResize="0">
             <a:picLocks/>
           </p:cNvPicPr>

--- a/document/세탁물 주문 관리_임준엽.pptx
+++ b/document/세탁물 주문 관리_임준엽.pptx
@@ -6061,9 +6061,9 @@
       </p:sp>
       <p:pic>
         <p:nvPicPr>
-          <p:cNvPr id="9" name="그림 8"/>
-          <p:cNvPicPr>
-            <a:picLocks noChangeAspect="1"/>
+          <p:cNvPr id="10" name="그림 9"/>
+          <p:cNvPicPr preferRelativeResize="0">
+            <a:picLocks/>
           </p:cNvPicPr>
           <p:nvPr/>
         </p:nvPicPr>
@@ -6075,8 +6075,8 @@
         </p:blipFill>
         <p:spPr>
           <a:xfrm>
-            <a:off x="7200000" y="1276350"/>
-            <a:ext cx="3912759" cy="5023650"/>
+            <a:off x="720000" y="1260000"/>
+            <a:ext cx="6480000" cy="5040000"/>
           </a:xfrm>
           <a:prstGeom prst="rect">
             <a:avLst/>
@@ -6085,9 +6085,9 @@
       </p:pic>
       <p:pic>
         <p:nvPicPr>
-          <p:cNvPr id="10" name="그림 9"/>
-          <p:cNvPicPr preferRelativeResize="0">
-            <a:picLocks/>
+          <p:cNvPr id="3" name="그림 2"/>
+          <p:cNvPicPr>
+            <a:picLocks noChangeAspect="1"/>
           </p:cNvPicPr>
           <p:nvPr/>
         </p:nvPicPr>
@@ -6099,8 +6099,8 @@
         </p:blipFill>
         <p:spPr>
           <a:xfrm>
-            <a:off x="720000" y="1260000"/>
-            <a:ext cx="6480000" cy="5040000"/>
+            <a:off x="7242666" y="1276350"/>
+            <a:ext cx="3903129" cy="5023650"/>
           </a:xfrm>
           <a:prstGeom prst="rect">
             <a:avLst/>
@@ -6178,7 +6178,6 @@
               <a:rPr lang="ko-KR" altLang="en-US" dirty="0"/>
               <a:t>주요테이블</a:t>
             </a:r>
-            <a:endParaRPr lang="ko-KR" altLang="en-US" dirty="0"/>
           </a:p>
         </p:txBody>
       </p:sp>
@@ -6919,11 +6918,7 @@
           <a:p>
             <a:r>
               <a:rPr lang="ko-KR" altLang="en-US" dirty="0" smtClean="0"/>
-              <a:t>기능 </a:t>
-            </a:r>
-            <a:r>
-              <a:rPr lang="ko-KR" altLang="en-US" dirty="0" smtClean="0"/>
-              <a:t>소개 </a:t>
+              <a:t>기능 소개 </a:t>
             </a:r>
             <a:r>
               <a:rPr lang="en-US" altLang="ko-KR" dirty="0" smtClean="0"/>
@@ -7159,11 +7154,7 @@
           <a:p>
             <a:r>
               <a:rPr lang="ko-KR" altLang="en-US" dirty="0" smtClean="0"/>
-              <a:t>기능 </a:t>
-            </a:r>
-            <a:r>
-              <a:rPr lang="ko-KR" altLang="en-US" dirty="0" smtClean="0"/>
-              <a:t>소개 </a:t>
+              <a:t>기능 소개 </a:t>
             </a:r>
             <a:r>
               <a:rPr lang="en-US" altLang="ko-KR" dirty="0" smtClean="0"/>
@@ -7266,11 +7257,7 @@
           <a:p>
             <a:r>
               <a:rPr lang="ko-KR" altLang="en-US" dirty="0" smtClean="0"/>
-              <a:t>기능 </a:t>
-            </a:r>
-            <a:r>
-              <a:rPr lang="ko-KR" altLang="en-US" dirty="0" smtClean="0"/>
-              <a:t>소개 </a:t>
+              <a:t>기능 소개 </a:t>
             </a:r>
             <a:r>
               <a:rPr lang="en-US" altLang="ko-KR" dirty="0" smtClean="0"/>
@@ -7377,11 +7364,7 @@
           <a:p>
             <a:r>
               <a:rPr lang="ko-KR" altLang="en-US" dirty="0" smtClean="0"/>
-              <a:t>기능 </a:t>
-            </a:r>
-            <a:r>
-              <a:rPr lang="ko-KR" altLang="en-US" dirty="0" smtClean="0"/>
-              <a:t>소개 </a:t>
+              <a:t>기능 소개 </a:t>
             </a:r>
             <a:r>
               <a:rPr lang="en-US" altLang="ko-KR" dirty="0" smtClean="0"/>
@@ -7571,11 +7554,7 @@
           <a:p>
             <a:r>
               <a:rPr lang="ko-KR" altLang="en-US" dirty="0" smtClean="0"/>
-              <a:t>기능 </a:t>
-            </a:r>
-            <a:r>
-              <a:rPr lang="ko-KR" altLang="en-US" dirty="0" smtClean="0"/>
-              <a:t>소개 </a:t>
+              <a:t>기능 소개 </a:t>
             </a:r>
             <a:r>
               <a:rPr lang="en-US" altLang="ko-KR" dirty="0" smtClean="0"/>
@@ -7674,11 +7653,7 @@
           <a:p>
             <a:r>
               <a:rPr lang="ko-KR" altLang="en-US" dirty="0" smtClean="0"/>
-              <a:t>기능 </a:t>
-            </a:r>
-            <a:r>
-              <a:rPr lang="ko-KR" altLang="en-US" dirty="0" smtClean="0"/>
-              <a:t>소개 </a:t>
+              <a:t>기능 소개 </a:t>
             </a:r>
             <a:r>
               <a:rPr lang="en-US" altLang="ko-KR" dirty="0" smtClean="0"/>
@@ -8291,11 +8266,7 @@
           <a:p>
             <a:r>
               <a:rPr lang="ko-KR" altLang="en-US" dirty="0" smtClean="0"/>
-              <a:t>기능 </a:t>
-            </a:r>
-            <a:r>
-              <a:rPr lang="ko-KR" altLang="en-US" dirty="0" smtClean="0"/>
-              <a:t>소개 </a:t>
+              <a:t>기능 소개 </a:t>
             </a:r>
             <a:r>
               <a:rPr lang="en-US" altLang="ko-KR" dirty="0" smtClean="0"/>
@@ -8394,11 +8365,7 @@
           <a:p>
             <a:r>
               <a:rPr lang="ko-KR" altLang="en-US" dirty="0" smtClean="0"/>
-              <a:t>기능 </a:t>
-            </a:r>
-            <a:r>
-              <a:rPr lang="ko-KR" altLang="en-US" dirty="0" smtClean="0"/>
-              <a:t>소개 </a:t>
+              <a:t>기능 소개 </a:t>
             </a:r>
             <a:r>
               <a:rPr lang="en-US" altLang="ko-KR" dirty="0" smtClean="0"/>

--- a/document/세탁물 주문 관리_임준엽.pptx
+++ b/document/세탁물 주문 관리_임준엽.pptx
@@ -11,31 +11,25 @@
     <p:sldId id="294" r:id="rId5"/>
     <p:sldId id="295" r:id="rId6"/>
     <p:sldId id="304" r:id="rId7"/>
-    <p:sldId id="297" r:id="rId8"/>
-    <p:sldId id="298" r:id="rId9"/>
-    <p:sldId id="296" r:id="rId10"/>
-    <p:sldId id="299" r:id="rId11"/>
-    <p:sldId id="302" r:id="rId12"/>
-    <p:sldId id="311" r:id="rId13"/>
-    <p:sldId id="301" r:id="rId14"/>
-    <p:sldId id="305" r:id="rId15"/>
-    <p:sldId id="310" r:id="rId16"/>
-    <p:sldId id="307" r:id="rId17"/>
-    <p:sldId id="303" r:id="rId18"/>
-    <p:sldId id="308" r:id="rId19"/>
-    <p:sldId id="281" r:id="rId20"/>
-    <p:sldId id="309" r:id="rId21"/>
-    <p:sldId id="282" r:id="rId22"/>
-    <p:sldId id="283" r:id="rId23"/>
-    <p:sldId id="284" r:id="rId24"/>
-    <p:sldId id="285" r:id="rId25"/>
-    <p:sldId id="286" r:id="rId26"/>
-    <p:sldId id="287" r:id="rId27"/>
-    <p:sldId id="288" r:id="rId28"/>
-    <p:sldId id="289" r:id="rId29"/>
-    <p:sldId id="290" r:id="rId30"/>
-    <p:sldId id="291" r:id="rId31"/>
-    <p:sldId id="292" r:id="rId32"/>
+    <p:sldId id="301" r:id="rId8"/>
+    <p:sldId id="305" r:id="rId9"/>
+    <p:sldId id="310" r:id="rId10"/>
+    <p:sldId id="307" r:id="rId11"/>
+    <p:sldId id="303" r:id="rId12"/>
+    <p:sldId id="308" r:id="rId13"/>
+    <p:sldId id="281" r:id="rId14"/>
+    <p:sldId id="309" r:id="rId15"/>
+    <p:sldId id="282" r:id="rId16"/>
+    <p:sldId id="283" r:id="rId17"/>
+    <p:sldId id="284" r:id="rId18"/>
+    <p:sldId id="285" r:id="rId19"/>
+    <p:sldId id="286" r:id="rId20"/>
+    <p:sldId id="291" r:id="rId21"/>
+    <p:sldId id="292" r:id="rId22"/>
+    <p:sldId id="287" r:id="rId23"/>
+    <p:sldId id="288" r:id="rId24"/>
+    <p:sldId id="289" r:id="rId25"/>
+    <p:sldId id="290" r:id="rId26"/>
   </p:sldIdLst>
   <p:sldSz cx="12192000" cy="6858000"/>
   <p:notesSz cx="6858000" cy="9144000"/>
@@ -888,7 +882,7 @@
             <a:fld id="{B61BEF0D-F0BB-DE4B-95CE-6DB70DBA9567}" type="datetimeFigureOut">
               <a:rPr lang="en-US" dirty="0"/>
               <a:pPr/>
-              <a:t>4/30/2021</a:t>
+              <a:t>8/10/2021</a:t>
             </a:fld>
             <a:endParaRPr lang="en-US" dirty="0"/>
           </a:p>
@@ -1136,7 +1130,7 @@
             <a:fld id="{B61BEF0D-F0BB-DE4B-95CE-6DB70DBA9567}" type="datetimeFigureOut">
               <a:rPr lang="en-US" dirty="0"/>
               <a:pPr/>
-              <a:t>4/30/2021</a:t>
+              <a:t>8/10/2021</a:t>
             </a:fld>
             <a:endParaRPr lang="en-US" dirty="0"/>
           </a:p>
@@ -1447,7 +1441,7 @@
             <a:fld id="{B61BEF0D-F0BB-DE4B-95CE-6DB70DBA9567}" type="datetimeFigureOut">
               <a:rPr lang="en-US" dirty="0"/>
               <a:pPr/>
-              <a:t>4/30/2021</a:t>
+              <a:t>8/10/2021</a:t>
             </a:fld>
             <a:endParaRPr lang="en-US" dirty="0"/>
           </a:p>
@@ -1777,7 +1771,7 @@
             <a:fld id="{B61BEF0D-F0BB-DE4B-95CE-6DB70DBA9567}" type="datetimeFigureOut">
               <a:rPr lang="en-US" dirty="0"/>
               <a:pPr/>
-              <a:t>4/30/2021</a:t>
+              <a:t>8/10/2021</a:t>
             </a:fld>
             <a:endParaRPr lang="en-US" dirty="0"/>
           </a:p>
@@ -2088,7 +2082,7 @@
             <a:fld id="{B61BEF0D-F0BB-DE4B-95CE-6DB70DBA9567}" type="datetimeFigureOut">
               <a:rPr lang="en-US" dirty="0"/>
               <a:pPr/>
-              <a:t>4/30/2021</a:t>
+              <a:t>8/10/2021</a:t>
             </a:fld>
             <a:endParaRPr lang="en-US" dirty="0"/>
           </a:p>
@@ -2478,7 +2472,7 @@
             <a:fld id="{B61BEF0D-F0BB-DE4B-95CE-6DB70DBA9567}" type="datetimeFigureOut">
               <a:rPr lang="en-US" dirty="0"/>
               <a:pPr/>
-              <a:t>4/30/2021</a:t>
+              <a:t>8/10/2021</a:t>
             </a:fld>
             <a:endParaRPr lang="en-US" dirty="0"/>
           </a:p>
@@ -2644,7 +2638,7 @@
           <a:p>
             <a:fld id="{55C6B4A9-1611-4792-9094-5F34BCA07E0B}" type="datetimeFigureOut">
               <a:rPr lang="en-US" dirty="0"/>
-              <a:t>4/30/2021</a:t>
+              <a:t>8/10/2021</a:t>
             </a:fld>
             <a:endParaRPr lang="en-US" dirty="0"/>
           </a:p>
@@ -2820,7 +2814,7 @@
             <a:fld id="{B61BEF0D-F0BB-DE4B-95CE-6DB70DBA9567}" type="datetimeFigureOut">
               <a:rPr lang="en-US" dirty="0"/>
               <a:pPr/>
-              <a:t>4/30/2021</a:t>
+              <a:t>8/10/2021</a:t>
             </a:fld>
             <a:endParaRPr lang="en-US" dirty="0"/>
           </a:p>
@@ -2986,7 +2980,7 @@
           <a:p>
             <a:fld id="{42A54C80-263E-416B-A8E0-580EDEADCBDC}" type="datetimeFigureOut">
               <a:rPr lang="en-US" dirty="0"/>
-              <a:t>4/30/2021</a:t>
+              <a:t>8/10/2021</a:t>
             </a:fld>
             <a:endParaRPr lang="en-US" dirty="0"/>
           </a:p>
@@ -3229,7 +3223,7 @@
             <a:fld id="{B61BEF0D-F0BB-DE4B-95CE-6DB70DBA9567}" type="datetimeFigureOut">
               <a:rPr lang="en-US" dirty="0"/>
               <a:pPr/>
-              <a:t>4/30/2021</a:t>
+              <a:t>8/10/2021</a:t>
             </a:fld>
             <a:endParaRPr lang="en-US" dirty="0"/>
           </a:p>
@@ -3457,7 +3451,7 @@
           <a:p>
             <a:fld id="{42A54C80-263E-416B-A8E0-580EDEADCBDC}" type="datetimeFigureOut">
               <a:rPr lang="en-US" dirty="0"/>
-              <a:t>4/30/2021</a:t>
+              <a:t>8/10/2021</a:t>
             </a:fld>
             <a:endParaRPr lang="en-US" dirty="0"/>
           </a:p>
@@ -3827,7 +3821,7 @@
             <a:fld id="{B61BEF0D-F0BB-DE4B-95CE-6DB70DBA9567}" type="datetimeFigureOut">
               <a:rPr lang="en-US" dirty="0"/>
               <a:pPr/>
-              <a:t>4/30/2021</a:t>
+              <a:t>8/10/2021</a:t>
             </a:fld>
             <a:endParaRPr lang="en-US" dirty="0"/>
           </a:p>
@@ -3947,7 +3941,7 @@
             <a:fld id="{B61BEF0D-F0BB-DE4B-95CE-6DB70DBA9567}" type="datetimeFigureOut">
               <a:rPr lang="en-US" dirty="0"/>
               <a:pPr/>
-              <a:t>4/30/2021</a:t>
+              <a:t>8/10/2021</a:t>
             </a:fld>
             <a:endParaRPr lang="en-US" dirty="0"/>
           </a:p>
@@ -4039,7 +4033,7 @@
             <a:fld id="{B61BEF0D-F0BB-DE4B-95CE-6DB70DBA9567}" type="datetimeFigureOut">
               <a:rPr lang="en-US" dirty="0"/>
               <a:pPr/>
-              <a:t>4/30/2021</a:t>
+              <a:t>8/10/2021</a:t>
             </a:fld>
             <a:endParaRPr lang="en-US" dirty="0"/>
           </a:p>
@@ -4290,7 +4284,7 @@
           <a:p>
             <a:fld id="{42A54C80-263E-416B-A8E0-580EDEADCBDC}" type="datetimeFigureOut">
               <a:rPr lang="en-US" dirty="0"/>
-              <a:t>4/30/2021</a:t>
+              <a:t>8/10/2021</a:t>
             </a:fld>
             <a:endParaRPr lang="en-US" dirty="0"/>
           </a:p>
@@ -4592,7 +4586,7 @@
             <a:fld id="{B61BEF0D-F0BB-DE4B-95CE-6DB70DBA9567}" type="datetimeFigureOut">
               <a:rPr lang="en-US" dirty="0"/>
               <a:pPr/>
-              <a:t>4/30/2021</a:t>
+              <a:t>8/10/2021</a:t>
             </a:fld>
             <a:endParaRPr lang="en-US" dirty="0"/>
           </a:p>
@@ -5290,7 +5284,7 @@
             <a:fld id="{B61BEF0D-F0BB-DE4B-95CE-6DB70DBA9567}" type="datetimeFigureOut">
               <a:rPr lang="en-US" dirty="0"/>
               <a:pPr/>
-              <a:t>4/30/2021</a:t>
+              <a:t>8/10/2021</a:t>
             </a:fld>
             <a:endParaRPr lang="en-US" dirty="0"/>
           </a:p>
@@ -5932,27 +5926,19 @@
           <a:p>
             <a:r>
               <a:rPr lang="ko-KR" altLang="en-US" dirty="0"/>
-              <a:t>설계 </a:t>
+              <a:t>기능 </a:t>
+            </a:r>
+            <a:r>
+              <a:rPr lang="ko-KR" altLang="en-US" dirty="0" smtClean="0"/>
+              <a:t>소개 </a:t>
             </a:r>
             <a:r>
               <a:rPr lang="en-US" altLang="ko-KR" dirty="0" smtClean="0"/>
-              <a:t>– </a:t>
+              <a:t>- </a:t>
             </a:r>
             <a:r>
               <a:rPr lang="ko-KR" altLang="en-US" dirty="0" smtClean="0"/>
-              <a:t>클래스 다이어그램</a:t>
-            </a:r>
-            <a:r>
-              <a:rPr lang="en-US" altLang="ko-KR" dirty="0" smtClean="0"/>
-              <a:t>(</a:t>
-            </a:r>
-            <a:r>
-              <a:rPr lang="en-US" altLang="ko-KR" dirty="0" err="1" smtClean="0"/>
-              <a:t>Dto</a:t>
-            </a:r>
-            <a:r>
-              <a:rPr lang="en-US" altLang="ko-KR" dirty="0" smtClean="0"/>
-              <a:t>)</a:t>
+              <a:t>수정</a:t>
             </a:r>
             <a:endParaRPr lang="ko-KR" altLang="en-US" dirty="0"/>
           </a:p>
@@ -5960,7 +5946,7 @@
       </p:sp>
       <p:pic>
         <p:nvPicPr>
-          <p:cNvPr id="5" name="내용 개체 틀 4"/>
+          <p:cNvPr id="9" name="내용 개체 틀 8"/>
           <p:cNvPicPr preferRelativeResize="0">
             <a:picLocks noGrp="1"/>
           </p:cNvPicPr>
@@ -5976,18 +5962,118 @@
         </p:blipFill>
         <p:spPr>
           <a:xfrm>
-            <a:off x="720000" y="1259999"/>
-            <a:ext cx="8640000" cy="5040000"/>
+            <a:off x="3298442" y="1276350"/>
+            <a:ext cx="6480000" cy="5040000"/>
           </a:xfrm>
           <a:prstGeom prst="rect">
             <a:avLst/>
           </a:prstGeom>
         </p:spPr>
       </p:pic>
+      <p:sp>
+        <p:nvSpPr>
+          <p:cNvPr id="7" name="TextBox 6"/>
+          <p:cNvSpPr txBox="1"/>
+          <p:nvPr/>
+        </p:nvSpPr>
+        <p:spPr>
+          <a:xfrm>
+            <a:off x="677334" y="1276350"/>
+            <a:ext cx="2519158" cy="2554545"/>
+          </a:xfrm>
+          <a:prstGeom prst="rect">
+            <a:avLst/>
+          </a:prstGeom>
+          <a:noFill/>
+        </p:spPr>
+        <p:txBody>
+          <a:bodyPr wrap="square" rtlCol="0">
+            <a:spAutoFit/>
+          </a:bodyPr>
+          <a:lstStyle/>
+          <a:p>
+            <a:r>
+              <a:rPr lang="ko-KR" altLang="en-US" sz="2000" b="1" dirty="0" smtClean="0">
+                <a:latin typeface="+mj-ea"/>
+                <a:ea typeface="+mj-ea"/>
+              </a:rPr>
+              <a:t>주문 수정</a:t>
+            </a:r>
+            <a:endParaRPr lang="en-US" altLang="ko-KR" sz="2000" b="1" dirty="0" smtClean="0">
+              <a:latin typeface="+mj-ea"/>
+              <a:ea typeface="+mj-ea"/>
+            </a:endParaRPr>
+          </a:p>
+          <a:p>
+            <a:pPr marL="285750" indent="-285750">
+              <a:buFontTx/>
+              <a:buChar char="-"/>
+            </a:pPr>
+            <a:endParaRPr lang="en-US" altLang="ko-KR" sz="2000" b="1" dirty="0" smtClean="0">
+              <a:latin typeface="+mj-ea"/>
+              <a:ea typeface="+mj-ea"/>
+            </a:endParaRPr>
+          </a:p>
+          <a:p>
+            <a:pPr marL="285750" indent="-285750">
+              <a:buFontTx/>
+              <a:buChar char="-"/>
+            </a:pPr>
+            <a:r>
+              <a:rPr lang="ko-KR" altLang="en-US" sz="2000" dirty="0" smtClean="0">
+                <a:latin typeface="+mj-ea"/>
+                <a:ea typeface="+mj-ea"/>
+              </a:rPr>
+              <a:t>조건 설정 후 검색</a:t>
+            </a:r>
+            <a:endParaRPr lang="en-US" altLang="ko-KR" sz="2000" dirty="0" smtClean="0">
+              <a:latin typeface="+mj-ea"/>
+              <a:ea typeface="+mj-ea"/>
+            </a:endParaRPr>
+          </a:p>
+          <a:p>
+            <a:pPr marL="285750" indent="-285750">
+              <a:buFontTx/>
+              <a:buChar char="-"/>
+            </a:pPr>
+            <a:endParaRPr lang="en-US" altLang="ko-KR" sz="2000" dirty="0">
+              <a:latin typeface="+mj-ea"/>
+              <a:ea typeface="+mj-ea"/>
+            </a:endParaRPr>
+          </a:p>
+          <a:p>
+            <a:pPr marL="285750" indent="-285750">
+              <a:buFontTx/>
+              <a:buChar char="-"/>
+            </a:pPr>
+            <a:r>
+              <a:rPr lang="ko-KR" altLang="en-US" sz="2000" dirty="0" smtClean="0">
+                <a:latin typeface="+mj-ea"/>
+                <a:ea typeface="+mj-ea"/>
+              </a:rPr>
+              <a:t>주문 접수 중인 세탁물에 대한 정보 수정</a:t>
+            </a:r>
+            <a:endParaRPr lang="en-US" altLang="ko-KR" sz="2000" dirty="0" smtClean="0">
+              <a:latin typeface="+mj-ea"/>
+              <a:ea typeface="+mj-ea"/>
+            </a:endParaRPr>
+          </a:p>
+          <a:p>
+            <a:pPr marL="285750" indent="-285750">
+              <a:buFontTx/>
+              <a:buChar char="-"/>
+            </a:pPr>
+            <a:endParaRPr lang="en-US" altLang="ko-KR" sz="2000" dirty="0">
+              <a:latin typeface="+mj-ea"/>
+              <a:ea typeface="+mj-ea"/>
+            </a:endParaRPr>
+          </a:p>
+        </p:txBody>
+      </p:sp>
     </p:spTree>
     <p:extLst>
       <p:ext uri="{BB962C8B-B14F-4D97-AF65-F5344CB8AC3E}">
-        <p14:creationId xmlns:p14="http://schemas.microsoft.com/office/powerpoint/2010/main" val="2293158777"/>
+        <p14:creationId xmlns:p14="http://schemas.microsoft.com/office/powerpoint/2010/main" val="3229213084"/>
       </p:ext>
     </p:extLst>
   </p:cSld>
@@ -6045,15 +6131,19 @@
           <a:p>
             <a:r>
               <a:rPr lang="ko-KR" altLang="en-US" dirty="0"/>
-              <a:t>설계 </a:t>
-            </a:r>
-            <a:r>
-              <a:rPr lang="en-US" altLang="ko-KR" dirty="0"/>
+              <a:t>기능 </a:t>
+            </a:r>
+            <a:r>
+              <a:rPr lang="ko-KR" altLang="en-US" dirty="0" smtClean="0"/>
+              <a:t>소개 </a:t>
+            </a:r>
+            <a:r>
+              <a:rPr lang="en-US" altLang="ko-KR" dirty="0" smtClean="0"/>
               <a:t>- </a:t>
             </a:r>
             <a:r>
               <a:rPr lang="ko-KR" altLang="en-US" dirty="0" smtClean="0"/>
-              <a:t>주요테이블</a:t>
+              <a:t>출고</a:t>
             </a:r>
             <a:endParaRPr lang="ko-KR" altLang="en-US" dirty="0"/>
           </a:p>
@@ -6061,11 +6151,13 @@
       </p:sp>
       <p:pic>
         <p:nvPicPr>
-          <p:cNvPr id="10" name="그림 9"/>
+          <p:cNvPr id="4" name="내용 개체 틀 3"/>
           <p:cNvPicPr preferRelativeResize="0">
-            <a:picLocks/>
+            <a:picLocks noGrp="1"/>
           </p:cNvPicPr>
-          <p:nvPr/>
+          <p:nvPr>
+            <p:ph idx="1"/>
+          </p:nvPr>
         </p:nvPicPr>
         <p:blipFill>
           <a:blip r:embed="rId2"/>
@@ -6075,7 +6167,7 @@
         </p:blipFill>
         <p:spPr>
           <a:xfrm>
-            <a:off x="720000" y="1260000"/>
+            <a:off x="3307596" y="1260000"/>
             <a:ext cx="6480000" cy="5040000"/>
           </a:xfrm>
           <a:prstGeom prst="rect">
@@ -6083,34 +6175,100 @@
           </a:prstGeom>
         </p:spPr>
       </p:pic>
-      <p:pic>
-        <p:nvPicPr>
-          <p:cNvPr id="3" name="그림 2"/>
-          <p:cNvPicPr>
-            <a:picLocks noChangeAspect="1"/>
-          </p:cNvPicPr>
+      <p:sp>
+        <p:nvSpPr>
+          <p:cNvPr id="7" name="TextBox 6"/>
+          <p:cNvSpPr txBox="1"/>
           <p:nvPr/>
-        </p:nvPicPr>
-        <p:blipFill>
-          <a:blip r:embed="rId3"/>
-          <a:stretch>
-            <a:fillRect/>
-          </a:stretch>
-        </p:blipFill>
-        <p:spPr>
-          <a:xfrm>
-            <a:off x="7242666" y="1276350"/>
-            <a:ext cx="3903129" cy="5023650"/>
+        </p:nvSpPr>
+        <p:spPr>
+          <a:xfrm>
+            <a:off x="677334" y="1276350"/>
+            <a:ext cx="2519158" cy="2246769"/>
           </a:xfrm>
           <a:prstGeom prst="rect">
             <a:avLst/>
           </a:prstGeom>
-        </p:spPr>
-      </p:pic>
+          <a:noFill/>
+        </p:spPr>
+        <p:txBody>
+          <a:bodyPr wrap="square" rtlCol="0">
+            <a:spAutoFit/>
+          </a:bodyPr>
+          <a:lstStyle/>
+          <a:p>
+            <a:r>
+              <a:rPr lang="ko-KR" altLang="en-US" sz="2000" b="1" dirty="0" smtClean="0">
+                <a:latin typeface="+mj-ea"/>
+                <a:ea typeface="+mj-ea"/>
+              </a:rPr>
+              <a:t>세탁물 출고</a:t>
+            </a:r>
+            <a:endParaRPr lang="en-US" altLang="ko-KR" sz="2000" b="1" dirty="0" smtClean="0">
+              <a:latin typeface="+mj-ea"/>
+              <a:ea typeface="+mj-ea"/>
+            </a:endParaRPr>
+          </a:p>
+          <a:p>
+            <a:pPr marL="285750" indent="-285750">
+              <a:buFontTx/>
+              <a:buChar char="-"/>
+            </a:pPr>
+            <a:endParaRPr lang="en-US" altLang="ko-KR" sz="2000" b="1" dirty="0" smtClean="0">
+              <a:latin typeface="+mj-ea"/>
+              <a:ea typeface="+mj-ea"/>
+            </a:endParaRPr>
+          </a:p>
+          <a:p>
+            <a:pPr marL="285750" indent="-285750">
+              <a:buFontTx/>
+              <a:buChar char="-"/>
+            </a:pPr>
+            <a:r>
+              <a:rPr lang="ko-KR" altLang="en-US" sz="2000" dirty="0">
+                <a:latin typeface="+mj-ea"/>
+                <a:ea typeface="+mj-ea"/>
+              </a:rPr>
+              <a:t>조건 설정 후 검색</a:t>
+            </a:r>
+            <a:endParaRPr lang="en-US" altLang="ko-KR" sz="2000" dirty="0">
+              <a:latin typeface="+mj-ea"/>
+              <a:ea typeface="+mj-ea"/>
+            </a:endParaRPr>
+          </a:p>
+          <a:p>
+            <a:pPr marL="285750" indent="-285750">
+              <a:buFontTx/>
+              <a:buChar char="-"/>
+            </a:pPr>
+            <a:endParaRPr lang="en-US" altLang="ko-KR" sz="2000" b="1" dirty="0" smtClean="0">
+              <a:latin typeface="+mj-ea"/>
+              <a:ea typeface="+mj-ea"/>
+            </a:endParaRPr>
+          </a:p>
+          <a:p>
+            <a:pPr marL="285750" indent="-285750">
+              <a:buFontTx/>
+              <a:buChar char="-"/>
+            </a:pPr>
+            <a:r>
+              <a:rPr lang="ko-KR" altLang="en-US" sz="2000" dirty="0" smtClean="0">
+                <a:latin typeface="+mj-ea"/>
+                <a:ea typeface="+mj-ea"/>
+              </a:rPr>
+              <a:t>주문 접수 중인 세탁물에 대한 출고처리</a:t>
+            </a:r>
+            <a:endParaRPr lang="ko-KR" altLang="en-US" sz="2000" dirty="0">
+              <a:latin typeface="+mj-ea"/>
+              <a:ea typeface="+mj-ea"/>
+            </a:endParaRPr>
+          </a:p>
+        </p:txBody>
+      </p:sp>
     </p:spTree>
     <p:extLst>
       <p:ext uri="{BB962C8B-B14F-4D97-AF65-F5344CB8AC3E}">
-        <p14:creationId xmlns:p14="http://schemas.microsoft.com/office/powerpoint/2010/main" val="1615575595"/>
+        <p14:creationId xmlns:p14="http://schemas.microsoft.com/office/powerpoint/2010/main" val="306488307"/>
       </p:ext>
     </p:extLst>
   </p:cSld>
@@ -6168,26 +6326,33 @@
           <a:p>
             <a:r>
               <a:rPr lang="ko-KR" altLang="en-US" dirty="0"/>
-              <a:t>설계 </a:t>
-            </a:r>
-            <a:r>
-              <a:rPr lang="en-US" altLang="ko-KR" dirty="0"/>
+              <a:t>기능 </a:t>
+            </a:r>
+            <a:r>
+              <a:rPr lang="ko-KR" altLang="en-US" dirty="0" smtClean="0"/>
+              <a:t>소개 </a:t>
+            </a:r>
+            <a:r>
+              <a:rPr lang="en-US" altLang="ko-KR" dirty="0" smtClean="0"/>
               <a:t>- </a:t>
             </a:r>
             <a:r>
-              <a:rPr lang="ko-KR" altLang="en-US" dirty="0"/>
-              <a:t>주요테이블</a:t>
-            </a:r>
+              <a:rPr lang="ko-KR" altLang="en-US" dirty="0" smtClean="0"/>
+              <a:t>출고</a:t>
+            </a:r>
+            <a:endParaRPr lang="ko-KR" altLang="en-US" dirty="0"/>
           </a:p>
         </p:txBody>
       </p:sp>
       <p:pic>
         <p:nvPicPr>
-          <p:cNvPr id="7" name="그림 6"/>
+          <p:cNvPr id="5" name="내용 개체 틀 4"/>
           <p:cNvPicPr preferRelativeResize="0">
-            <a:picLocks/>
+            <a:picLocks noGrp="1"/>
           </p:cNvPicPr>
-          <p:nvPr/>
+          <p:nvPr>
+            <p:ph idx="1"/>
+          </p:nvPr>
         </p:nvPicPr>
         <p:blipFill>
           <a:blip r:embed="rId2"/>
@@ -6197,7 +6362,7 @@
         </p:blipFill>
         <p:spPr>
           <a:xfrm>
-            <a:off x="720000" y="1260000"/>
+            <a:off x="3283443" y="1260000"/>
             <a:ext cx="6480000" cy="5040000"/>
           </a:xfrm>
           <a:prstGeom prst="rect">
@@ -6205,34 +6370,100 @@
           </a:prstGeom>
         </p:spPr>
       </p:pic>
-      <p:pic>
-        <p:nvPicPr>
-          <p:cNvPr id="3" name="그림 2"/>
-          <p:cNvPicPr>
-            <a:picLocks noChangeAspect="1"/>
-          </p:cNvPicPr>
+      <p:sp>
+        <p:nvSpPr>
+          <p:cNvPr id="9" name="TextBox 8"/>
+          <p:cNvSpPr txBox="1"/>
           <p:nvPr/>
-        </p:nvPicPr>
-        <p:blipFill>
-          <a:blip r:embed="rId3"/>
-          <a:stretch>
-            <a:fillRect/>
-          </a:stretch>
-        </p:blipFill>
-        <p:spPr>
-          <a:xfrm>
-            <a:off x="7242666" y="1260000"/>
-            <a:ext cx="3823440" cy="5040000"/>
+        </p:nvSpPr>
+        <p:spPr>
+          <a:xfrm>
+            <a:off x="677334" y="1276350"/>
+            <a:ext cx="2519158" cy="2246769"/>
           </a:xfrm>
           <a:prstGeom prst="rect">
             <a:avLst/>
           </a:prstGeom>
-        </p:spPr>
-      </p:pic>
+          <a:noFill/>
+        </p:spPr>
+        <p:txBody>
+          <a:bodyPr wrap="square" rtlCol="0">
+            <a:spAutoFit/>
+          </a:bodyPr>
+          <a:lstStyle/>
+          <a:p>
+            <a:r>
+              <a:rPr lang="ko-KR" altLang="en-US" sz="2000" b="1" dirty="0" smtClean="0">
+                <a:latin typeface="+mj-ea"/>
+                <a:ea typeface="+mj-ea"/>
+              </a:rPr>
+              <a:t>세탁물 출고</a:t>
+            </a:r>
+            <a:endParaRPr lang="en-US" altLang="ko-KR" sz="2000" b="1" dirty="0" smtClean="0">
+              <a:latin typeface="+mj-ea"/>
+              <a:ea typeface="+mj-ea"/>
+            </a:endParaRPr>
+          </a:p>
+          <a:p>
+            <a:pPr marL="285750" indent="-285750">
+              <a:buFontTx/>
+              <a:buChar char="-"/>
+            </a:pPr>
+            <a:endParaRPr lang="en-US" altLang="ko-KR" sz="2000" b="1" dirty="0" smtClean="0">
+              <a:latin typeface="+mj-ea"/>
+              <a:ea typeface="+mj-ea"/>
+            </a:endParaRPr>
+          </a:p>
+          <a:p>
+            <a:pPr marL="285750" indent="-285750">
+              <a:buFontTx/>
+              <a:buChar char="-"/>
+            </a:pPr>
+            <a:r>
+              <a:rPr lang="ko-KR" altLang="en-US" sz="2000" dirty="0">
+                <a:latin typeface="+mj-ea"/>
+                <a:ea typeface="+mj-ea"/>
+              </a:rPr>
+              <a:t>조건 설정 후 검색</a:t>
+            </a:r>
+            <a:endParaRPr lang="en-US" altLang="ko-KR" sz="2000" dirty="0">
+              <a:latin typeface="+mj-ea"/>
+              <a:ea typeface="+mj-ea"/>
+            </a:endParaRPr>
+          </a:p>
+          <a:p>
+            <a:pPr marL="285750" indent="-285750">
+              <a:buFontTx/>
+              <a:buChar char="-"/>
+            </a:pPr>
+            <a:endParaRPr lang="en-US" altLang="ko-KR" sz="2000" b="1" dirty="0" smtClean="0">
+              <a:latin typeface="+mj-ea"/>
+              <a:ea typeface="+mj-ea"/>
+            </a:endParaRPr>
+          </a:p>
+          <a:p>
+            <a:pPr marL="285750" indent="-285750">
+              <a:buFontTx/>
+              <a:buChar char="-"/>
+            </a:pPr>
+            <a:r>
+              <a:rPr lang="ko-KR" altLang="en-US" sz="2000" dirty="0" smtClean="0">
+                <a:latin typeface="+mj-ea"/>
+                <a:ea typeface="+mj-ea"/>
+              </a:rPr>
+              <a:t>주문 접수 중인 세탁물에 대한 출고처리</a:t>
+            </a:r>
+            <a:endParaRPr lang="ko-KR" altLang="en-US" sz="2000" dirty="0">
+              <a:latin typeface="+mj-ea"/>
+              <a:ea typeface="+mj-ea"/>
+            </a:endParaRPr>
+          </a:p>
+        </p:txBody>
+      </p:sp>
     </p:spTree>
     <p:extLst>
       <p:ext uri="{BB962C8B-B14F-4D97-AF65-F5344CB8AC3E}">
-        <p14:creationId xmlns:p14="http://schemas.microsoft.com/office/powerpoint/2010/main" val="398987561"/>
+        <p14:creationId xmlns:p14="http://schemas.microsoft.com/office/powerpoint/2010/main" val="2637462507"/>
       </p:ext>
     </p:extLst>
   </p:cSld>
@@ -6279,38 +6510,36 @@
         <p:spPr>
           <a:xfrm>
             <a:off x="677334" y="609600"/>
-            <a:ext cx="8596668" cy="666750"/>
-          </a:xfrm>
-        </p:spPr>
-        <p:txBody>
-          <a:bodyPr>
-            <a:normAutofit/>
-          </a:bodyPr>
-          <a:lstStyle/>
-          <a:p>
-            <a:r>
-              <a:rPr lang="ko-KR" altLang="en-US" dirty="0"/>
-              <a:t>기능 </a:t>
-            </a:r>
+            <a:ext cx="8596668" cy="762000"/>
+          </a:xfrm>
+        </p:spPr>
+        <p:txBody>
+          <a:bodyPr/>
+          <a:lstStyle/>
+          <a:p>
             <a:r>
               <a:rPr lang="ko-KR" altLang="en-US" dirty="0" smtClean="0"/>
-              <a:t>소개 </a:t>
+              <a:t>기능 소개 </a:t>
             </a:r>
             <a:r>
               <a:rPr lang="en-US" altLang="ko-KR" dirty="0" smtClean="0"/>
-              <a:t>- </a:t>
+              <a:t>– </a:t>
+            </a:r>
+            <a:r>
+              <a:rPr lang="ko-KR" altLang="en-US" dirty="0" err="1" smtClean="0"/>
+              <a:t>미출고</a:t>
             </a:r>
             <a:r>
               <a:rPr lang="ko-KR" altLang="en-US" dirty="0" smtClean="0"/>
-              <a:t>주문입력</a:t>
-            </a:r>
-            <a:endParaRPr lang="ko-KR" altLang="en-US" dirty="0"/>
+              <a:t> 세탁물</a:t>
+            </a:r>
+            <a:endParaRPr lang="en-US" altLang="ko-KR" dirty="0"/>
           </a:p>
         </p:txBody>
       </p:sp>
       <p:pic>
         <p:nvPicPr>
-          <p:cNvPr id="5" name="내용 개체 틀 4"/>
+          <p:cNvPr id="4" name="내용 개체 틀 3"/>
           <p:cNvPicPr preferRelativeResize="0">
             <a:picLocks noGrp="1"/>
           </p:cNvPicPr>
@@ -6326,18 +6555,142 @@
         </p:blipFill>
         <p:spPr>
           <a:xfrm>
-            <a:off x="720000" y="1260000"/>
-            <a:ext cx="8640000" cy="5040000"/>
+            <a:off x="3291262" y="1260000"/>
+            <a:ext cx="6480000" cy="5040000"/>
           </a:xfrm>
           <a:prstGeom prst="rect">
             <a:avLst/>
           </a:prstGeom>
         </p:spPr>
       </p:pic>
+      <p:sp>
+        <p:nvSpPr>
+          <p:cNvPr id="8" name="TextBox 7"/>
+          <p:cNvSpPr txBox="1"/>
+          <p:nvPr/>
+        </p:nvSpPr>
+        <p:spPr>
+          <a:xfrm>
+            <a:off x="677334" y="1276350"/>
+            <a:ext cx="2519158" cy="2862322"/>
+          </a:xfrm>
+          <a:prstGeom prst="rect">
+            <a:avLst/>
+          </a:prstGeom>
+          <a:noFill/>
+        </p:spPr>
+        <p:txBody>
+          <a:bodyPr wrap="square" rtlCol="0">
+            <a:spAutoFit/>
+          </a:bodyPr>
+          <a:lstStyle/>
+          <a:p>
+            <a:r>
+              <a:rPr lang="ko-KR" altLang="en-US" sz="2000" b="1" dirty="0" err="1" smtClean="0">
+                <a:latin typeface="+mj-ea"/>
+                <a:ea typeface="+mj-ea"/>
+              </a:rPr>
+              <a:t>미출고</a:t>
+            </a:r>
+            <a:r>
+              <a:rPr lang="ko-KR" altLang="en-US" sz="2000" b="1" dirty="0" smtClean="0">
+                <a:latin typeface="+mj-ea"/>
+                <a:ea typeface="+mj-ea"/>
+              </a:rPr>
+              <a:t> 세탁물 출고</a:t>
+            </a:r>
+            <a:endParaRPr lang="en-US" altLang="ko-KR" sz="2000" b="1" dirty="0" smtClean="0">
+              <a:latin typeface="+mj-ea"/>
+              <a:ea typeface="+mj-ea"/>
+            </a:endParaRPr>
+          </a:p>
+          <a:p>
+            <a:pPr marL="285750" indent="-285750">
+              <a:buFontTx/>
+              <a:buChar char="-"/>
+            </a:pPr>
+            <a:endParaRPr lang="en-US" altLang="ko-KR" sz="2000" b="1" dirty="0" smtClean="0">
+              <a:latin typeface="+mj-ea"/>
+              <a:ea typeface="+mj-ea"/>
+            </a:endParaRPr>
+          </a:p>
+          <a:p>
+            <a:pPr marL="285750" indent="-285750">
+              <a:buFontTx/>
+              <a:buChar char="-"/>
+            </a:pPr>
+            <a:r>
+              <a:rPr lang="ko-KR" altLang="en-US" sz="2000" dirty="0" smtClean="0">
+                <a:latin typeface="+mj-ea"/>
+                <a:ea typeface="+mj-ea"/>
+              </a:rPr>
+              <a:t>출고일을 초과 하여 접수 중인 세탁물에 출력</a:t>
+            </a:r>
+            <a:endParaRPr lang="en-US" altLang="ko-KR" sz="2000" dirty="0" smtClean="0">
+              <a:latin typeface="+mj-ea"/>
+              <a:ea typeface="+mj-ea"/>
+            </a:endParaRPr>
+          </a:p>
+          <a:p>
+            <a:pPr marL="285750" indent="-285750">
+              <a:buFontTx/>
+              <a:buChar char="-"/>
+            </a:pPr>
+            <a:endParaRPr lang="en-US" altLang="ko-KR" sz="2000" dirty="0">
+              <a:latin typeface="+mj-ea"/>
+              <a:ea typeface="+mj-ea"/>
+            </a:endParaRPr>
+          </a:p>
+          <a:p>
+            <a:pPr marL="285750" indent="-285750">
+              <a:buFontTx/>
+              <a:buChar char="-"/>
+            </a:pPr>
+            <a:r>
+              <a:rPr lang="ko-KR" altLang="en-US" sz="2000" dirty="0">
+                <a:latin typeface="+mj-ea"/>
+                <a:ea typeface="+mj-ea"/>
+              </a:rPr>
+              <a:t>조건 설정 후 검색</a:t>
+            </a:r>
+            <a:endParaRPr lang="en-US" altLang="ko-KR" sz="2000" dirty="0">
+              <a:latin typeface="+mj-ea"/>
+              <a:ea typeface="+mj-ea"/>
+            </a:endParaRPr>
+          </a:p>
+          <a:p>
+            <a:pPr marL="285750" indent="-285750">
+              <a:buFontTx/>
+              <a:buChar char="-"/>
+            </a:pPr>
+            <a:endParaRPr lang="en-US" altLang="ko-KR" sz="2000" dirty="0">
+              <a:latin typeface="+mj-ea"/>
+              <a:ea typeface="+mj-ea"/>
+            </a:endParaRPr>
+          </a:p>
+          <a:p>
+            <a:pPr marL="285750" indent="-285750">
+              <a:buFontTx/>
+              <a:buChar char="-"/>
+            </a:pPr>
+            <a:r>
+              <a:rPr lang="ko-KR" altLang="en-US" sz="2000" dirty="0" smtClean="0">
+                <a:latin typeface="+mj-ea"/>
+                <a:ea typeface="+mj-ea"/>
+              </a:rPr>
+              <a:t>세탁물 출고처리</a:t>
+            </a:r>
+            <a:endParaRPr lang="ko-KR" altLang="en-US" sz="2000" dirty="0">
+              <a:latin typeface="+mj-ea"/>
+              <a:ea typeface="+mj-ea"/>
+            </a:endParaRPr>
+          </a:p>
+        </p:txBody>
+      </p:sp>
     </p:spTree>
     <p:extLst>
       <p:ext uri="{BB962C8B-B14F-4D97-AF65-F5344CB8AC3E}">
-        <p14:creationId xmlns:p14="http://schemas.microsoft.com/office/powerpoint/2010/main" val="1457957795"/>
+        <p14:creationId xmlns:p14="http://schemas.microsoft.com/office/powerpoint/2010/main" val="3305254148"/>
       </p:ext>
     </p:extLst>
   </p:cSld>
@@ -6384,32 +6737,30 @@
         <p:spPr>
           <a:xfrm>
             <a:off x="677334" y="609600"/>
-            <a:ext cx="8596668" cy="666750"/>
-          </a:xfrm>
-        </p:spPr>
-        <p:txBody>
-          <a:bodyPr>
-            <a:normAutofit/>
-          </a:bodyPr>
-          <a:lstStyle/>
-          <a:p>
-            <a:r>
-              <a:rPr lang="ko-KR" altLang="en-US" dirty="0"/>
-              <a:t>기능 </a:t>
-            </a:r>
+            <a:ext cx="8596668" cy="762000"/>
+          </a:xfrm>
+        </p:spPr>
+        <p:txBody>
+          <a:bodyPr/>
+          <a:lstStyle/>
+          <a:p>
             <a:r>
               <a:rPr lang="ko-KR" altLang="en-US" dirty="0" smtClean="0"/>
-              <a:t>소개 </a:t>
+              <a:t>기능 소개 </a:t>
             </a:r>
             <a:r>
               <a:rPr lang="en-US" altLang="ko-KR" dirty="0" smtClean="0"/>
-              <a:t>- </a:t>
+              <a:t>– </a:t>
+            </a:r>
+            <a:r>
+              <a:rPr lang="ko-KR" altLang="en-US" dirty="0" err="1" smtClean="0"/>
+              <a:t>미출고</a:t>
             </a:r>
             <a:r>
               <a:rPr lang="ko-KR" altLang="en-US" dirty="0" smtClean="0"/>
-              <a:t>주문입력</a:t>
-            </a:r>
-            <a:endParaRPr lang="ko-KR" altLang="en-US" dirty="0"/>
+              <a:t> 세탁물</a:t>
+            </a:r>
+            <a:endParaRPr lang="en-US" altLang="ko-KR" dirty="0"/>
           </a:p>
         </p:txBody>
       </p:sp>
@@ -6431,18 +6782,142 @@
         </p:blipFill>
         <p:spPr>
           <a:xfrm>
-            <a:off x="720000" y="1260000"/>
-            <a:ext cx="8640000" cy="5040000"/>
+            <a:off x="3275639" y="1260000"/>
+            <a:ext cx="6480000" cy="5040000"/>
           </a:xfrm>
           <a:prstGeom prst="rect">
             <a:avLst/>
           </a:prstGeom>
         </p:spPr>
       </p:pic>
+      <p:sp>
+        <p:nvSpPr>
+          <p:cNvPr id="8" name="TextBox 7"/>
+          <p:cNvSpPr txBox="1"/>
+          <p:nvPr/>
+        </p:nvSpPr>
+        <p:spPr>
+          <a:xfrm>
+            <a:off x="677334" y="1276350"/>
+            <a:ext cx="2519158" cy="2862322"/>
+          </a:xfrm>
+          <a:prstGeom prst="rect">
+            <a:avLst/>
+          </a:prstGeom>
+          <a:noFill/>
+        </p:spPr>
+        <p:txBody>
+          <a:bodyPr wrap="square" rtlCol="0">
+            <a:spAutoFit/>
+          </a:bodyPr>
+          <a:lstStyle/>
+          <a:p>
+            <a:r>
+              <a:rPr lang="ko-KR" altLang="en-US" sz="2000" b="1" dirty="0" err="1" smtClean="0">
+                <a:latin typeface="+mj-ea"/>
+                <a:ea typeface="+mj-ea"/>
+              </a:rPr>
+              <a:t>미출고</a:t>
+            </a:r>
+            <a:r>
+              <a:rPr lang="ko-KR" altLang="en-US" sz="2000" b="1" dirty="0" smtClean="0">
+                <a:latin typeface="+mj-ea"/>
+                <a:ea typeface="+mj-ea"/>
+              </a:rPr>
+              <a:t> 세탁물 출고</a:t>
+            </a:r>
+            <a:endParaRPr lang="en-US" altLang="ko-KR" sz="2000" b="1" dirty="0" smtClean="0">
+              <a:latin typeface="+mj-ea"/>
+              <a:ea typeface="+mj-ea"/>
+            </a:endParaRPr>
+          </a:p>
+          <a:p>
+            <a:pPr marL="285750" indent="-285750">
+              <a:buFontTx/>
+              <a:buChar char="-"/>
+            </a:pPr>
+            <a:endParaRPr lang="en-US" altLang="ko-KR" sz="2000" b="1" dirty="0" smtClean="0">
+              <a:latin typeface="+mj-ea"/>
+              <a:ea typeface="+mj-ea"/>
+            </a:endParaRPr>
+          </a:p>
+          <a:p>
+            <a:pPr marL="285750" indent="-285750">
+              <a:buFontTx/>
+              <a:buChar char="-"/>
+            </a:pPr>
+            <a:r>
+              <a:rPr lang="ko-KR" altLang="en-US" sz="2000" dirty="0" smtClean="0">
+                <a:latin typeface="+mj-ea"/>
+                <a:ea typeface="+mj-ea"/>
+              </a:rPr>
+              <a:t>출고일을 초과 하여 접수 중인 세탁물에 출력</a:t>
+            </a:r>
+            <a:endParaRPr lang="en-US" altLang="ko-KR" sz="2000" dirty="0" smtClean="0">
+              <a:latin typeface="+mj-ea"/>
+              <a:ea typeface="+mj-ea"/>
+            </a:endParaRPr>
+          </a:p>
+          <a:p>
+            <a:pPr marL="285750" indent="-285750">
+              <a:buFontTx/>
+              <a:buChar char="-"/>
+            </a:pPr>
+            <a:endParaRPr lang="en-US" altLang="ko-KR" sz="2000" dirty="0">
+              <a:latin typeface="+mj-ea"/>
+              <a:ea typeface="+mj-ea"/>
+            </a:endParaRPr>
+          </a:p>
+          <a:p>
+            <a:pPr marL="285750" indent="-285750">
+              <a:buFontTx/>
+              <a:buChar char="-"/>
+            </a:pPr>
+            <a:r>
+              <a:rPr lang="ko-KR" altLang="en-US" sz="2000" dirty="0">
+                <a:latin typeface="+mj-ea"/>
+                <a:ea typeface="+mj-ea"/>
+              </a:rPr>
+              <a:t>조건 설정 후 검색</a:t>
+            </a:r>
+            <a:endParaRPr lang="en-US" altLang="ko-KR" sz="2000" dirty="0">
+              <a:latin typeface="+mj-ea"/>
+              <a:ea typeface="+mj-ea"/>
+            </a:endParaRPr>
+          </a:p>
+          <a:p>
+            <a:pPr marL="285750" indent="-285750">
+              <a:buFontTx/>
+              <a:buChar char="-"/>
+            </a:pPr>
+            <a:endParaRPr lang="en-US" altLang="ko-KR" sz="2000" dirty="0">
+              <a:latin typeface="+mj-ea"/>
+              <a:ea typeface="+mj-ea"/>
+            </a:endParaRPr>
+          </a:p>
+          <a:p>
+            <a:pPr marL="285750" indent="-285750">
+              <a:buFontTx/>
+              <a:buChar char="-"/>
+            </a:pPr>
+            <a:r>
+              <a:rPr lang="ko-KR" altLang="en-US" sz="2000" dirty="0" smtClean="0">
+                <a:latin typeface="+mj-ea"/>
+                <a:ea typeface="+mj-ea"/>
+              </a:rPr>
+              <a:t>세탁물 출고처리</a:t>
+            </a:r>
+            <a:endParaRPr lang="ko-KR" altLang="en-US" sz="2000" dirty="0">
+              <a:latin typeface="+mj-ea"/>
+              <a:ea typeface="+mj-ea"/>
+            </a:endParaRPr>
+          </a:p>
+        </p:txBody>
+      </p:sp>
     </p:spTree>
     <p:extLst>
       <p:ext uri="{BB962C8B-B14F-4D97-AF65-F5344CB8AC3E}">
-        <p14:creationId xmlns:p14="http://schemas.microsoft.com/office/powerpoint/2010/main" val="3419396562"/>
+        <p14:creationId xmlns:p14="http://schemas.microsoft.com/office/powerpoint/2010/main" val="2334689864"/>
       </p:ext>
     </p:extLst>
   </p:cSld>
@@ -6489,38 +6964,40 @@
         <p:spPr>
           <a:xfrm>
             <a:off x="677334" y="609600"/>
-            <a:ext cx="8596668" cy="666750"/>
-          </a:xfrm>
-        </p:spPr>
-        <p:txBody>
-          <a:bodyPr>
-            <a:normAutofit/>
-          </a:bodyPr>
-          <a:lstStyle/>
-          <a:p>
-            <a:r>
-              <a:rPr lang="ko-KR" altLang="en-US" dirty="0"/>
-              <a:t>기능 </a:t>
-            </a:r>
+            <a:ext cx="8596668" cy="762000"/>
+          </a:xfrm>
+        </p:spPr>
+        <p:txBody>
+          <a:bodyPr/>
+          <a:lstStyle/>
+          <a:p>
             <a:r>
               <a:rPr lang="ko-KR" altLang="en-US" dirty="0" smtClean="0"/>
-              <a:t>소개 </a:t>
+              <a:t>기능 소개 </a:t>
             </a:r>
             <a:r>
               <a:rPr lang="en-US" altLang="ko-KR" dirty="0" smtClean="0"/>
-              <a:t>- </a:t>
+              <a:t>– </a:t>
             </a:r>
             <a:r>
               <a:rPr lang="ko-KR" altLang="en-US" dirty="0" smtClean="0"/>
-              <a:t>수정</a:t>
-            </a:r>
-            <a:endParaRPr lang="ko-KR" altLang="en-US" dirty="0"/>
+              <a:t>전체</a:t>
+            </a:r>
+            <a:r>
+              <a:rPr lang="en-US" altLang="ko-KR" dirty="0" smtClean="0"/>
+              <a:t> </a:t>
+            </a:r>
+            <a:r>
+              <a:rPr lang="ko-KR" altLang="en-US" dirty="0" smtClean="0"/>
+              <a:t>주문검색</a:t>
+            </a:r>
+            <a:endParaRPr lang="en-US" altLang="ko-KR" dirty="0"/>
           </a:p>
         </p:txBody>
       </p:sp>
       <p:pic>
         <p:nvPicPr>
-          <p:cNvPr id="5" name="내용 개체 틀 4"/>
+          <p:cNvPr id="7" name="내용 개체 틀 6"/>
           <p:cNvPicPr preferRelativeResize="0">
             <a:picLocks noGrp="1"/>
           </p:cNvPicPr>
@@ -6536,18 +7013,141 @@
         </p:blipFill>
         <p:spPr>
           <a:xfrm>
-            <a:off x="719999" y="1260000"/>
-            <a:ext cx="8640000" cy="5040000"/>
+            <a:off x="3267813" y="1260000"/>
+            <a:ext cx="6480000" cy="5040000"/>
           </a:xfrm>
           <a:prstGeom prst="rect">
             <a:avLst/>
           </a:prstGeom>
         </p:spPr>
       </p:pic>
+      <p:sp>
+        <p:nvSpPr>
+          <p:cNvPr id="6" name="TextBox 5"/>
+          <p:cNvSpPr txBox="1"/>
+          <p:nvPr/>
+        </p:nvSpPr>
+        <p:spPr>
+          <a:xfrm>
+            <a:off x="677334" y="1276350"/>
+            <a:ext cx="2519158" cy="2862322"/>
+          </a:xfrm>
+          <a:prstGeom prst="rect">
+            <a:avLst/>
+          </a:prstGeom>
+          <a:noFill/>
+        </p:spPr>
+        <p:txBody>
+          <a:bodyPr wrap="square" rtlCol="0">
+            <a:spAutoFit/>
+          </a:bodyPr>
+          <a:lstStyle/>
+          <a:p>
+            <a:r>
+              <a:rPr lang="ko-KR" altLang="en-US" sz="2000" b="1" dirty="0" smtClean="0">
+                <a:latin typeface="+mj-ea"/>
+                <a:ea typeface="+mj-ea"/>
+              </a:rPr>
+              <a:t>전체 주문 검색</a:t>
+            </a:r>
+            <a:endParaRPr lang="en-US" altLang="ko-KR" sz="2000" b="1" dirty="0" smtClean="0">
+              <a:latin typeface="+mj-ea"/>
+              <a:ea typeface="+mj-ea"/>
+            </a:endParaRPr>
+          </a:p>
+          <a:p>
+            <a:endParaRPr lang="en-US" altLang="ko-KR" sz="2000" b="1" dirty="0" smtClean="0">
+              <a:latin typeface="+mj-ea"/>
+              <a:ea typeface="+mj-ea"/>
+            </a:endParaRPr>
+          </a:p>
+          <a:p>
+            <a:pPr marL="285750" indent="-285750">
+              <a:buFontTx/>
+              <a:buChar char="-"/>
+            </a:pPr>
+            <a:r>
+              <a:rPr lang="ko-KR" altLang="en-US" sz="2000" dirty="0" smtClean="0">
+                <a:latin typeface="+mj-ea"/>
+                <a:ea typeface="+mj-ea"/>
+              </a:rPr>
+              <a:t>모든 세탁물에 대한 정보 출력</a:t>
+            </a:r>
+            <a:endParaRPr lang="en-US" altLang="ko-KR" sz="2000" dirty="0" smtClean="0">
+              <a:latin typeface="+mj-ea"/>
+              <a:ea typeface="+mj-ea"/>
+            </a:endParaRPr>
+          </a:p>
+          <a:p>
+            <a:pPr marL="285750" indent="-285750">
+              <a:buFontTx/>
+              <a:buChar char="-"/>
+            </a:pPr>
+            <a:endParaRPr lang="en-US" altLang="ko-KR" sz="2000" dirty="0" smtClean="0">
+              <a:latin typeface="+mj-ea"/>
+              <a:ea typeface="+mj-ea"/>
+            </a:endParaRPr>
+          </a:p>
+          <a:p>
+            <a:pPr marL="285750" indent="-285750">
+              <a:buFontTx/>
+              <a:buChar char="-"/>
+            </a:pPr>
+            <a:r>
+              <a:rPr lang="ko-KR" altLang="en-US" sz="2000" dirty="0">
+                <a:latin typeface="+mj-ea"/>
+                <a:ea typeface="+mj-ea"/>
+              </a:rPr>
+              <a:t>조건 설정 후 검색</a:t>
+            </a:r>
+            <a:endParaRPr lang="en-US" altLang="ko-KR" sz="2000" dirty="0">
+              <a:latin typeface="+mj-ea"/>
+              <a:ea typeface="+mj-ea"/>
+            </a:endParaRPr>
+          </a:p>
+          <a:p>
+            <a:endParaRPr lang="en-US" altLang="ko-KR" sz="2000" dirty="0">
+              <a:latin typeface="+mj-ea"/>
+              <a:ea typeface="+mj-ea"/>
+            </a:endParaRPr>
+          </a:p>
+          <a:p>
+            <a:pPr marL="285750" indent="-285750">
+              <a:buFontTx/>
+              <a:buChar char="-"/>
+            </a:pPr>
+            <a:r>
+              <a:rPr lang="ko-KR" altLang="en-US" sz="2000" dirty="0" smtClean="0">
+                <a:latin typeface="+mj-ea"/>
+                <a:ea typeface="+mj-ea"/>
+              </a:rPr>
+              <a:t>수정버튼 </a:t>
+            </a:r>
+            <a:r>
+              <a:rPr lang="ko-KR" altLang="en-US" sz="2000" dirty="0" err="1" smtClean="0">
+                <a:latin typeface="+mj-ea"/>
+                <a:ea typeface="+mj-ea"/>
+              </a:rPr>
+              <a:t>클릭시</a:t>
+            </a:r>
+            <a:r>
+              <a:rPr lang="ko-KR" altLang="en-US" sz="2000" dirty="0" smtClean="0">
+                <a:latin typeface="+mj-ea"/>
+                <a:ea typeface="+mj-ea"/>
+              </a:rPr>
+              <a:t> 주문관리 창 접속</a:t>
+            </a:r>
+            <a:endParaRPr lang="en-US" altLang="ko-KR" sz="2000" dirty="0" smtClean="0">
+              <a:latin typeface="+mj-ea"/>
+              <a:ea typeface="+mj-ea"/>
+            </a:endParaRPr>
+          </a:p>
+        </p:txBody>
+      </p:sp>
     </p:spTree>
     <p:extLst>
       <p:ext uri="{BB962C8B-B14F-4D97-AF65-F5344CB8AC3E}">
-        <p14:creationId xmlns:p14="http://schemas.microsoft.com/office/powerpoint/2010/main" val="1494529616"/>
+        <p14:creationId xmlns:p14="http://schemas.microsoft.com/office/powerpoint/2010/main" val="2121195127"/>
       </p:ext>
     </p:extLst>
   </p:cSld>
@@ -6594,38 +7194,32 @@
         <p:spPr>
           <a:xfrm>
             <a:off x="677334" y="609600"/>
-            <a:ext cx="8596668" cy="666750"/>
-          </a:xfrm>
-        </p:spPr>
-        <p:txBody>
-          <a:bodyPr>
-            <a:normAutofit/>
-          </a:bodyPr>
-          <a:lstStyle/>
-          <a:p>
-            <a:r>
-              <a:rPr lang="ko-KR" altLang="en-US" dirty="0"/>
-              <a:t>기능 </a:t>
-            </a:r>
+            <a:ext cx="8596668" cy="762000"/>
+          </a:xfrm>
+        </p:spPr>
+        <p:txBody>
+          <a:bodyPr/>
+          <a:lstStyle/>
+          <a:p>
             <a:r>
               <a:rPr lang="ko-KR" altLang="en-US" dirty="0" smtClean="0"/>
-              <a:t>소개 </a:t>
+              <a:t>기능 소개 </a:t>
             </a:r>
             <a:r>
               <a:rPr lang="en-US" altLang="ko-KR" dirty="0" smtClean="0"/>
-              <a:t>- </a:t>
+              <a:t>– </a:t>
             </a:r>
             <a:r>
               <a:rPr lang="ko-KR" altLang="en-US" dirty="0" smtClean="0"/>
-              <a:t>수정</a:t>
-            </a:r>
-            <a:endParaRPr lang="ko-KR" altLang="en-US" dirty="0"/>
+              <a:t>회원 검색</a:t>
+            </a:r>
+            <a:endParaRPr lang="en-US" altLang="ko-KR" dirty="0"/>
           </a:p>
         </p:txBody>
       </p:sp>
       <p:pic>
         <p:nvPicPr>
-          <p:cNvPr id="9" name="내용 개체 틀 8"/>
+          <p:cNvPr id="4" name="내용 개체 틀 3"/>
           <p:cNvPicPr preferRelativeResize="0">
             <a:picLocks noGrp="1"/>
           </p:cNvPicPr>
@@ -6641,18 +7235,141 @@
         </p:blipFill>
         <p:spPr>
           <a:xfrm>
-            <a:off x="720000" y="1260000"/>
-            <a:ext cx="8640000" cy="5040000"/>
+            <a:off x="3291264" y="1260000"/>
+            <a:ext cx="6480000" cy="5040000"/>
           </a:xfrm>
           <a:prstGeom prst="rect">
             <a:avLst/>
           </a:prstGeom>
         </p:spPr>
       </p:pic>
+      <p:sp>
+        <p:nvSpPr>
+          <p:cNvPr id="7" name="TextBox 6"/>
+          <p:cNvSpPr txBox="1"/>
+          <p:nvPr/>
+        </p:nvSpPr>
+        <p:spPr>
+          <a:xfrm>
+            <a:off x="677334" y="1276350"/>
+            <a:ext cx="2519158" cy="2862322"/>
+          </a:xfrm>
+          <a:prstGeom prst="rect">
+            <a:avLst/>
+          </a:prstGeom>
+          <a:noFill/>
+        </p:spPr>
+        <p:txBody>
+          <a:bodyPr wrap="square" rtlCol="0">
+            <a:spAutoFit/>
+          </a:bodyPr>
+          <a:lstStyle/>
+          <a:p>
+            <a:r>
+              <a:rPr lang="ko-KR" altLang="en-US" sz="2000" b="1" dirty="0" smtClean="0">
+                <a:latin typeface="+mj-ea"/>
+                <a:ea typeface="+mj-ea"/>
+              </a:rPr>
+              <a:t>전체 회원 검색</a:t>
+            </a:r>
+            <a:endParaRPr lang="en-US" altLang="ko-KR" sz="2000" b="1" dirty="0" smtClean="0">
+              <a:latin typeface="+mj-ea"/>
+              <a:ea typeface="+mj-ea"/>
+            </a:endParaRPr>
+          </a:p>
+          <a:p>
+            <a:endParaRPr lang="en-US" altLang="ko-KR" sz="2000" b="1" dirty="0" smtClean="0">
+              <a:latin typeface="+mj-ea"/>
+              <a:ea typeface="+mj-ea"/>
+            </a:endParaRPr>
+          </a:p>
+          <a:p>
+            <a:pPr marL="285750" indent="-285750">
+              <a:buFontTx/>
+              <a:buChar char="-"/>
+            </a:pPr>
+            <a:r>
+              <a:rPr lang="ko-KR" altLang="en-US" sz="2000" dirty="0" smtClean="0">
+                <a:latin typeface="+mj-ea"/>
+                <a:ea typeface="+mj-ea"/>
+              </a:rPr>
+              <a:t>모든 회원에 대한 정보 출력</a:t>
+            </a:r>
+            <a:endParaRPr lang="en-US" altLang="ko-KR" sz="2000" dirty="0" smtClean="0">
+              <a:latin typeface="+mj-ea"/>
+              <a:ea typeface="+mj-ea"/>
+            </a:endParaRPr>
+          </a:p>
+          <a:p>
+            <a:pPr marL="285750" indent="-285750">
+              <a:buFontTx/>
+              <a:buChar char="-"/>
+            </a:pPr>
+            <a:endParaRPr lang="en-US" altLang="ko-KR" sz="2000" dirty="0" smtClean="0">
+              <a:latin typeface="+mj-ea"/>
+              <a:ea typeface="+mj-ea"/>
+            </a:endParaRPr>
+          </a:p>
+          <a:p>
+            <a:pPr marL="285750" indent="-285750">
+              <a:buFontTx/>
+              <a:buChar char="-"/>
+            </a:pPr>
+            <a:r>
+              <a:rPr lang="ko-KR" altLang="en-US" sz="2000" dirty="0">
+                <a:latin typeface="+mj-ea"/>
+                <a:ea typeface="+mj-ea"/>
+              </a:rPr>
+              <a:t>조건 설정 후 검색</a:t>
+            </a:r>
+            <a:endParaRPr lang="en-US" altLang="ko-KR" sz="2000" dirty="0">
+              <a:latin typeface="+mj-ea"/>
+              <a:ea typeface="+mj-ea"/>
+            </a:endParaRPr>
+          </a:p>
+          <a:p>
+            <a:endParaRPr lang="en-US" altLang="ko-KR" sz="2000" dirty="0">
+              <a:latin typeface="+mj-ea"/>
+              <a:ea typeface="+mj-ea"/>
+            </a:endParaRPr>
+          </a:p>
+          <a:p>
+            <a:pPr marL="285750" indent="-285750">
+              <a:buFontTx/>
+              <a:buChar char="-"/>
+            </a:pPr>
+            <a:r>
+              <a:rPr lang="ko-KR" altLang="en-US" sz="2000" dirty="0" smtClean="0">
+                <a:latin typeface="+mj-ea"/>
+                <a:ea typeface="+mj-ea"/>
+              </a:rPr>
+              <a:t>수정버튼 </a:t>
+            </a:r>
+            <a:r>
+              <a:rPr lang="ko-KR" altLang="en-US" sz="2000" dirty="0" err="1" smtClean="0">
+                <a:latin typeface="+mj-ea"/>
+                <a:ea typeface="+mj-ea"/>
+              </a:rPr>
+              <a:t>클릭시</a:t>
+            </a:r>
+            <a:r>
+              <a:rPr lang="ko-KR" altLang="en-US" sz="2000" dirty="0" smtClean="0">
+                <a:latin typeface="+mj-ea"/>
+                <a:ea typeface="+mj-ea"/>
+              </a:rPr>
+              <a:t> 회원관리 창 접속</a:t>
+            </a:r>
+            <a:endParaRPr lang="en-US" altLang="ko-KR" sz="2000" dirty="0" smtClean="0">
+              <a:latin typeface="+mj-ea"/>
+              <a:ea typeface="+mj-ea"/>
+            </a:endParaRPr>
+          </a:p>
+        </p:txBody>
+      </p:sp>
     </p:spTree>
     <p:extLst>
       <p:ext uri="{BB962C8B-B14F-4D97-AF65-F5344CB8AC3E}">
-        <p14:creationId xmlns:p14="http://schemas.microsoft.com/office/powerpoint/2010/main" val="3229213084"/>
+        <p14:creationId xmlns:p14="http://schemas.microsoft.com/office/powerpoint/2010/main" val="500650955"/>
       </p:ext>
     </p:extLst>
   </p:cSld>
@@ -6699,32 +7416,18 @@
         <p:spPr>
           <a:xfrm>
             <a:off x="677334" y="609600"/>
-            <a:ext cx="8596668" cy="666750"/>
-          </a:xfrm>
-        </p:spPr>
-        <p:txBody>
-          <a:bodyPr>
-            <a:normAutofit/>
-          </a:bodyPr>
-          <a:lstStyle/>
-          <a:p>
-            <a:r>
-              <a:rPr lang="ko-KR" altLang="en-US" dirty="0"/>
-              <a:t>기능 </a:t>
-            </a:r>
+            <a:ext cx="8596668" cy="762000"/>
+          </a:xfrm>
+        </p:spPr>
+        <p:txBody>
+          <a:bodyPr/>
+          <a:lstStyle/>
+          <a:p>
             <a:r>
               <a:rPr lang="ko-KR" altLang="en-US" dirty="0" smtClean="0"/>
-              <a:t>소개 </a:t>
-            </a:r>
-            <a:r>
-              <a:rPr lang="en-US" altLang="ko-KR" dirty="0" smtClean="0"/>
-              <a:t>= </a:t>
-            </a:r>
-            <a:r>
-              <a:rPr lang="ko-KR" altLang="en-US" dirty="0" smtClean="0"/>
-              <a:t>출고</a:t>
-            </a:r>
-            <a:endParaRPr lang="ko-KR" altLang="en-US" dirty="0"/>
+              <a:t>기능 소개</a:t>
+            </a:r>
+            <a:endParaRPr lang="en-US" altLang="ko-KR" dirty="0"/>
           </a:p>
         </p:txBody>
       </p:sp>
@@ -6746,18 +7449,177 @@
         </p:blipFill>
         <p:spPr>
           <a:xfrm>
-            <a:off x="720000" y="1260000"/>
-            <a:ext cx="8640000" cy="5040000"/>
+            <a:off x="3291258" y="1260000"/>
+            <a:ext cx="6480000" cy="5040000"/>
           </a:xfrm>
           <a:prstGeom prst="rect">
             <a:avLst/>
           </a:prstGeom>
         </p:spPr>
       </p:pic>
+      <p:sp>
+        <p:nvSpPr>
+          <p:cNvPr id="7" name="TextBox 6"/>
+          <p:cNvSpPr txBox="1"/>
+          <p:nvPr/>
+        </p:nvSpPr>
+        <p:spPr>
+          <a:xfrm>
+            <a:off x="677334" y="1276350"/>
+            <a:ext cx="2519158" cy="2862322"/>
+          </a:xfrm>
+          <a:prstGeom prst="rect">
+            <a:avLst/>
+          </a:prstGeom>
+          <a:noFill/>
+        </p:spPr>
+        <p:txBody>
+          <a:bodyPr wrap="square" rtlCol="0">
+            <a:spAutoFit/>
+          </a:bodyPr>
+          <a:lstStyle/>
+          <a:p>
+            <a:r>
+              <a:rPr lang="ko-KR" altLang="en-US" sz="2000" b="1" dirty="0" smtClean="0">
+                <a:latin typeface="+mj-ea"/>
+                <a:ea typeface="+mj-ea"/>
+              </a:rPr>
+              <a:t>관리 </a:t>
+            </a:r>
+            <a:r>
+              <a:rPr lang="en-US" altLang="ko-KR" sz="2000" b="1" dirty="0" smtClean="0">
+                <a:latin typeface="+mj-ea"/>
+                <a:ea typeface="+mj-ea"/>
+              </a:rPr>
+              <a:t>/ </a:t>
+            </a:r>
+            <a:r>
+              <a:rPr lang="ko-KR" altLang="en-US" sz="2000" b="1" dirty="0" smtClean="0">
+                <a:latin typeface="+mj-ea"/>
+                <a:ea typeface="+mj-ea"/>
+              </a:rPr>
+              <a:t>설정</a:t>
+            </a:r>
+            <a:endParaRPr lang="en-US" altLang="ko-KR" sz="2000" b="1" dirty="0" smtClean="0">
+              <a:latin typeface="+mj-ea"/>
+              <a:ea typeface="+mj-ea"/>
+            </a:endParaRPr>
+          </a:p>
+          <a:p>
+            <a:pPr marL="285750" indent="-285750">
+              <a:buFontTx/>
+              <a:buChar char="-"/>
+            </a:pPr>
+            <a:endParaRPr lang="en-US" altLang="ko-KR" sz="2000" dirty="0" smtClean="0">
+              <a:latin typeface="+mj-ea"/>
+              <a:ea typeface="+mj-ea"/>
+            </a:endParaRPr>
+          </a:p>
+          <a:p>
+            <a:pPr marL="285750" indent="-285750">
+              <a:buFontTx/>
+              <a:buChar char="-"/>
+            </a:pPr>
+            <a:r>
+              <a:rPr lang="ko-KR" altLang="en-US" sz="2000" dirty="0" smtClean="0">
+                <a:latin typeface="+mj-ea"/>
+                <a:ea typeface="+mj-ea"/>
+              </a:rPr>
+              <a:t>회원등급 조건</a:t>
+            </a:r>
+            <a:r>
+              <a:rPr lang="en-US" altLang="ko-KR" sz="2000" dirty="0" smtClean="0">
+                <a:latin typeface="+mj-ea"/>
+                <a:ea typeface="+mj-ea"/>
+              </a:rPr>
+              <a:t>, </a:t>
+            </a:r>
+            <a:r>
+              <a:rPr lang="ko-KR" altLang="en-US" sz="2000" dirty="0" smtClean="0">
+                <a:latin typeface="+mj-ea"/>
+                <a:ea typeface="+mj-ea"/>
+              </a:rPr>
+              <a:t>세탁물 코드 설정</a:t>
+            </a:r>
+            <a:endParaRPr lang="en-US" altLang="ko-KR" sz="2000" dirty="0" smtClean="0">
+              <a:latin typeface="+mj-ea"/>
+              <a:ea typeface="+mj-ea"/>
+            </a:endParaRPr>
+          </a:p>
+          <a:p>
+            <a:pPr marL="285750" indent="-285750">
+              <a:buFontTx/>
+              <a:buChar char="-"/>
+            </a:pPr>
+            <a:endParaRPr lang="en-US" altLang="ko-KR" sz="2000" dirty="0" smtClean="0">
+              <a:latin typeface="+mj-ea"/>
+              <a:ea typeface="+mj-ea"/>
+            </a:endParaRPr>
+          </a:p>
+          <a:p>
+            <a:pPr marL="285750" indent="-285750">
+              <a:buFontTx/>
+              <a:buChar char="-"/>
+            </a:pPr>
+            <a:r>
+              <a:rPr lang="ko-KR" altLang="en-US" sz="2000" dirty="0" smtClean="0">
+                <a:latin typeface="+mj-ea"/>
+                <a:ea typeface="+mj-ea"/>
+              </a:rPr>
+              <a:t>회원</a:t>
+            </a:r>
+            <a:r>
+              <a:rPr lang="en-US" altLang="ko-KR" sz="2000" dirty="0" smtClean="0">
+                <a:latin typeface="+mj-ea"/>
+                <a:ea typeface="+mj-ea"/>
+              </a:rPr>
+              <a:t>, </a:t>
+            </a:r>
+            <a:r>
+              <a:rPr lang="ko-KR" altLang="en-US" sz="2000" dirty="0" smtClean="0">
+                <a:latin typeface="+mj-ea"/>
+                <a:ea typeface="+mj-ea"/>
+              </a:rPr>
+              <a:t>세탁물 주문 관리</a:t>
+            </a:r>
+            <a:endParaRPr lang="en-US" altLang="ko-KR" sz="2000" dirty="0" smtClean="0">
+              <a:latin typeface="+mj-ea"/>
+              <a:ea typeface="+mj-ea"/>
+            </a:endParaRPr>
+          </a:p>
+          <a:p>
+            <a:pPr marL="285750" indent="-285750">
+              <a:buFontTx/>
+              <a:buChar char="-"/>
+            </a:pPr>
+            <a:endParaRPr lang="en-US" altLang="ko-KR" sz="2000" dirty="0">
+              <a:latin typeface="+mj-ea"/>
+              <a:ea typeface="+mj-ea"/>
+            </a:endParaRPr>
+          </a:p>
+          <a:p>
+            <a:pPr marL="285750" indent="-285750">
+              <a:buFontTx/>
+              <a:buChar char="-"/>
+            </a:pPr>
+            <a:r>
+              <a:rPr lang="ko-KR" altLang="en-US" sz="2000" dirty="0" smtClean="0">
+                <a:latin typeface="+mj-ea"/>
+                <a:ea typeface="+mj-ea"/>
+              </a:rPr>
+              <a:t>매출 통계</a:t>
+            </a:r>
+            <a:endParaRPr lang="en-US" altLang="ko-KR" sz="2000" dirty="0" smtClean="0">
+              <a:latin typeface="+mj-ea"/>
+              <a:ea typeface="+mj-ea"/>
+            </a:endParaRPr>
+          </a:p>
+        </p:txBody>
+      </p:sp>
     </p:spTree>
     <p:extLst>
       <p:ext uri="{BB962C8B-B14F-4D97-AF65-F5344CB8AC3E}">
-        <p14:creationId xmlns:p14="http://schemas.microsoft.com/office/powerpoint/2010/main" val="306488307"/>
+        <p14:creationId xmlns:p14="http://schemas.microsoft.com/office/powerpoint/2010/main" val="2937453668"/>
       </p:ext>
     </p:extLst>
   </p:cSld>
@@ -6804,38 +7666,32 @@
         <p:spPr>
           <a:xfrm>
             <a:off x="677334" y="609600"/>
-            <a:ext cx="8596668" cy="666750"/>
-          </a:xfrm>
-        </p:spPr>
-        <p:txBody>
-          <a:bodyPr>
-            <a:normAutofit/>
-          </a:bodyPr>
-          <a:lstStyle/>
-          <a:p>
-            <a:r>
-              <a:rPr lang="ko-KR" altLang="en-US" dirty="0"/>
-              <a:t>기능 </a:t>
-            </a:r>
+            <a:ext cx="8596668" cy="762000"/>
+          </a:xfrm>
+        </p:spPr>
+        <p:txBody>
+          <a:bodyPr/>
+          <a:lstStyle/>
+          <a:p>
             <a:r>
               <a:rPr lang="ko-KR" altLang="en-US" dirty="0" smtClean="0"/>
-              <a:t>소개 </a:t>
+              <a:t>기능 소개 </a:t>
             </a:r>
             <a:r>
               <a:rPr lang="en-US" altLang="ko-KR" dirty="0" smtClean="0"/>
-              <a:t>= </a:t>
+              <a:t>– </a:t>
             </a:r>
             <a:r>
               <a:rPr lang="ko-KR" altLang="en-US" dirty="0" smtClean="0"/>
-              <a:t>출고</a:t>
-            </a:r>
-            <a:endParaRPr lang="ko-KR" altLang="en-US" dirty="0"/>
+              <a:t>주문 관리</a:t>
+            </a:r>
+            <a:endParaRPr lang="en-US" altLang="ko-KR" dirty="0"/>
           </a:p>
         </p:txBody>
       </p:sp>
       <p:pic>
         <p:nvPicPr>
-          <p:cNvPr id="5" name="내용 개체 틀 4"/>
+          <p:cNvPr id="4" name="내용 개체 틀 3"/>
           <p:cNvPicPr preferRelativeResize="0">
             <a:picLocks noGrp="1"/>
           </p:cNvPicPr>
@@ -6851,18 +7707,132 @@
         </p:blipFill>
         <p:spPr>
           <a:xfrm>
-            <a:off x="720000" y="1260000"/>
-            <a:ext cx="8640000" cy="5040000"/>
+            <a:off x="3291262" y="1260000"/>
+            <a:ext cx="6480000" cy="5040000"/>
           </a:xfrm>
           <a:prstGeom prst="rect">
             <a:avLst/>
           </a:prstGeom>
         </p:spPr>
       </p:pic>
+      <p:sp>
+        <p:nvSpPr>
+          <p:cNvPr id="6" name="TextBox 5"/>
+          <p:cNvSpPr txBox="1"/>
+          <p:nvPr/>
+        </p:nvSpPr>
+        <p:spPr>
+          <a:xfrm>
+            <a:off x="677334" y="1276350"/>
+            <a:ext cx="2519158" cy="2246769"/>
+          </a:xfrm>
+          <a:prstGeom prst="rect">
+            <a:avLst/>
+          </a:prstGeom>
+          <a:noFill/>
+        </p:spPr>
+        <p:txBody>
+          <a:bodyPr wrap="square" rtlCol="0">
+            <a:spAutoFit/>
+          </a:bodyPr>
+          <a:lstStyle/>
+          <a:p>
+            <a:r>
+              <a:rPr lang="ko-KR" altLang="en-US" sz="2000" b="1" dirty="0" smtClean="0">
+                <a:latin typeface="+mj-ea"/>
+                <a:ea typeface="+mj-ea"/>
+              </a:rPr>
+              <a:t>주문 관리</a:t>
+            </a:r>
+            <a:endParaRPr lang="en-US" altLang="ko-KR" sz="2000" b="1" dirty="0" smtClean="0">
+              <a:latin typeface="+mj-ea"/>
+              <a:ea typeface="+mj-ea"/>
+            </a:endParaRPr>
+          </a:p>
+          <a:p>
+            <a:endParaRPr lang="en-US" altLang="ko-KR" sz="2000" b="1" dirty="0" smtClean="0">
+              <a:latin typeface="+mj-ea"/>
+              <a:ea typeface="+mj-ea"/>
+            </a:endParaRPr>
+          </a:p>
+          <a:p>
+            <a:pPr marL="285750" indent="-285750">
+              <a:buFontTx/>
+              <a:buChar char="-"/>
+            </a:pPr>
+            <a:r>
+              <a:rPr lang="ko-KR" altLang="en-US" sz="2000" dirty="0" smtClean="0">
+                <a:latin typeface="+mj-ea"/>
+                <a:ea typeface="+mj-ea"/>
+              </a:rPr>
+              <a:t>모든 세탁물에 대한 정보 출력</a:t>
+            </a:r>
+            <a:endParaRPr lang="en-US" altLang="ko-KR" sz="2000" dirty="0" smtClean="0">
+              <a:latin typeface="+mj-ea"/>
+              <a:ea typeface="+mj-ea"/>
+            </a:endParaRPr>
+          </a:p>
+          <a:p>
+            <a:pPr marL="285750" indent="-285750">
+              <a:buFontTx/>
+              <a:buChar char="-"/>
+            </a:pPr>
+            <a:endParaRPr lang="en-US" altLang="ko-KR" sz="2000" dirty="0" smtClean="0">
+              <a:latin typeface="+mj-ea"/>
+              <a:ea typeface="+mj-ea"/>
+            </a:endParaRPr>
+          </a:p>
+          <a:p>
+            <a:pPr marL="285750" indent="-285750">
+              <a:buFontTx/>
+              <a:buChar char="-"/>
+            </a:pPr>
+            <a:r>
+              <a:rPr lang="ko-KR" altLang="en-US" sz="2000" dirty="0" smtClean="0">
+                <a:latin typeface="+mj-ea"/>
+                <a:ea typeface="+mj-ea"/>
+              </a:rPr>
+              <a:t>주문 추가</a:t>
+            </a:r>
+            <a:r>
+              <a:rPr lang="en-US" altLang="ko-KR" sz="2000" dirty="0" smtClean="0">
+                <a:latin typeface="+mj-ea"/>
+                <a:ea typeface="+mj-ea"/>
+              </a:rPr>
+              <a:t>, </a:t>
+            </a:r>
+            <a:r>
+              <a:rPr lang="ko-KR" altLang="en-US" sz="2000" dirty="0" smtClean="0">
+                <a:latin typeface="+mj-ea"/>
+                <a:ea typeface="+mj-ea"/>
+              </a:rPr>
+              <a:t>수정</a:t>
+            </a:r>
+            <a:r>
+              <a:rPr lang="en-US" altLang="ko-KR" sz="2000" dirty="0" smtClean="0">
+                <a:latin typeface="+mj-ea"/>
+                <a:ea typeface="+mj-ea"/>
+              </a:rPr>
+              <a:t>, </a:t>
+            </a:r>
+            <a:r>
+              <a:rPr lang="ko-KR" altLang="en-US" sz="2000" dirty="0" smtClean="0">
+                <a:latin typeface="+mj-ea"/>
+                <a:ea typeface="+mj-ea"/>
+              </a:rPr>
+              <a:t>삭제</a:t>
+            </a:r>
+            <a:endParaRPr lang="en-US" altLang="ko-KR" sz="2000" dirty="0" smtClean="0">
+              <a:latin typeface="+mj-ea"/>
+              <a:ea typeface="+mj-ea"/>
+            </a:endParaRPr>
+          </a:p>
+        </p:txBody>
+      </p:sp>
     </p:spTree>
     <p:extLst>
       <p:ext uri="{BB962C8B-B14F-4D97-AF65-F5344CB8AC3E}">
-        <p14:creationId xmlns:p14="http://schemas.microsoft.com/office/powerpoint/2010/main" val="2637462507"/>
+        <p14:creationId xmlns:p14="http://schemas.microsoft.com/office/powerpoint/2010/main" val="347174083"/>
       </p:ext>
     </p:extLst>
   </p:cSld>
@@ -6925,12 +7895,8 @@
               <a:t>– </a:t>
             </a:r>
             <a:r>
-              <a:rPr lang="ko-KR" altLang="en-US" dirty="0" err="1" smtClean="0"/>
-              <a:t>미출고</a:t>
-            </a:r>
-            <a:r>
               <a:rPr lang="ko-KR" altLang="en-US" dirty="0" smtClean="0"/>
-              <a:t> 세탁물</a:t>
+              <a:t>회원 관리</a:t>
             </a:r>
             <a:endParaRPr lang="en-US" altLang="ko-KR" dirty="0"/>
           </a:p>
@@ -6954,18 +7920,132 @@
         </p:blipFill>
         <p:spPr>
           <a:xfrm>
-            <a:off x="720000" y="1260000"/>
-            <a:ext cx="8640000" cy="5040000"/>
+            <a:off x="3275632" y="1260000"/>
+            <a:ext cx="6480000" cy="5040000"/>
           </a:xfrm>
           <a:prstGeom prst="rect">
             <a:avLst/>
           </a:prstGeom>
         </p:spPr>
       </p:pic>
+      <p:sp>
+        <p:nvSpPr>
+          <p:cNvPr id="7" name="TextBox 6"/>
+          <p:cNvSpPr txBox="1"/>
+          <p:nvPr/>
+        </p:nvSpPr>
+        <p:spPr>
+          <a:xfrm>
+            <a:off x="677334" y="1276350"/>
+            <a:ext cx="2519158" cy="2246769"/>
+          </a:xfrm>
+          <a:prstGeom prst="rect">
+            <a:avLst/>
+          </a:prstGeom>
+          <a:noFill/>
+        </p:spPr>
+        <p:txBody>
+          <a:bodyPr wrap="square" rtlCol="0">
+            <a:spAutoFit/>
+          </a:bodyPr>
+          <a:lstStyle/>
+          <a:p>
+            <a:r>
+              <a:rPr lang="ko-KR" altLang="en-US" sz="2000" b="1" dirty="0" smtClean="0">
+                <a:latin typeface="+mj-ea"/>
+                <a:ea typeface="+mj-ea"/>
+              </a:rPr>
+              <a:t>회원 관리</a:t>
+            </a:r>
+            <a:endParaRPr lang="en-US" altLang="ko-KR" sz="2000" b="1" dirty="0" smtClean="0">
+              <a:latin typeface="+mj-ea"/>
+              <a:ea typeface="+mj-ea"/>
+            </a:endParaRPr>
+          </a:p>
+          <a:p>
+            <a:endParaRPr lang="en-US" altLang="ko-KR" sz="2000" b="1" dirty="0" smtClean="0">
+              <a:latin typeface="+mj-ea"/>
+              <a:ea typeface="+mj-ea"/>
+            </a:endParaRPr>
+          </a:p>
+          <a:p>
+            <a:pPr marL="285750" indent="-285750">
+              <a:buFontTx/>
+              <a:buChar char="-"/>
+            </a:pPr>
+            <a:r>
+              <a:rPr lang="ko-KR" altLang="en-US" sz="2000" dirty="0" smtClean="0">
+                <a:latin typeface="+mj-ea"/>
+                <a:ea typeface="+mj-ea"/>
+              </a:rPr>
+              <a:t>모든 회원에 대한 정보 출력</a:t>
+            </a:r>
+            <a:endParaRPr lang="en-US" altLang="ko-KR" sz="2000" dirty="0" smtClean="0">
+              <a:latin typeface="+mj-ea"/>
+              <a:ea typeface="+mj-ea"/>
+            </a:endParaRPr>
+          </a:p>
+          <a:p>
+            <a:pPr marL="285750" indent="-285750">
+              <a:buFontTx/>
+              <a:buChar char="-"/>
+            </a:pPr>
+            <a:endParaRPr lang="en-US" altLang="ko-KR" sz="2000" dirty="0" smtClean="0">
+              <a:latin typeface="+mj-ea"/>
+              <a:ea typeface="+mj-ea"/>
+            </a:endParaRPr>
+          </a:p>
+          <a:p>
+            <a:pPr marL="285750" indent="-285750">
+              <a:buFontTx/>
+              <a:buChar char="-"/>
+            </a:pPr>
+            <a:r>
+              <a:rPr lang="ko-KR" altLang="en-US" sz="2000" dirty="0" smtClean="0">
+                <a:latin typeface="+mj-ea"/>
+                <a:ea typeface="+mj-ea"/>
+              </a:rPr>
+              <a:t>회원 추가</a:t>
+            </a:r>
+            <a:r>
+              <a:rPr lang="en-US" altLang="ko-KR" sz="2000" dirty="0" smtClean="0">
+                <a:latin typeface="+mj-ea"/>
+                <a:ea typeface="+mj-ea"/>
+              </a:rPr>
+              <a:t>, </a:t>
+            </a:r>
+            <a:r>
+              <a:rPr lang="ko-KR" altLang="en-US" sz="2000" dirty="0" smtClean="0">
+                <a:latin typeface="+mj-ea"/>
+                <a:ea typeface="+mj-ea"/>
+              </a:rPr>
+              <a:t>수정</a:t>
+            </a:r>
+            <a:r>
+              <a:rPr lang="en-US" altLang="ko-KR" sz="2000" dirty="0" smtClean="0">
+                <a:latin typeface="+mj-ea"/>
+                <a:ea typeface="+mj-ea"/>
+              </a:rPr>
+              <a:t>, </a:t>
+            </a:r>
+            <a:r>
+              <a:rPr lang="ko-KR" altLang="en-US" sz="2000" dirty="0" smtClean="0">
+                <a:latin typeface="+mj-ea"/>
+                <a:ea typeface="+mj-ea"/>
+              </a:rPr>
+              <a:t>삭제</a:t>
+            </a:r>
+            <a:endParaRPr lang="en-US" altLang="ko-KR" sz="2000" dirty="0" smtClean="0">
+              <a:latin typeface="+mj-ea"/>
+              <a:ea typeface="+mj-ea"/>
+            </a:endParaRPr>
+          </a:p>
+        </p:txBody>
+      </p:sp>
     </p:spTree>
     <p:extLst>
       <p:ext uri="{BB962C8B-B14F-4D97-AF65-F5344CB8AC3E}">
-        <p14:creationId xmlns:p14="http://schemas.microsoft.com/office/powerpoint/2010/main" val="3305254148"/>
+        <p14:creationId xmlns:p14="http://schemas.microsoft.com/office/powerpoint/2010/main" val="1905856394"/>
       </p:ext>
     </p:extLst>
   </p:cSld>
@@ -7161,12 +8241,8 @@
               <a:t>– </a:t>
             </a:r>
             <a:r>
-              <a:rPr lang="ko-KR" altLang="en-US" dirty="0" err="1" smtClean="0"/>
-              <a:t>미출고</a:t>
-            </a:r>
-            <a:r>
               <a:rPr lang="ko-KR" altLang="en-US" dirty="0" smtClean="0"/>
-              <a:t> 세탁물</a:t>
+              <a:t>등급 관리</a:t>
             </a:r>
             <a:endParaRPr lang="en-US" altLang="ko-KR" dirty="0"/>
           </a:p>
@@ -7190,18 +8266,146 @@
         </p:blipFill>
         <p:spPr>
           <a:xfrm>
-            <a:off x="720000" y="1260000"/>
-            <a:ext cx="8640000" cy="5040000"/>
+            <a:off x="3291266" y="1260000"/>
+            <a:ext cx="6480000" cy="5040000"/>
           </a:xfrm>
           <a:prstGeom prst="rect">
             <a:avLst/>
           </a:prstGeom>
         </p:spPr>
       </p:pic>
+      <p:sp>
+        <p:nvSpPr>
+          <p:cNvPr id="7" name="TextBox 6"/>
+          <p:cNvSpPr txBox="1"/>
+          <p:nvPr/>
+        </p:nvSpPr>
+        <p:spPr>
+          <a:xfrm>
+            <a:off x="677334" y="1276350"/>
+            <a:ext cx="2519158" cy="2246769"/>
+          </a:xfrm>
+          <a:prstGeom prst="rect">
+            <a:avLst/>
+          </a:prstGeom>
+          <a:noFill/>
+        </p:spPr>
+        <p:txBody>
+          <a:bodyPr wrap="square" rtlCol="0">
+            <a:spAutoFit/>
+          </a:bodyPr>
+          <a:lstStyle/>
+          <a:p>
+            <a:r>
+              <a:rPr lang="ko-KR" altLang="en-US" sz="2000" b="1" dirty="0" smtClean="0">
+                <a:latin typeface="+mj-ea"/>
+                <a:ea typeface="+mj-ea"/>
+              </a:rPr>
+              <a:t>등급 관리</a:t>
+            </a:r>
+            <a:endParaRPr lang="en-US" altLang="ko-KR" sz="2000" b="1" dirty="0" smtClean="0">
+              <a:latin typeface="+mj-ea"/>
+              <a:ea typeface="+mj-ea"/>
+            </a:endParaRPr>
+          </a:p>
+          <a:p>
+            <a:endParaRPr lang="en-US" altLang="ko-KR" sz="2000" b="1" dirty="0" smtClean="0">
+              <a:latin typeface="+mj-ea"/>
+              <a:ea typeface="+mj-ea"/>
+            </a:endParaRPr>
+          </a:p>
+          <a:p>
+            <a:pPr marL="285750" indent="-285750">
+              <a:buFontTx/>
+              <a:buChar char="-"/>
+            </a:pPr>
+            <a:r>
+              <a:rPr lang="ko-KR" altLang="en-US" sz="2000" dirty="0" smtClean="0">
+                <a:latin typeface="+mj-ea"/>
+                <a:ea typeface="+mj-ea"/>
+              </a:rPr>
+              <a:t>회원 등급 달성 조건</a:t>
+            </a:r>
+            <a:r>
+              <a:rPr lang="en-US" altLang="ko-KR" sz="2000" dirty="0" smtClean="0">
+                <a:latin typeface="+mj-ea"/>
+                <a:ea typeface="+mj-ea"/>
+              </a:rPr>
+              <a:t>, </a:t>
+            </a:r>
+            <a:r>
+              <a:rPr lang="ko-KR" altLang="en-US" sz="2000" dirty="0" smtClean="0">
+                <a:latin typeface="+mj-ea"/>
+                <a:ea typeface="+mj-ea"/>
+              </a:rPr>
+              <a:t>할인율 조정</a:t>
+            </a:r>
+            <a:endParaRPr lang="en-US" altLang="ko-KR" sz="2000" dirty="0" smtClean="0">
+              <a:latin typeface="+mj-ea"/>
+              <a:ea typeface="+mj-ea"/>
+            </a:endParaRPr>
+          </a:p>
+          <a:p>
+            <a:pPr marL="285750" indent="-285750">
+              <a:buFontTx/>
+              <a:buChar char="-"/>
+            </a:pPr>
+            <a:endParaRPr lang="en-US" altLang="ko-KR" sz="2000" dirty="0" smtClean="0">
+              <a:latin typeface="+mj-ea"/>
+              <a:ea typeface="+mj-ea"/>
+            </a:endParaRPr>
+          </a:p>
+          <a:p>
+            <a:pPr marL="285750" indent="-285750">
+              <a:buFontTx/>
+              <a:buChar char="-"/>
+            </a:pPr>
+            <a:r>
+              <a:rPr lang="ko-KR" altLang="en-US" sz="2000" dirty="0" smtClean="0">
+                <a:latin typeface="+mj-ea"/>
+                <a:ea typeface="+mj-ea"/>
+              </a:rPr>
+              <a:t>등급 추가</a:t>
+            </a:r>
+            <a:r>
+              <a:rPr lang="en-US" altLang="ko-KR" sz="2000" dirty="0" smtClean="0">
+                <a:latin typeface="+mj-ea"/>
+                <a:ea typeface="+mj-ea"/>
+              </a:rPr>
+              <a:t>, </a:t>
+            </a:r>
+            <a:r>
+              <a:rPr lang="ko-KR" altLang="en-US" sz="2000" dirty="0" smtClean="0">
+                <a:latin typeface="+mj-ea"/>
+                <a:ea typeface="+mj-ea"/>
+              </a:rPr>
+              <a:t>수정</a:t>
+            </a:r>
+            <a:r>
+              <a:rPr lang="en-US" altLang="ko-KR" sz="2000" dirty="0" smtClean="0">
+                <a:latin typeface="+mj-ea"/>
+                <a:ea typeface="+mj-ea"/>
+              </a:rPr>
+              <a:t>, </a:t>
+            </a:r>
+            <a:r>
+              <a:rPr lang="ko-KR" altLang="en-US" sz="2000" dirty="0" smtClean="0">
+                <a:latin typeface="+mj-ea"/>
+                <a:ea typeface="+mj-ea"/>
+              </a:rPr>
+              <a:t>삭제</a:t>
+            </a:r>
+            <a:endParaRPr lang="en-US" altLang="ko-KR" sz="2000" dirty="0" smtClean="0">
+              <a:latin typeface="+mj-ea"/>
+              <a:ea typeface="+mj-ea"/>
+            </a:endParaRPr>
+          </a:p>
+        </p:txBody>
+      </p:sp>
     </p:spTree>
     <p:extLst>
       <p:ext uri="{BB962C8B-B14F-4D97-AF65-F5344CB8AC3E}">
-        <p14:creationId xmlns:p14="http://schemas.microsoft.com/office/powerpoint/2010/main" val="2334689864"/>
+        <p14:creationId xmlns:p14="http://schemas.microsoft.com/office/powerpoint/2010/main" val="1766457730"/>
       </p:ext>
     </p:extLst>
   </p:cSld>
@@ -7265,15 +8469,7 @@
             </a:r>
             <a:r>
               <a:rPr lang="ko-KR" altLang="en-US" dirty="0" smtClean="0"/>
-              <a:t>전체</a:t>
-            </a:r>
-            <a:r>
-              <a:rPr lang="en-US" altLang="ko-KR" dirty="0" smtClean="0"/>
-              <a:t> </a:t>
-            </a:r>
-            <a:r>
-              <a:rPr lang="ko-KR" altLang="en-US" dirty="0" smtClean="0"/>
-              <a:t>주문검색</a:t>
+              <a:t>세탁물 코드 관리</a:t>
             </a:r>
             <a:endParaRPr lang="en-US" altLang="ko-KR" dirty="0"/>
           </a:p>
@@ -7281,7 +8477,7 @@
       </p:sp>
       <p:pic>
         <p:nvPicPr>
-          <p:cNvPr id="7" name="내용 개체 틀 6"/>
+          <p:cNvPr id="4" name="내용 개체 틀 3"/>
           <p:cNvPicPr preferRelativeResize="0">
             <a:picLocks noGrp="1"/>
           </p:cNvPicPr>
@@ -7297,18 +8493,132 @@
         </p:blipFill>
         <p:spPr>
           <a:xfrm>
-            <a:off x="720000" y="1260000"/>
-            <a:ext cx="8640000" cy="5040000"/>
+            <a:off x="3283447" y="1260000"/>
+            <a:ext cx="6480000" cy="5040000"/>
           </a:xfrm>
           <a:prstGeom prst="rect">
             <a:avLst/>
           </a:prstGeom>
         </p:spPr>
       </p:pic>
+      <p:sp>
+        <p:nvSpPr>
+          <p:cNvPr id="7" name="TextBox 6"/>
+          <p:cNvSpPr txBox="1"/>
+          <p:nvPr/>
+        </p:nvSpPr>
+        <p:spPr>
+          <a:xfrm>
+            <a:off x="677334" y="1276350"/>
+            <a:ext cx="2519158" cy="1938992"/>
+          </a:xfrm>
+          <a:prstGeom prst="rect">
+            <a:avLst/>
+          </a:prstGeom>
+          <a:noFill/>
+        </p:spPr>
+        <p:txBody>
+          <a:bodyPr wrap="square" rtlCol="0">
+            <a:spAutoFit/>
+          </a:bodyPr>
+          <a:lstStyle/>
+          <a:p>
+            <a:r>
+              <a:rPr lang="ko-KR" altLang="en-US" sz="2000" b="1" dirty="0" smtClean="0">
+                <a:latin typeface="+mj-ea"/>
+                <a:ea typeface="+mj-ea"/>
+              </a:rPr>
+              <a:t>세탁물 코드 관리</a:t>
+            </a:r>
+            <a:endParaRPr lang="en-US" altLang="ko-KR" sz="2000" b="1" dirty="0" smtClean="0">
+              <a:latin typeface="+mj-ea"/>
+              <a:ea typeface="+mj-ea"/>
+            </a:endParaRPr>
+          </a:p>
+          <a:p>
+            <a:endParaRPr lang="en-US" altLang="ko-KR" sz="2000" b="1" dirty="0" smtClean="0">
+              <a:latin typeface="+mj-ea"/>
+              <a:ea typeface="+mj-ea"/>
+            </a:endParaRPr>
+          </a:p>
+          <a:p>
+            <a:pPr marL="285750" indent="-285750">
+              <a:buFontTx/>
+              <a:buChar char="-"/>
+            </a:pPr>
+            <a:r>
+              <a:rPr lang="ko-KR" altLang="en-US" sz="2000" dirty="0" smtClean="0">
+                <a:latin typeface="+mj-ea"/>
+                <a:ea typeface="+mj-ea"/>
+              </a:rPr>
+              <a:t>세탁물 코드 출력</a:t>
+            </a:r>
+            <a:endParaRPr lang="en-US" altLang="ko-KR" sz="2000" dirty="0" smtClean="0">
+              <a:latin typeface="+mj-ea"/>
+              <a:ea typeface="+mj-ea"/>
+            </a:endParaRPr>
+          </a:p>
+          <a:p>
+            <a:pPr marL="285750" indent="-285750">
+              <a:buFontTx/>
+              <a:buChar char="-"/>
+            </a:pPr>
+            <a:endParaRPr lang="en-US" altLang="ko-KR" sz="2000" dirty="0" smtClean="0">
+              <a:latin typeface="+mj-ea"/>
+              <a:ea typeface="+mj-ea"/>
+            </a:endParaRPr>
+          </a:p>
+          <a:p>
+            <a:pPr marL="285750" indent="-285750">
+              <a:buFontTx/>
+              <a:buChar char="-"/>
+            </a:pPr>
+            <a:r>
+              <a:rPr lang="ko-KR" altLang="en-US" sz="2000" dirty="0" smtClean="0">
+                <a:latin typeface="+mj-ea"/>
+                <a:ea typeface="+mj-ea"/>
+              </a:rPr>
+              <a:t>세탁물 코드 추가</a:t>
+            </a:r>
+            <a:r>
+              <a:rPr lang="en-US" altLang="ko-KR" sz="2000" dirty="0" smtClean="0">
+                <a:latin typeface="+mj-ea"/>
+                <a:ea typeface="+mj-ea"/>
+              </a:rPr>
+              <a:t>, </a:t>
+            </a:r>
+            <a:r>
+              <a:rPr lang="ko-KR" altLang="en-US" sz="2000" dirty="0" smtClean="0">
+                <a:latin typeface="+mj-ea"/>
+                <a:ea typeface="+mj-ea"/>
+              </a:rPr>
+              <a:t>수정</a:t>
+            </a:r>
+            <a:r>
+              <a:rPr lang="en-US" altLang="ko-KR" sz="2000" dirty="0" smtClean="0">
+                <a:latin typeface="+mj-ea"/>
+                <a:ea typeface="+mj-ea"/>
+              </a:rPr>
+              <a:t>, </a:t>
+            </a:r>
+            <a:r>
+              <a:rPr lang="ko-KR" altLang="en-US" sz="2000" dirty="0" smtClean="0">
+                <a:latin typeface="+mj-ea"/>
+                <a:ea typeface="+mj-ea"/>
+              </a:rPr>
+              <a:t>삭제</a:t>
+            </a:r>
+            <a:endParaRPr lang="en-US" altLang="ko-KR" sz="2000" dirty="0" smtClean="0">
+              <a:latin typeface="+mj-ea"/>
+              <a:ea typeface="+mj-ea"/>
+            </a:endParaRPr>
+          </a:p>
+        </p:txBody>
+      </p:sp>
     </p:spTree>
     <p:extLst>
       <p:ext uri="{BB962C8B-B14F-4D97-AF65-F5344CB8AC3E}">
-        <p14:creationId xmlns:p14="http://schemas.microsoft.com/office/powerpoint/2010/main" val="2121195127"/>
+        <p14:creationId xmlns:p14="http://schemas.microsoft.com/office/powerpoint/2010/main" val="3022237012"/>
       </p:ext>
     </p:extLst>
   </p:cSld>
@@ -7364,29 +8674,139 @@
           <a:p>
             <a:r>
               <a:rPr lang="ko-KR" altLang="en-US" dirty="0" smtClean="0"/>
-              <a:t>기능 소개 </a:t>
-            </a:r>
-            <a:r>
-              <a:rPr lang="en-US" altLang="ko-KR" dirty="0" smtClean="0"/>
-              <a:t>– </a:t>
-            </a:r>
-            <a:r>
-              <a:rPr lang="ko-KR" altLang="en-US" dirty="0" smtClean="0"/>
-              <a:t>회원 검색</a:t>
+              <a:t>기능 소개</a:t>
             </a:r>
             <a:endParaRPr lang="en-US" altLang="ko-KR" dirty="0"/>
+          </a:p>
+        </p:txBody>
+      </p:sp>
+      <p:sp>
+        <p:nvSpPr>
+          <p:cNvPr id="6" name="TextBox 5"/>
+          <p:cNvSpPr txBox="1"/>
+          <p:nvPr/>
+        </p:nvSpPr>
+        <p:spPr>
+          <a:xfrm>
+            <a:off x="677334" y="1276350"/>
+            <a:ext cx="2519158" cy="2246769"/>
+          </a:xfrm>
+          <a:prstGeom prst="rect">
+            <a:avLst/>
+          </a:prstGeom>
+          <a:noFill/>
+        </p:spPr>
+        <p:txBody>
+          <a:bodyPr wrap="square" rtlCol="0">
+            <a:spAutoFit/>
+          </a:bodyPr>
+          <a:lstStyle/>
+          <a:p>
+            <a:r>
+              <a:rPr lang="ko-KR" altLang="en-US" sz="2000" b="1" dirty="0" smtClean="0">
+                <a:latin typeface="+mj-ea"/>
+                <a:ea typeface="+mj-ea"/>
+              </a:rPr>
+              <a:t>월별 제품 매출</a:t>
+            </a:r>
+            <a:endParaRPr lang="en-US" altLang="ko-KR" sz="2000" b="1" dirty="0" smtClean="0">
+              <a:latin typeface="+mj-ea"/>
+              <a:ea typeface="+mj-ea"/>
+            </a:endParaRPr>
+          </a:p>
+          <a:p>
+            <a:endParaRPr lang="en-US" altLang="ko-KR" sz="2000" b="1" dirty="0" smtClean="0">
+              <a:latin typeface="+mj-ea"/>
+              <a:ea typeface="+mj-ea"/>
+            </a:endParaRPr>
+          </a:p>
+          <a:p>
+            <a:pPr marL="285750" indent="-285750">
+              <a:buFontTx/>
+              <a:buChar char="-"/>
+            </a:pPr>
+            <a:r>
+              <a:rPr lang="ko-KR" altLang="en-US" sz="2000" dirty="0" smtClean="0">
+                <a:latin typeface="+mj-ea"/>
+                <a:ea typeface="+mj-ea"/>
+              </a:rPr>
+              <a:t>월별 주문량</a:t>
+            </a:r>
+            <a:r>
+              <a:rPr lang="en-US" altLang="ko-KR" sz="2000" dirty="0" smtClean="0">
+                <a:latin typeface="+mj-ea"/>
+                <a:ea typeface="+mj-ea"/>
+              </a:rPr>
+              <a:t>,</a:t>
+            </a:r>
+            <a:r>
+              <a:rPr lang="ko-KR" altLang="en-US" sz="2000" dirty="0" smtClean="0">
+                <a:latin typeface="+mj-ea"/>
+              </a:rPr>
+              <a:t> </a:t>
+            </a:r>
+            <a:r>
+              <a:rPr lang="ko-KR" altLang="en-US" sz="2000" dirty="0" smtClean="0">
+                <a:latin typeface="+mj-ea"/>
+                <a:ea typeface="+mj-ea"/>
+              </a:rPr>
+              <a:t>매출 출력</a:t>
+            </a:r>
+            <a:endParaRPr lang="en-US" altLang="ko-KR" sz="2000" dirty="0" smtClean="0">
+              <a:latin typeface="+mj-ea"/>
+              <a:ea typeface="+mj-ea"/>
+            </a:endParaRPr>
+          </a:p>
+          <a:p>
+            <a:pPr marL="285750" indent="-285750">
+              <a:buFontTx/>
+              <a:buChar char="-"/>
+            </a:pPr>
+            <a:endParaRPr lang="en-US" altLang="ko-KR" sz="2000" dirty="0" smtClean="0">
+              <a:latin typeface="+mj-ea"/>
+              <a:ea typeface="+mj-ea"/>
+            </a:endParaRPr>
+          </a:p>
+          <a:p>
+            <a:pPr marL="285750" indent="-285750">
+              <a:buFontTx/>
+              <a:buChar char="-"/>
+            </a:pPr>
+            <a:r>
+              <a:rPr lang="ko-KR" altLang="en-US" sz="2000" dirty="0" smtClean="0">
+                <a:latin typeface="+mj-ea"/>
+                <a:ea typeface="+mj-ea"/>
+              </a:rPr>
+              <a:t>세탁물 </a:t>
+            </a:r>
+            <a:r>
+              <a:rPr lang="ko-KR" altLang="en-US" sz="2000" dirty="0" err="1" smtClean="0">
+                <a:latin typeface="+mj-ea"/>
+                <a:ea typeface="+mj-ea"/>
+              </a:rPr>
+              <a:t>코드별</a:t>
+            </a:r>
+            <a:r>
+              <a:rPr lang="ko-KR" altLang="en-US" sz="2000" dirty="0" smtClean="0">
+                <a:latin typeface="+mj-ea"/>
+                <a:ea typeface="+mj-ea"/>
+              </a:rPr>
+              <a:t> 정렬</a:t>
+            </a:r>
+            <a:endParaRPr lang="en-US" altLang="ko-KR" sz="2000" dirty="0" smtClean="0">
+              <a:latin typeface="+mj-ea"/>
+              <a:ea typeface="+mj-ea"/>
+            </a:endParaRPr>
           </a:p>
         </p:txBody>
       </p:sp>
       <p:pic>
         <p:nvPicPr>
-          <p:cNvPr id="4" name="내용 개체 틀 3"/>
-          <p:cNvPicPr preferRelativeResize="0">
-            <a:picLocks noGrp="1"/>
+          <p:cNvPr id="3" name="그림 2"/>
+          <p:cNvPicPr>
+            <a:picLocks noChangeAspect="1"/>
           </p:cNvPicPr>
-          <p:nvPr>
-            <p:ph idx="1"/>
-          </p:nvPr>
+          <p:nvPr/>
         </p:nvPicPr>
         <p:blipFill>
           <a:blip r:embed="rId2"/>
@@ -7396,8 +8816,8 @@
         </p:blipFill>
         <p:spPr>
           <a:xfrm>
-            <a:off x="720000" y="1260000"/>
-            <a:ext cx="8640000" cy="5040000"/>
+            <a:off x="3306890" y="1276350"/>
+            <a:ext cx="6480000" cy="4320000"/>
           </a:xfrm>
           <a:prstGeom prst="rect">
             <a:avLst/>
@@ -7407,7 +8827,7 @@
     </p:spTree>
     <p:extLst>
       <p:ext uri="{BB962C8B-B14F-4D97-AF65-F5344CB8AC3E}">
-        <p14:creationId xmlns:p14="http://schemas.microsoft.com/office/powerpoint/2010/main" val="500650955"/>
+        <p14:creationId xmlns:p14="http://schemas.microsoft.com/office/powerpoint/2010/main" val="1066177961"/>
       </p:ext>
     </p:extLst>
   </p:cSld>
@@ -7469,15 +8889,109 @@
           </a:p>
         </p:txBody>
       </p:sp>
+      <p:sp>
+        <p:nvSpPr>
+          <p:cNvPr id="6" name="TextBox 5"/>
+          <p:cNvSpPr txBox="1"/>
+          <p:nvPr/>
+        </p:nvSpPr>
+        <p:spPr>
+          <a:xfrm>
+            <a:off x="677334" y="1276350"/>
+            <a:ext cx="2519158" cy="1631216"/>
+          </a:xfrm>
+          <a:prstGeom prst="rect">
+            <a:avLst/>
+          </a:prstGeom>
+          <a:noFill/>
+        </p:spPr>
+        <p:txBody>
+          <a:bodyPr wrap="square" rtlCol="0">
+            <a:spAutoFit/>
+          </a:bodyPr>
+          <a:lstStyle/>
+          <a:p>
+            <a:r>
+              <a:rPr lang="ko-KR" altLang="en-US" sz="2000" b="1" dirty="0" smtClean="0">
+                <a:latin typeface="+mj-ea"/>
+                <a:ea typeface="+mj-ea"/>
+              </a:rPr>
+              <a:t>월별 매출</a:t>
+            </a:r>
+            <a:endParaRPr lang="en-US" altLang="ko-KR" sz="2000" b="1" dirty="0" smtClean="0">
+              <a:latin typeface="+mj-ea"/>
+              <a:ea typeface="+mj-ea"/>
+            </a:endParaRPr>
+          </a:p>
+          <a:p>
+            <a:endParaRPr lang="en-US" altLang="ko-KR" sz="2000" b="1" dirty="0" smtClean="0">
+              <a:latin typeface="+mj-ea"/>
+              <a:ea typeface="+mj-ea"/>
+            </a:endParaRPr>
+          </a:p>
+          <a:p>
+            <a:pPr marL="285750" indent="-285750">
+              <a:buFontTx/>
+              <a:buChar char="-"/>
+            </a:pPr>
+            <a:r>
+              <a:rPr lang="ko-KR" altLang="en-US" sz="2000" dirty="0" smtClean="0">
+                <a:latin typeface="+mj-ea"/>
+                <a:ea typeface="+mj-ea"/>
+              </a:rPr>
+              <a:t>월별 주문량</a:t>
+            </a:r>
+            <a:r>
+              <a:rPr lang="en-US" altLang="ko-KR" sz="2000" dirty="0" smtClean="0">
+                <a:latin typeface="+mj-ea"/>
+                <a:ea typeface="+mj-ea"/>
+              </a:rPr>
+              <a:t>,</a:t>
+            </a:r>
+            <a:r>
+              <a:rPr lang="ko-KR" altLang="en-US" sz="2000" dirty="0" smtClean="0">
+                <a:latin typeface="+mj-ea"/>
+              </a:rPr>
+              <a:t> </a:t>
+            </a:r>
+            <a:r>
+              <a:rPr lang="ko-KR" altLang="en-US" sz="2000" dirty="0" err="1" smtClean="0">
+                <a:latin typeface="+mj-ea"/>
+                <a:ea typeface="+mj-ea"/>
+              </a:rPr>
+              <a:t>총매출</a:t>
+            </a:r>
+            <a:r>
+              <a:rPr lang="ko-KR" altLang="en-US" sz="2000" dirty="0" smtClean="0">
+                <a:latin typeface="+mj-ea"/>
+                <a:ea typeface="+mj-ea"/>
+              </a:rPr>
+              <a:t> 출력</a:t>
+            </a:r>
+            <a:endParaRPr lang="en-US" altLang="ko-KR" sz="2000" dirty="0" smtClean="0">
+              <a:latin typeface="+mj-ea"/>
+              <a:ea typeface="+mj-ea"/>
+            </a:endParaRPr>
+          </a:p>
+          <a:p>
+            <a:pPr marL="285750" indent="-285750">
+              <a:buFontTx/>
+              <a:buChar char="-"/>
+            </a:pPr>
+            <a:endParaRPr lang="en-US" altLang="ko-KR" sz="2000" dirty="0" smtClean="0">
+              <a:latin typeface="+mj-ea"/>
+              <a:ea typeface="+mj-ea"/>
+            </a:endParaRPr>
+          </a:p>
+        </p:txBody>
+      </p:sp>
       <p:pic>
         <p:nvPicPr>
-          <p:cNvPr id="4" name="내용 개체 틀 3"/>
-          <p:cNvPicPr preferRelativeResize="0">
-            <a:picLocks noGrp="1"/>
+          <p:cNvPr id="3" name="그림 2"/>
+          <p:cNvPicPr>
+            <a:picLocks noChangeAspect="1"/>
           </p:cNvPicPr>
-          <p:nvPr>
-            <p:ph idx="1"/>
-          </p:nvPr>
+          <p:nvPr/>
         </p:nvPicPr>
         <p:blipFill>
           <a:blip r:embed="rId2"/>
@@ -7487,8 +9001,8 @@
         </p:blipFill>
         <p:spPr>
           <a:xfrm>
-            <a:off x="720000" y="1260000"/>
-            <a:ext cx="8640000" cy="5040000"/>
+            <a:off x="3283446" y="1259999"/>
+            <a:ext cx="6480000" cy="4295058"/>
           </a:xfrm>
           <a:prstGeom prst="rect">
             <a:avLst/>
@@ -7498,7 +9012,7 @@
     </p:spTree>
     <p:extLst>
       <p:ext uri="{BB962C8B-B14F-4D97-AF65-F5344CB8AC3E}">
-        <p14:creationId xmlns:p14="http://schemas.microsoft.com/office/powerpoint/2010/main" val="2937453668"/>
+        <p14:creationId xmlns:p14="http://schemas.microsoft.com/office/powerpoint/2010/main" val="2935671793"/>
       </p:ext>
     </p:extLst>
   </p:cSld>
@@ -7554,29 +9068,118 @@
           <a:p>
             <a:r>
               <a:rPr lang="ko-KR" altLang="en-US" dirty="0" smtClean="0"/>
-              <a:t>기능 소개 </a:t>
-            </a:r>
-            <a:r>
-              <a:rPr lang="en-US" altLang="ko-KR" dirty="0" smtClean="0"/>
-              <a:t>– </a:t>
-            </a:r>
-            <a:r>
-              <a:rPr lang="ko-KR" altLang="en-US" dirty="0" smtClean="0"/>
-              <a:t>주문 관리</a:t>
+              <a:t>기능 소개</a:t>
             </a:r>
             <a:endParaRPr lang="en-US" altLang="ko-KR" dirty="0"/>
+          </a:p>
+        </p:txBody>
+      </p:sp>
+      <p:sp>
+        <p:nvSpPr>
+          <p:cNvPr id="7" name="TextBox 6"/>
+          <p:cNvSpPr txBox="1"/>
+          <p:nvPr/>
+        </p:nvSpPr>
+        <p:spPr>
+          <a:xfrm>
+            <a:off x="677334" y="1276350"/>
+            <a:ext cx="2519158" cy="1631216"/>
+          </a:xfrm>
+          <a:prstGeom prst="rect">
+            <a:avLst/>
+          </a:prstGeom>
+          <a:noFill/>
+        </p:spPr>
+        <p:txBody>
+          <a:bodyPr wrap="square" rtlCol="0">
+            <a:spAutoFit/>
+          </a:bodyPr>
+          <a:lstStyle/>
+          <a:p>
+            <a:r>
+              <a:rPr lang="ko-KR" altLang="en-US" sz="2000" b="1" dirty="0" smtClean="0">
+                <a:latin typeface="+mj-ea"/>
+                <a:ea typeface="+mj-ea"/>
+              </a:rPr>
+              <a:t>제품별 누적 매출</a:t>
+            </a:r>
+            <a:endParaRPr lang="en-US" altLang="ko-KR" sz="2000" b="1" dirty="0" smtClean="0">
+              <a:latin typeface="+mj-ea"/>
+              <a:ea typeface="+mj-ea"/>
+            </a:endParaRPr>
+          </a:p>
+          <a:p>
+            <a:endParaRPr lang="en-US" altLang="ko-KR" sz="2000" b="1" dirty="0" smtClean="0">
+              <a:latin typeface="+mj-ea"/>
+              <a:ea typeface="+mj-ea"/>
+            </a:endParaRPr>
+          </a:p>
+          <a:p>
+            <a:pPr marL="285750" indent="-285750">
+              <a:buFontTx/>
+              <a:buChar char="-"/>
+            </a:pPr>
+            <a:r>
+              <a:rPr lang="ko-KR" altLang="en-US" sz="2000" dirty="0" smtClean="0">
+                <a:latin typeface="+mj-ea"/>
+                <a:ea typeface="+mj-ea"/>
+              </a:rPr>
+              <a:t>세탁물 </a:t>
+            </a:r>
+            <a:r>
+              <a:rPr lang="ko-KR" altLang="en-US" sz="2000" dirty="0" err="1" smtClean="0">
+                <a:latin typeface="+mj-ea"/>
+                <a:ea typeface="+mj-ea"/>
+              </a:rPr>
+              <a:t>코드별</a:t>
+            </a:r>
+            <a:r>
+              <a:rPr lang="ko-KR" altLang="en-US" sz="2000" dirty="0" smtClean="0">
+                <a:latin typeface="+mj-ea"/>
+                <a:ea typeface="+mj-ea"/>
+              </a:rPr>
+              <a:t>  누적 </a:t>
+            </a:r>
+            <a:r>
+              <a:rPr lang="ko-KR" altLang="en-US" sz="2000" dirty="0">
+                <a:latin typeface="+mj-ea"/>
+                <a:ea typeface="+mj-ea"/>
+              </a:rPr>
+              <a:t>주문량</a:t>
+            </a:r>
+            <a:r>
+              <a:rPr lang="ko-KR" altLang="en-US" sz="2000" dirty="0">
+                <a:latin typeface="+mj-ea"/>
+              </a:rPr>
+              <a:t> </a:t>
+            </a:r>
+            <a:r>
+              <a:rPr lang="en-US" altLang="ko-KR" sz="2000" dirty="0" smtClean="0">
+                <a:latin typeface="+mj-ea"/>
+              </a:rPr>
+              <a:t>, </a:t>
+            </a:r>
+            <a:r>
+              <a:rPr lang="ko-KR" altLang="en-US" sz="2000" dirty="0" smtClean="0">
+                <a:latin typeface="+mj-ea"/>
+                <a:ea typeface="+mj-ea"/>
+              </a:rPr>
+              <a:t>매출 정렬</a:t>
+            </a:r>
+            <a:endParaRPr lang="en-US" altLang="ko-KR" sz="2000" dirty="0" smtClean="0">
+              <a:latin typeface="+mj-ea"/>
+              <a:ea typeface="+mj-ea"/>
+            </a:endParaRPr>
           </a:p>
         </p:txBody>
       </p:sp>
       <p:pic>
         <p:nvPicPr>
-          <p:cNvPr id="4" name="내용 개체 틀 3"/>
-          <p:cNvPicPr preferRelativeResize="0">
-            <a:picLocks noGrp="1"/>
+          <p:cNvPr id="3" name="그림 2"/>
+          <p:cNvPicPr>
+            <a:picLocks noChangeAspect="1"/>
           </p:cNvPicPr>
-          <p:nvPr>
-            <p:ph idx="1"/>
-          </p:nvPr>
+          <p:nvPr/>
         </p:nvPicPr>
         <p:blipFill>
           <a:blip r:embed="rId2"/>
@@ -7586,8 +9189,8 @@
         </p:blipFill>
         <p:spPr>
           <a:xfrm>
-            <a:off x="720000" y="1260000"/>
-            <a:ext cx="8640000" cy="5040000"/>
+            <a:off x="3196492" y="1260000"/>
+            <a:ext cx="6480000" cy="4410630"/>
           </a:xfrm>
           <a:prstGeom prst="rect">
             <a:avLst/>
@@ -7597,7 +9200,7 @@
     </p:spTree>
     <p:extLst>
       <p:ext uri="{BB962C8B-B14F-4D97-AF65-F5344CB8AC3E}">
-        <p14:creationId xmlns:p14="http://schemas.microsoft.com/office/powerpoint/2010/main" val="347174083"/>
+        <p14:creationId xmlns:p14="http://schemas.microsoft.com/office/powerpoint/2010/main" val="3459207618"/>
       </p:ext>
     </p:extLst>
   </p:cSld>
@@ -7653,29 +9256,106 @@
           <a:p>
             <a:r>
               <a:rPr lang="ko-KR" altLang="en-US" dirty="0" smtClean="0"/>
-              <a:t>기능 소개 </a:t>
-            </a:r>
-            <a:r>
-              <a:rPr lang="en-US" altLang="ko-KR" dirty="0" smtClean="0"/>
-              <a:t>– </a:t>
-            </a:r>
-            <a:r>
-              <a:rPr lang="ko-KR" altLang="en-US" dirty="0" smtClean="0"/>
-              <a:t>회원 관리</a:t>
+              <a:t>기능 소개</a:t>
             </a:r>
             <a:endParaRPr lang="en-US" altLang="ko-KR" dirty="0"/>
+          </a:p>
+        </p:txBody>
+      </p:sp>
+      <p:sp>
+        <p:nvSpPr>
+          <p:cNvPr id="7" name="TextBox 6"/>
+          <p:cNvSpPr txBox="1"/>
+          <p:nvPr/>
+        </p:nvSpPr>
+        <p:spPr>
+          <a:xfrm>
+            <a:off x="677334" y="1276350"/>
+            <a:ext cx="2519158" cy="1323439"/>
+          </a:xfrm>
+          <a:prstGeom prst="rect">
+            <a:avLst/>
+          </a:prstGeom>
+          <a:noFill/>
+        </p:spPr>
+        <p:txBody>
+          <a:bodyPr wrap="square" rtlCol="0">
+            <a:spAutoFit/>
+          </a:bodyPr>
+          <a:lstStyle/>
+          <a:p>
+            <a:r>
+              <a:rPr lang="ko-KR" altLang="en-US" sz="2000" b="1" dirty="0" err="1" smtClean="0">
+                <a:latin typeface="+mj-ea"/>
+                <a:ea typeface="+mj-ea"/>
+              </a:rPr>
+              <a:t>회원별</a:t>
+            </a:r>
+            <a:r>
+              <a:rPr lang="ko-KR" altLang="en-US" sz="2000" b="1" dirty="0" smtClean="0">
+                <a:latin typeface="+mj-ea"/>
+                <a:ea typeface="+mj-ea"/>
+              </a:rPr>
+              <a:t> 누적 매출</a:t>
+            </a:r>
+            <a:endParaRPr lang="en-US" altLang="ko-KR" sz="2000" b="1" dirty="0" smtClean="0">
+              <a:latin typeface="+mj-ea"/>
+              <a:ea typeface="+mj-ea"/>
+            </a:endParaRPr>
+          </a:p>
+          <a:p>
+            <a:endParaRPr lang="en-US" altLang="ko-KR" sz="2000" b="1" dirty="0" smtClean="0">
+              <a:latin typeface="+mj-ea"/>
+              <a:ea typeface="+mj-ea"/>
+            </a:endParaRPr>
+          </a:p>
+          <a:p>
+            <a:pPr marL="285750" indent="-285750">
+              <a:buFontTx/>
+              <a:buChar char="-"/>
+            </a:pPr>
+            <a:r>
+              <a:rPr lang="ko-KR" altLang="en-US" sz="2000" dirty="0" err="1" smtClean="0">
+                <a:latin typeface="+mj-ea"/>
+                <a:ea typeface="+mj-ea"/>
+              </a:rPr>
+              <a:t>회원별</a:t>
+            </a:r>
+            <a:r>
+              <a:rPr lang="ko-KR" altLang="en-US" sz="2000" dirty="0" smtClean="0">
+                <a:latin typeface="+mj-ea"/>
+                <a:ea typeface="+mj-ea"/>
+              </a:rPr>
+              <a:t> 누적 주문량</a:t>
+            </a:r>
+            <a:r>
+              <a:rPr lang="en-US" altLang="ko-KR" sz="2000" dirty="0" smtClean="0">
+                <a:latin typeface="+mj-ea"/>
+                <a:ea typeface="+mj-ea"/>
+              </a:rPr>
+              <a:t>, </a:t>
+            </a:r>
+            <a:r>
+              <a:rPr lang="ko-KR" altLang="en-US" sz="2000" dirty="0" smtClean="0">
+                <a:latin typeface="+mj-ea"/>
+                <a:ea typeface="+mj-ea"/>
+              </a:rPr>
+              <a:t>매출 정렬</a:t>
+            </a:r>
+            <a:endParaRPr lang="en-US" altLang="ko-KR" sz="2000" dirty="0" smtClean="0">
+              <a:latin typeface="+mj-ea"/>
+              <a:ea typeface="+mj-ea"/>
+            </a:endParaRPr>
           </a:p>
         </p:txBody>
       </p:sp>
       <p:pic>
         <p:nvPicPr>
-          <p:cNvPr id="4" name="내용 개체 틀 3"/>
-          <p:cNvPicPr preferRelativeResize="0">
-            <a:picLocks noGrp="1"/>
+          <p:cNvPr id="9" name="그림 8"/>
+          <p:cNvPicPr>
+            <a:picLocks noChangeAspect="1"/>
           </p:cNvPicPr>
-          <p:nvPr>
-            <p:ph idx="1"/>
-          </p:nvPr>
+          <p:nvPr/>
         </p:nvPicPr>
         <p:blipFill>
           <a:blip r:embed="rId2"/>
@@ -7685,372 +9365,8 @@
         </p:blipFill>
         <p:spPr>
           <a:xfrm>
-            <a:off x="720000" y="1260000"/>
-            <a:ext cx="8640000" cy="5040000"/>
-          </a:xfrm>
-          <a:prstGeom prst="rect">
-            <a:avLst/>
-          </a:prstGeom>
-        </p:spPr>
-      </p:pic>
-    </p:spTree>
-    <p:extLst>
-      <p:ext uri="{BB962C8B-B14F-4D97-AF65-F5344CB8AC3E}">
-        <p14:creationId xmlns:p14="http://schemas.microsoft.com/office/powerpoint/2010/main" val="1905856394"/>
-      </p:ext>
-    </p:extLst>
-  </p:cSld>
-  <p:clrMapOvr>
-    <a:masterClrMapping/>
-  </p:clrMapOvr>
-  <p:timing>
-    <p:tnLst>
-      <p:par>
-        <p:cTn id="1" dur="indefinite" restart="never" nodeType="tmRoot"/>
-      </p:par>
-    </p:tnLst>
-  </p:timing>
-</p:sld>
-</file>
-
-<file path=ppt/slides/slide26.xml><?xml version="1.0" encoding="utf-8"?>
-<p:sld xmlns:a="http://schemas.openxmlformats.org/drawingml/2006/main" xmlns:r="http://schemas.openxmlformats.org/officeDocument/2006/relationships" xmlns:p="http://schemas.openxmlformats.org/presentationml/2006/main">
-  <p:cSld>
-    <p:spTree>
-      <p:nvGrpSpPr>
-        <p:cNvPr id="1" name=""/>
-        <p:cNvGrpSpPr/>
-        <p:nvPr/>
-      </p:nvGrpSpPr>
-      <p:grpSpPr>
-        <a:xfrm>
-          <a:off x="0" y="0"/>
-          <a:ext cx="0" cy="0"/>
-          <a:chOff x="0" y="0"/>
-          <a:chExt cx="0" cy="0"/>
-        </a:xfrm>
-      </p:grpSpPr>
-      <p:sp>
-        <p:nvSpPr>
-          <p:cNvPr id="2" name="제목 1"/>
-          <p:cNvSpPr>
-            <a:spLocks noGrp="1"/>
-          </p:cNvSpPr>
-          <p:nvPr>
-            <p:ph type="title"/>
-          </p:nvPr>
-        </p:nvSpPr>
-        <p:spPr>
-          <a:xfrm>
-            <a:off x="677334" y="609600"/>
-            <a:ext cx="8596668" cy="762000"/>
-          </a:xfrm>
-        </p:spPr>
-        <p:txBody>
-          <a:bodyPr/>
-          <a:lstStyle/>
-          <a:p>
-            <a:r>
-              <a:rPr lang="ko-KR" altLang="en-US" dirty="0" smtClean="0"/>
-              <a:t>기능 소개</a:t>
-            </a:r>
-            <a:endParaRPr lang="en-US" altLang="ko-KR" dirty="0"/>
-          </a:p>
-        </p:txBody>
-      </p:sp>
-      <p:pic>
-        <p:nvPicPr>
-          <p:cNvPr id="8" name="내용 개체 틀 7"/>
-          <p:cNvPicPr preferRelativeResize="0">
-            <a:picLocks noGrp="1"/>
-          </p:cNvPicPr>
-          <p:nvPr>
-            <p:ph idx="1"/>
-          </p:nvPr>
-        </p:nvPicPr>
-        <p:blipFill>
-          <a:blip r:embed="rId2"/>
-          <a:stretch>
-            <a:fillRect/>
-          </a:stretch>
-        </p:blipFill>
-        <p:spPr>
-          <a:xfrm>
-            <a:off x="720000" y="1260000"/>
-            <a:ext cx="8640000" cy="5040000"/>
-          </a:xfrm>
-          <a:prstGeom prst="rect">
-            <a:avLst/>
-          </a:prstGeom>
-        </p:spPr>
-      </p:pic>
-    </p:spTree>
-    <p:extLst>
-      <p:ext uri="{BB962C8B-B14F-4D97-AF65-F5344CB8AC3E}">
-        <p14:creationId xmlns:p14="http://schemas.microsoft.com/office/powerpoint/2010/main" val="1066177961"/>
-      </p:ext>
-    </p:extLst>
-  </p:cSld>
-  <p:clrMapOvr>
-    <a:masterClrMapping/>
-  </p:clrMapOvr>
-  <p:timing>
-    <p:tnLst>
-      <p:par>
-        <p:cTn id="1" dur="indefinite" restart="never" nodeType="tmRoot"/>
-      </p:par>
-    </p:tnLst>
-  </p:timing>
-</p:sld>
-</file>
-
-<file path=ppt/slides/slide27.xml><?xml version="1.0" encoding="utf-8"?>
-<p:sld xmlns:a="http://schemas.openxmlformats.org/drawingml/2006/main" xmlns:r="http://schemas.openxmlformats.org/officeDocument/2006/relationships" xmlns:p="http://schemas.openxmlformats.org/presentationml/2006/main">
-  <p:cSld>
-    <p:spTree>
-      <p:nvGrpSpPr>
-        <p:cNvPr id="1" name=""/>
-        <p:cNvGrpSpPr/>
-        <p:nvPr/>
-      </p:nvGrpSpPr>
-      <p:grpSpPr>
-        <a:xfrm>
-          <a:off x="0" y="0"/>
-          <a:ext cx="0" cy="0"/>
-          <a:chOff x="0" y="0"/>
-          <a:chExt cx="0" cy="0"/>
-        </a:xfrm>
-      </p:grpSpPr>
-      <p:sp>
-        <p:nvSpPr>
-          <p:cNvPr id="2" name="제목 1"/>
-          <p:cNvSpPr>
-            <a:spLocks noGrp="1"/>
-          </p:cNvSpPr>
-          <p:nvPr>
-            <p:ph type="title"/>
-          </p:nvPr>
-        </p:nvSpPr>
-        <p:spPr>
-          <a:xfrm>
-            <a:off x="677334" y="609600"/>
-            <a:ext cx="8596668" cy="762000"/>
-          </a:xfrm>
-        </p:spPr>
-        <p:txBody>
-          <a:bodyPr/>
-          <a:lstStyle/>
-          <a:p>
-            <a:r>
-              <a:rPr lang="ko-KR" altLang="en-US" dirty="0" smtClean="0"/>
-              <a:t>기능 소개</a:t>
-            </a:r>
-            <a:endParaRPr lang="en-US" altLang="ko-KR" dirty="0"/>
-          </a:p>
-        </p:txBody>
-      </p:sp>
-      <p:pic>
-        <p:nvPicPr>
-          <p:cNvPr id="8" name="내용 개체 틀 7"/>
-          <p:cNvPicPr preferRelativeResize="0">
-            <a:picLocks noGrp="1"/>
-          </p:cNvPicPr>
-          <p:nvPr>
-            <p:ph idx="1"/>
-          </p:nvPr>
-        </p:nvPicPr>
-        <p:blipFill>
-          <a:blip r:embed="rId2"/>
-          <a:stretch>
-            <a:fillRect/>
-          </a:stretch>
-        </p:blipFill>
-        <p:spPr>
-          <a:xfrm>
-            <a:off x="720000" y="1260000"/>
-            <a:ext cx="8640000" cy="5040000"/>
-          </a:xfrm>
-          <a:prstGeom prst="rect">
-            <a:avLst/>
-          </a:prstGeom>
-        </p:spPr>
-      </p:pic>
-    </p:spTree>
-    <p:extLst>
-      <p:ext uri="{BB962C8B-B14F-4D97-AF65-F5344CB8AC3E}">
-        <p14:creationId xmlns:p14="http://schemas.microsoft.com/office/powerpoint/2010/main" val="2935671793"/>
-      </p:ext>
-    </p:extLst>
-  </p:cSld>
-  <p:clrMapOvr>
-    <a:masterClrMapping/>
-  </p:clrMapOvr>
-  <p:timing>
-    <p:tnLst>
-      <p:par>
-        <p:cTn id="1" dur="indefinite" restart="never" nodeType="tmRoot"/>
-      </p:par>
-    </p:tnLst>
-  </p:timing>
-</p:sld>
-</file>
-
-<file path=ppt/slides/slide28.xml><?xml version="1.0" encoding="utf-8"?>
-<p:sld xmlns:a="http://schemas.openxmlformats.org/drawingml/2006/main" xmlns:r="http://schemas.openxmlformats.org/officeDocument/2006/relationships" xmlns:p="http://schemas.openxmlformats.org/presentationml/2006/main">
-  <p:cSld>
-    <p:spTree>
-      <p:nvGrpSpPr>
-        <p:cNvPr id="1" name=""/>
-        <p:cNvGrpSpPr/>
-        <p:nvPr/>
-      </p:nvGrpSpPr>
-      <p:grpSpPr>
-        <a:xfrm>
-          <a:off x="0" y="0"/>
-          <a:ext cx="0" cy="0"/>
-          <a:chOff x="0" y="0"/>
-          <a:chExt cx="0" cy="0"/>
-        </a:xfrm>
-      </p:grpSpPr>
-      <p:sp>
-        <p:nvSpPr>
-          <p:cNvPr id="2" name="제목 1"/>
-          <p:cNvSpPr>
-            <a:spLocks noGrp="1"/>
-          </p:cNvSpPr>
-          <p:nvPr>
-            <p:ph type="title"/>
-          </p:nvPr>
-        </p:nvSpPr>
-        <p:spPr>
-          <a:xfrm>
-            <a:off x="677334" y="609600"/>
-            <a:ext cx="8596668" cy="762000"/>
-          </a:xfrm>
-        </p:spPr>
-        <p:txBody>
-          <a:bodyPr/>
-          <a:lstStyle/>
-          <a:p>
-            <a:r>
-              <a:rPr lang="ko-KR" altLang="en-US" dirty="0" smtClean="0"/>
-              <a:t>기능 소개</a:t>
-            </a:r>
-            <a:endParaRPr lang="en-US" altLang="ko-KR" dirty="0"/>
-          </a:p>
-        </p:txBody>
-      </p:sp>
-      <p:pic>
-        <p:nvPicPr>
-          <p:cNvPr id="6" name="내용 개체 틀 5"/>
-          <p:cNvPicPr preferRelativeResize="0">
-            <a:picLocks noGrp="1"/>
-          </p:cNvPicPr>
-          <p:nvPr>
-            <p:ph idx="1"/>
-          </p:nvPr>
-        </p:nvPicPr>
-        <p:blipFill>
-          <a:blip r:embed="rId2"/>
-          <a:stretch>
-            <a:fillRect/>
-          </a:stretch>
-        </p:blipFill>
-        <p:spPr>
-          <a:xfrm>
-            <a:off x="720000" y="1260000"/>
-            <a:ext cx="8640000" cy="5040000"/>
-          </a:xfrm>
-          <a:prstGeom prst="rect">
-            <a:avLst/>
-          </a:prstGeom>
-        </p:spPr>
-      </p:pic>
-    </p:spTree>
-    <p:extLst>
-      <p:ext uri="{BB962C8B-B14F-4D97-AF65-F5344CB8AC3E}">
-        <p14:creationId xmlns:p14="http://schemas.microsoft.com/office/powerpoint/2010/main" val="3459207618"/>
-      </p:ext>
-    </p:extLst>
-  </p:cSld>
-  <p:clrMapOvr>
-    <a:masterClrMapping/>
-  </p:clrMapOvr>
-  <p:timing>
-    <p:tnLst>
-      <p:par>
-        <p:cTn id="1" dur="indefinite" restart="never" nodeType="tmRoot"/>
-      </p:par>
-    </p:tnLst>
-  </p:timing>
-</p:sld>
-</file>
-
-<file path=ppt/slides/slide29.xml><?xml version="1.0" encoding="utf-8"?>
-<p:sld xmlns:a="http://schemas.openxmlformats.org/drawingml/2006/main" xmlns:r="http://schemas.openxmlformats.org/officeDocument/2006/relationships" xmlns:p="http://schemas.openxmlformats.org/presentationml/2006/main">
-  <p:cSld>
-    <p:spTree>
-      <p:nvGrpSpPr>
-        <p:cNvPr id="1" name=""/>
-        <p:cNvGrpSpPr/>
-        <p:nvPr/>
-      </p:nvGrpSpPr>
-      <p:grpSpPr>
-        <a:xfrm>
-          <a:off x="0" y="0"/>
-          <a:ext cx="0" cy="0"/>
-          <a:chOff x="0" y="0"/>
-          <a:chExt cx="0" cy="0"/>
-        </a:xfrm>
-      </p:grpSpPr>
-      <p:sp>
-        <p:nvSpPr>
-          <p:cNvPr id="2" name="제목 1"/>
-          <p:cNvSpPr>
-            <a:spLocks noGrp="1"/>
-          </p:cNvSpPr>
-          <p:nvPr>
-            <p:ph type="title"/>
-          </p:nvPr>
-        </p:nvSpPr>
-        <p:spPr>
-          <a:xfrm>
-            <a:off x="677334" y="609600"/>
-            <a:ext cx="8596668" cy="762000"/>
-          </a:xfrm>
-        </p:spPr>
-        <p:txBody>
-          <a:bodyPr/>
-          <a:lstStyle/>
-          <a:p>
-            <a:r>
-              <a:rPr lang="ko-KR" altLang="en-US" dirty="0" smtClean="0"/>
-              <a:t>기능 소개</a:t>
-            </a:r>
-            <a:endParaRPr lang="en-US" altLang="ko-KR" dirty="0"/>
-          </a:p>
-        </p:txBody>
-      </p:sp>
-      <p:pic>
-        <p:nvPicPr>
-          <p:cNvPr id="6" name="내용 개체 틀 5"/>
-          <p:cNvPicPr preferRelativeResize="0">
-            <a:picLocks noGrp="1"/>
-          </p:cNvPicPr>
-          <p:nvPr>
-            <p:ph idx="1"/>
-          </p:nvPr>
-        </p:nvPicPr>
-        <p:blipFill>
-          <a:blip r:embed="rId2"/>
-          <a:stretch>
-            <a:fillRect/>
-          </a:stretch>
-        </p:blipFill>
-        <p:spPr>
-          <a:xfrm>
-            <a:off x="720000" y="1260000"/>
-            <a:ext cx="8640000" cy="5040000"/>
+            <a:off x="3314715" y="1276351"/>
+            <a:ext cx="6480000" cy="4370233"/>
           </a:xfrm>
           <a:prstGeom prst="rect">
             <a:avLst/>
@@ -8211,204 +9527,6 @@
     <p:extLst>
       <p:ext uri="{BB962C8B-B14F-4D97-AF65-F5344CB8AC3E}">
         <p14:creationId xmlns:p14="http://schemas.microsoft.com/office/powerpoint/2010/main" val="3719779541"/>
-      </p:ext>
-    </p:extLst>
-  </p:cSld>
-  <p:clrMapOvr>
-    <a:masterClrMapping/>
-  </p:clrMapOvr>
-  <p:timing>
-    <p:tnLst>
-      <p:par>
-        <p:cTn id="1" dur="indefinite" restart="never" nodeType="tmRoot"/>
-      </p:par>
-    </p:tnLst>
-  </p:timing>
-</p:sld>
-</file>
-
-<file path=ppt/slides/slide30.xml><?xml version="1.0" encoding="utf-8"?>
-<p:sld xmlns:a="http://schemas.openxmlformats.org/drawingml/2006/main" xmlns:r="http://schemas.openxmlformats.org/officeDocument/2006/relationships" xmlns:p="http://schemas.openxmlformats.org/presentationml/2006/main">
-  <p:cSld>
-    <p:spTree>
-      <p:nvGrpSpPr>
-        <p:cNvPr id="1" name=""/>
-        <p:cNvGrpSpPr/>
-        <p:nvPr/>
-      </p:nvGrpSpPr>
-      <p:grpSpPr>
-        <a:xfrm>
-          <a:off x="0" y="0"/>
-          <a:ext cx="0" cy="0"/>
-          <a:chOff x="0" y="0"/>
-          <a:chExt cx="0" cy="0"/>
-        </a:xfrm>
-      </p:grpSpPr>
-      <p:sp>
-        <p:nvSpPr>
-          <p:cNvPr id="2" name="제목 1"/>
-          <p:cNvSpPr>
-            <a:spLocks noGrp="1"/>
-          </p:cNvSpPr>
-          <p:nvPr>
-            <p:ph type="title"/>
-          </p:nvPr>
-        </p:nvSpPr>
-        <p:spPr>
-          <a:xfrm>
-            <a:off x="677334" y="609600"/>
-            <a:ext cx="8596668" cy="762000"/>
-          </a:xfrm>
-        </p:spPr>
-        <p:txBody>
-          <a:bodyPr/>
-          <a:lstStyle/>
-          <a:p>
-            <a:r>
-              <a:rPr lang="ko-KR" altLang="en-US" dirty="0" smtClean="0"/>
-              <a:t>기능 소개 </a:t>
-            </a:r>
-            <a:r>
-              <a:rPr lang="en-US" altLang="ko-KR" dirty="0" smtClean="0"/>
-              <a:t>– </a:t>
-            </a:r>
-            <a:r>
-              <a:rPr lang="ko-KR" altLang="en-US" dirty="0" smtClean="0"/>
-              <a:t>등급 관리</a:t>
-            </a:r>
-            <a:endParaRPr lang="en-US" altLang="ko-KR" dirty="0"/>
-          </a:p>
-        </p:txBody>
-      </p:sp>
-      <p:pic>
-        <p:nvPicPr>
-          <p:cNvPr id="4" name="내용 개체 틀 3"/>
-          <p:cNvPicPr preferRelativeResize="0">
-            <a:picLocks noGrp="1"/>
-          </p:cNvPicPr>
-          <p:nvPr>
-            <p:ph idx="1"/>
-          </p:nvPr>
-        </p:nvPicPr>
-        <p:blipFill>
-          <a:blip r:embed="rId2"/>
-          <a:stretch>
-            <a:fillRect/>
-          </a:stretch>
-        </p:blipFill>
-        <p:spPr>
-          <a:xfrm>
-            <a:off x="720000" y="1260000"/>
-            <a:ext cx="8640000" cy="5040000"/>
-          </a:xfrm>
-          <a:prstGeom prst="rect">
-            <a:avLst/>
-          </a:prstGeom>
-        </p:spPr>
-      </p:pic>
-    </p:spTree>
-    <p:extLst>
-      <p:ext uri="{BB962C8B-B14F-4D97-AF65-F5344CB8AC3E}">
-        <p14:creationId xmlns:p14="http://schemas.microsoft.com/office/powerpoint/2010/main" val="1766457730"/>
-      </p:ext>
-    </p:extLst>
-  </p:cSld>
-  <p:clrMapOvr>
-    <a:masterClrMapping/>
-  </p:clrMapOvr>
-  <p:timing>
-    <p:tnLst>
-      <p:par>
-        <p:cTn id="1" dur="indefinite" restart="never" nodeType="tmRoot"/>
-      </p:par>
-    </p:tnLst>
-  </p:timing>
-</p:sld>
-</file>
-
-<file path=ppt/slides/slide31.xml><?xml version="1.0" encoding="utf-8"?>
-<p:sld xmlns:a="http://schemas.openxmlformats.org/drawingml/2006/main" xmlns:r="http://schemas.openxmlformats.org/officeDocument/2006/relationships" xmlns:p="http://schemas.openxmlformats.org/presentationml/2006/main">
-  <p:cSld>
-    <p:spTree>
-      <p:nvGrpSpPr>
-        <p:cNvPr id="1" name=""/>
-        <p:cNvGrpSpPr/>
-        <p:nvPr/>
-      </p:nvGrpSpPr>
-      <p:grpSpPr>
-        <a:xfrm>
-          <a:off x="0" y="0"/>
-          <a:ext cx="0" cy="0"/>
-          <a:chOff x="0" y="0"/>
-          <a:chExt cx="0" cy="0"/>
-        </a:xfrm>
-      </p:grpSpPr>
-      <p:sp>
-        <p:nvSpPr>
-          <p:cNvPr id="2" name="제목 1"/>
-          <p:cNvSpPr>
-            <a:spLocks noGrp="1"/>
-          </p:cNvSpPr>
-          <p:nvPr>
-            <p:ph type="title"/>
-          </p:nvPr>
-        </p:nvSpPr>
-        <p:spPr>
-          <a:xfrm>
-            <a:off x="677334" y="609600"/>
-            <a:ext cx="8596668" cy="762000"/>
-          </a:xfrm>
-        </p:spPr>
-        <p:txBody>
-          <a:bodyPr/>
-          <a:lstStyle/>
-          <a:p>
-            <a:r>
-              <a:rPr lang="ko-KR" altLang="en-US" dirty="0" smtClean="0"/>
-              <a:t>기능 소개 </a:t>
-            </a:r>
-            <a:r>
-              <a:rPr lang="en-US" altLang="ko-KR" dirty="0" smtClean="0"/>
-              <a:t>– </a:t>
-            </a:r>
-            <a:r>
-              <a:rPr lang="ko-KR" altLang="en-US" dirty="0" smtClean="0"/>
-              <a:t>세탁물 코드 관리</a:t>
-            </a:r>
-            <a:endParaRPr lang="en-US" altLang="ko-KR" dirty="0"/>
-          </a:p>
-        </p:txBody>
-      </p:sp>
-      <p:pic>
-        <p:nvPicPr>
-          <p:cNvPr id="4" name="내용 개체 틀 3"/>
-          <p:cNvPicPr preferRelativeResize="0">
-            <a:picLocks noGrp="1"/>
-          </p:cNvPicPr>
-          <p:nvPr>
-            <p:ph idx="1"/>
-          </p:nvPr>
-        </p:nvPicPr>
-        <p:blipFill>
-          <a:blip r:embed="rId2"/>
-          <a:stretch>
-            <a:fillRect/>
-          </a:stretch>
-        </p:blipFill>
-        <p:spPr>
-          <a:xfrm>
-            <a:off x="720000" y="1260000"/>
-            <a:ext cx="8640000" cy="5040000"/>
-          </a:xfrm>
-          <a:prstGeom prst="rect">
-            <a:avLst/>
-          </a:prstGeom>
-        </p:spPr>
-      </p:pic>
-    </p:spTree>
-    <p:extLst>
-      <p:ext uri="{BB962C8B-B14F-4D97-AF65-F5344CB8AC3E}">
-        <p14:creationId xmlns:p14="http://schemas.microsoft.com/office/powerpoint/2010/main" val="3022237012"/>
       </p:ext>
     </p:extLst>
   </p:cSld>
@@ -9636,22 +10754,27 @@
           <a:p>
             <a:r>
               <a:rPr lang="ko-KR" altLang="en-US" dirty="0"/>
-              <a:t>설계 </a:t>
-            </a:r>
-            <a:r>
-              <a:rPr lang="en-US" altLang="ko-KR" dirty="0"/>
+              <a:t>기능 </a:t>
+            </a:r>
+            <a:r>
+              <a:rPr lang="ko-KR" altLang="en-US" dirty="0" smtClean="0"/>
+              <a:t>소개 </a:t>
+            </a:r>
+            <a:r>
+              <a:rPr lang="en-US" altLang="ko-KR" dirty="0" smtClean="0"/>
               <a:t>- </a:t>
             </a:r>
             <a:r>
-              <a:rPr lang="ko-KR" altLang="en-US" dirty="0"/>
-              <a:t>인덱스정의서</a:t>
-            </a:r>
+              <a:rPr lang="ko-KR" altLang="en-US" dirty="0" smtClean="0"/>
+              <a:t>주문입력</a:t>
+            </a:r>
+            <a:endParaRPr lang="ko-KR" altLang="en-US" dirty="0"/>
           </a:p>
         </p:txBody>
       </p:sp>
       <p:pic>
         <p:nvPicPr>
-          <p:cNvPr id="6" name="내용 개체 틀 6"/>
+          <p:cNvPr id="5" name="내용 개체 틀 4"/>
           <p:cNvPicPr preferRelativeResize="0">
             <a:picLocks noGrp="1"/>
           </p:cNvPicPr>
@@ -9667,18 +10790,136 @@
         </p:blipFill>
         <p:spPr>
           <a:xfrm>
-            <a:off x="720000" y="1260000"/>
-            <a:ext cx="8640000" cy="5040000"/>
+            <a:off x="3295135" y="1260000"/>
+            <a:ext cx="6480000" cy="5040000"/>
           </a:xfrm>
           <a:prstGeom prst="rect">
             <a:avLst/>
           </a:prstGeom>
         </p:spPr>
       </p:pic>
+      <p:sp>
+        <p:nvSpPr>
+          <p:cNvPr id="3" name="TextBox 2"/>
+          <p:cNvSpPr txBox="1"/>
+          <p:nvPr/>
+        </p:nvSpPr>
+        <p:spPr>
+          <a:xfrm>
+            <a:off x="677334" y="1276350"/>
+            <a:ext cx="2519158" cy="3170099"/>
+          </a:xfrm>
+          <a:prstGeom prst="rect">
+            <a:avLst/>
+          </a:prstGeom>
+          <a:noFill/>
+        </p:spPr>
+        <p:txBody>
+          <a:bodyPr wrap="square" rtlCol="0">
+            <a:spAutoFit/>
+          </a:bodyPr>
+          <a:lstStyle/>
+          <a:p>
+            <a:r>
+              <a:rPr lang="ko-KR" altLang="en-US" sz="2000" b="1" dirty="0" smtClean="0">
+                <a:latin typeface="+mj-ea"/>
+                <a:ea typeface="+mj-ea"/>
+              </a:rPr>
+              <a:t>주문입력</a:t>
+            </a:r>
+            <a:endParaRPr lang="en-US" altLang="ko-KR" sz="2000" b="1" dirty="0" smtClean="0">
+              <a:latin typeface="+mj-ea"/>
+              <a:ea typeface="+mj-ea"/>
+            </a:endParaRPr>
+          </a:p>
+          <a:p>
+            <a:pPr marL="285750" indent="-285750">
+              <a:buFontTx/>
+              <a:buChar char="-"/>
+            </a:pPr>
+            <a:endParaRPr lang="en-US" altLang="ko-KR" sz="2000" b="1" dirty="0" smtClean="0">
+              <a:latin typeface="+mj-ea"/>
+              <a:ea typeface="+mj-ea"/>
+            </a:endParaRPr>
+          </a:p>
+          <a:p>
+            <a:pPr marL="285750" indent="-285750">
+              <a:buFontTx/>
+              <a:buChar char="-"/>
+            </a:pPr>
+            <a:r>
+              <a:rPr lang="ko-KR" altLang="en-US" sz="2000" dirty="0" smtClean="0">
+                <a:latin typeface="+mj-ea"/>
+                <a:ea typeface="+mj-ea"/>
+              </a:rPr>
+              <a:t>회원가입 가능</a:t>
+            </a:r>
+            <a:endParaRPr lang="en-US" altLang="ko-KR" sz="2000" dirty="0" smtClean="0">
+              <a:latin typeface="+mj-ea"/>
+              <a:ea typeface="+mj-ea"/>
+            </a:endParaRPr>
+          </a:p>
+          <a:p>
+            <a:pPr marL="285750" indent="-285750">
+              <a:buFontTx/>
+              <a:buChar char="-"/>
+            </a:pPr>
+            <a:endParaRPr lang="en-US" altLang="ko-KR" sz="2000" dirty="0" smtClean="0">
+              <a:latin typeface="+mj-ea"/>
+              <a:ea typeface="+mj-ea"/>
+            </a:endParaRPr>
+          </a:p>
+          <a:p>
+            <a:pPr marL="285750" indent="-285750">
+              <a:buFontTx/>
+              <a:buChar char="-"/>
+            </a:pPr>
+            <a:r>
+              <a:rPr lang="ko-KR" altLang="en-US" sz="2000" dirty="0" smtClean="0">
+                <a:latin typeface="+mj-ea"/>
+                <a:ea typeface="+mj-ea"/>
+              </a:rPr>
+              <a:t>회원번호</a:t>
+            </a:r>
+            <a:r>
+              <a:rPr lang="en-US" altLang="ko-KR" sz="2000" dirty="0" smtClean="0">
+                <a:latin typeface="+mj-ea"/>
+                <a:ea typeface="+mj-ea"/>
+              </a:rPr>
+              <a:t>,</a:t>
+            </a:r>
+            <a:r>
+              <a:rPr lang="ko-KR" altLang="en-US" sz="2000" dirty="0" smtClean="0">
+                <a:latin typeface="+mj-ea"/>
+                <a:ea typeface="+mj-ea"/>
+              </a:rPr>
+              <a:t> 세탁물 정보 입력 시 회원등급에 의한 할인율 적용 후 가격계산</a:t>
+            </a:r>
+            <a:r>
+              <a:rPr lang="en-US" altLang="ko-KR" sz="2000" dirty="0" smtClean="0">
+                <a:latin typeface="+mj-ea"/>
+                <a:ea typeface="+mj-ea"/>
+              </a:rPr>
+              <a:t>, </a:t>
+            </a:r>
+            <a:r>
+              <a:rPr lang="ko-KR" altLang="en-US" sz="2000" dirty="0" smtClean="0">
+                <a:latin typeface="+mj-ea"/>
+                <a:ea typeface="+mj-ea"/>
+              </a:rPr>
+              <a:t>출고 날짜계산 </a:t>
+            </a:r>
+            <a:endParaRPr lang="ko-KR" altLang="en-US" sz="2000" dirty="0">
+              <a:latin typeface="+mj-ea"/>
+              <a:ea typeface="+mj-ea"/>
+            </a:endParaRPr>
+          </a:p>
+        </p:txBody>
+      </p:sp>
     </p:spTree>
     <p:extLst>
       <p:ext uri="{BB962C8B-B14F-4D97-AF65-F5344CB8AC3E}">
-        <p14:creationId xmlns:p14="http://schemas.microsoft.com/office/powerpoint/2010/main" val="919188142"/>
+        <p14:creationId xmlns:p14="http://schemas.microsoft.com/office/powerpoint/2010/main" val="1457957795"/>
       </p:ext>
     </p:extLst>
   </p:cSld>
@@ -9736,16 +10977,21 @@
           <a:p>
             <a:r>
               <a:rPr lang="ko-KR" altLang="en-US" dirty="0"/>
-              <a:t>설계 </a:t>
-            </a:r>
-            <a:r>
-              <a:rPr lang="en-US" altLang="ko-KR" dirty="0"/>
+              <a:t>기능 </a:t>
+            </a:r>
+            <a:r>
+              <a:rPr lang="ko-KR" altLang="en-US" dirty="0" smtClean="0"/>
+              <a:t>소개 </a:t>
+            </a:r>
+            <a:r>
+              <a:rPr lang="en-US" altLang="ko-KR" dirty="0" smtClean="0"/>
               <a:t>- </a:t>
             </a:r>
             <a:r>
-              <a:rPr lang="ko-KR" altLang="en-US" dirty="0"/>
-              <a:t>테이블정의서</a:t>
-            </a:r>
+              <a:rPr lang="ko-KR" altLang="en-US" dirty="0" smtClean="0"/>
+              <a:t>주문입력</a:t>
+            </a:r>
+            <a:endParaRPr lang="ko-KR" altLang="en-US" dirty="0"/>
           </a:p>
         </p:txBody>
       </p:sp>
@@ -9767,18 +11013,136 @@
         </p:blipFill>
         <p:spPr>
           <a:xfrm>
-            <a:off x="720000" y="1276349"/>
-            <a:ext cx="8640000" cy="5040000"/>
+            <a:off x="3295140" y="1260000"/>
+            <a:ext cx="6480000" cy="5040000"/>
           </a:xfrm>
           <a:prstGeom prst="rect">
             <a:avLst/>
           </a:prstGeom>
         </p:spPr>
       </p:pic>
+      <p:sp>
+        <p:nvSpPr>
+          <p:cNvPr id="6" name="TextBox 5"/>
+          <p:cNvSpPr txBox="1"/>
+          <p:nvPr/>
+        </p:nvSpPr>
+        <p:spPr>
+          <a:xfrm>
+            <a:off x="677334" y="1276350"/>
+            <a:ext cx="2519158" cy="3170099"/>
+          </a:xfrm>
+          <a:prstGeom prst="rect">
+            <a:avLst/>
+          </a:prstGeom>
+          <a:noFill/>
+        </p:spPr>
+        <p:txBody>
+          <a:bodyPr wrap="square" rtlCol="0">
+            <a:spAutoFit/>
+          </a:bodyPr>
+          <a:lstStyle/>
+          <a:p>
+            <a:r>
+              <a:rPr lang="ko-KR" altLang="en-US" sz="2000" b="1" dirty="0" smtClean="0">
+                <a:latin typeface="+mj-ea"/>
+                <a:ea typeface="+mj-ea"/>
+              </a:rPr>
+              <a:t>주문입력</a:t>
+            </a:r>
+            <a:endParaRPr lang="en-US" altLang="ko-KR" sz="2000" b="1" dirty="0" smtClean="0">
+              <a:latin typeface="+mj-ea"/>
+              <a:ea typeface="+mj-ea"/>
+            </a:endParaRPr>
+          </a:p>
+          <a:p>
+            <a:pPr marL="285750" indent="-285750">
+              <a:buFontTx/>
+              <a:buChar char="-"/>
+            </a:pPr>
+            <a:endParaRPr lang="en-US" altLang="ko-KR" sz="2000" b="1" dirty="0" smtClean="0">
+              <a:latin typeface="+mj-ea"/>
+              <a:ea typeface="+mj-ea"/>
+            </a:endParaRPr>
+          </a:p>
+          <a:p>
+            <a:pPr marL="285750" indent="-285750">
+              <a:buFontTx/>
+              <a:buChar char="-"/>
+            </a:pPr>
+            <a:r>
+              <a:rPr lang="ko-KR" altLang="en-US" sz="2000" dirty="0" smtClean="0">
+                <a:latin typeface="+mj-ea"/>
+                <a:ea typeface="+mj-ea"/>
+              </a:rPr>
+              <a:t>회원가입 가능</a:t>
+            </a:r>
+            <a:endParaRPr lang="en-US" altLang="ko-KR" sz="2000" dirty="0" smtClean="0">
+              <a:latin typeface="+mj-ea"/>
+              <a:ea typeface="+mj-ea"/>
+            </a:endParaRPr>
+          </a:p>
+          <a:p>
+            <a:pPr marL="285750" indent="-285750">
+              <a:buFontTx/>
+              <a:buChar char="-"/>
+            </a:pPr>
+            <a:endParaRPr lang="en-US" altLang="ko-KR" sz="2000" dirty="0" smtClean="0">
+              <a:latin typeface="+mj-ea"/>
+              <a:ea typeface="+mj-ea"/>
+            </a:endParaRPr>
+          </a:p>
+          <a:p>
+            <a:pPr marL="285750" indent="-285750">
+              <a:buFontTx/>
+              <a:buChar char="-"/>
+            </a:pPr>
+            <a:r>
+              <a:rPr lang="ko-KR" altLang="en-US" sz="2000" dirty="0" smtClean="0">
+                <a:latin typeface="+mj-ea"/>
+                <a:ea typeface="+mj-ea"/>
+              </a:rPr>
+              <a:t>회원번호</a:t>
+            </a:r>
+            <a:r>
+              <a:rPr lang="en-US" altLang="ko-KR" sz="2000" dirty="0" smtClean="0">
+                <a:latin typeface="+mj-ea"/>
+                <a:ea typeface="+mj-ea"/>
+              </a:rPr>
+              <a:t>,</a:t>
+            </a:r>
+            <a:r>
+              <a:rPr lang="ko-KR" altLang="en-US" sz="2000" dirty="0" smtClean="0">
+                <a:latin typeface="+mj-ea"/>
+                <a:ea typeface="+mj-ea"/>
+              </a:rPr>
+              <a:t> 세탁물 정보 입력 시 회원등급에 의한 할인율 적용 후 가격계산</a:t>
+            </a:r>
+            <a:r>
+              <a:rPr lang="en-US" altLang="ko-KR" sz="2000" dirty="0" smtClean="0">
+                <a:latin typeface="+mj-ea"/>
+                <a:ea typeface="+mj-ea"/>
+              </a:rPr>
+              <a:t>, </a:t>
+            </a:r>
+            <a:r>
+              <a:rPr lang="ko-KR" altLang="en-US" sz="2000" dirty="0" smtClean="0">
+                <a:latin typeface="+mj-ea"/>
+                <a:ea typeface="+mj-ea"/>
+              </a:rPr>
+              <a:t>출고 날짜계산 </a:t>
+            </a:r>
+            <a:endParaRPr lang="ko-KR" altLang="en-US" sz="2000" dirty="0">
+              <a:latin typeface="+mj-ea"/>
+              <a:ea typeface="+mj-ea"/>
+            </a:endParaRPr>
+          </a:p>
+        </p:txBody>
+      </p:sp>
     </p:spTree>
     <p:extLst>
       <p:ext uri="{BB962C8B-B14F-4D97-AF65-F5344CB8AC3E}">
-        <p14:creationId xmlns:p14="http://schemas.microsoft.com/office/powerpoint/2010/main" val="254972755"/>
+        <p14:creationId xmlns:p14="http://schemas.microsoft.com/office/powerpoint/2010/main" val="3419396562"/>
       </p:ext>
     </p:extLst>
   </p:cSld>
@@ -9836,16 +11200,21 @@
           <a:p>
             <a:r>
               <a:rPr lang="ko-KR" altLang="en-US" dirty="0"/>
-              <a:t>설계 </a:t>
-            </a:r>
-            <a:r>
-              <a:rPr lang="en-US" altLang="ko-KR" dirty="0"/>
+              <a:t>기능 </a:t>
+            </a:r>
+            <a:r>
+              <a:rPr lang="ko-KR" altLang="en-US" dirty="0" smtClean="0"/>
+              <a:t>소개 </a:t>
+            </a:r>
+            <a:r>
+              <a:rPr lang="en-US" altLang="ko-KR" dirty="0" smtClean="0"/>
               <a:t>- </a:t>
             </a:r>
             <a:r>
-              <a:rPr lang="ko-KR" altLang="en-US" dirty="0"/>
-              <a:t>관계정의서</a:t>
-            </a:r>
+              <a:rPr lang="ko-KR" altLang="en-US" dirty="0" smtClean="0"/>
+              <a:t>수정</a:t>
+            </a:r>
+            <a:endParaRPr lang="ko-KR" altLang="en-US" dirty="0"/>
           </a:p>
         </p:txBody>
       </p:sp>
@@ -9867,18 +11236,118 @@
         </p:blipFill>
         <p:spPr>
           <a:xfrm>
-            <a:off x="720000" y="1260000"/>
-            <a:ext cx="8640000" cy="5040000"/>
+            <a:off x="3273727" y="1260000"/>
+            <a:ext cx="6480000" cy="5040000"/>
           </a:xfrm>
           <a:prstGeom prst="rect">
             <a:avLst/>
           </a:prstGeom>
         </p:spPr>
       </p:pic>
+      <p:sp>
+        <p:nvSpPr>
+          <p:cNvPr id="6" name="TextBox 5"/>
+          <p:cNvSpPr txBox="1"/>
+          <p:nvPr/>
+        </p:nvSpPr>
+        <p:spPr>
+          <a:xfrm>
+            <a:off x="677334" y="1276350"/>
+            <a:ext cx="2519158" cy="2554545"/>
+          </a:xfrm>
+          <a:prstGeom prst="rect">
+            <a:avLst/>
+          </a:prstGeom>
+          <a:noFill/>
+        </p:spPr>
+        <p:txBody>
+          <a:bodyPr wrap="square" rtlCol="0">
+            <a:spAutoFit/>
+          </a:bodyPr>
+          <a:lstStyle/>
+          <a:p>
+            <a:r>
+              <a:rPr lang="ko-KR" altLang="en-US" sz="2000" b="1" dirty="0" smtClean="0">
+                <a:latin typeface="+mj-ea"/>
+                <a:ea typeface="+mj-ea"/>
+              </a:rPr>
+              <a:t>주문 수정</a:t>
+            </a:r>
+            <a:endParaRPr lang="en-US" altLang="ko-KR" sz="2000" b="1" dirty="0" smtClean="0">
+              <a:latin typeface="+mj-ea"/>
+              <a:ea typeface="+mj-ea"/>
+            </a:endParaRPr>
+          </a:p>
+          <a:p>
+            <a:pPr marL="285750" indent="-285750">
+              <a:buFontTx/>
+              <a:buChar char="-"/>
+            </a:pPr>
+            <a:endParaRPr lang="en-US" altLang="ko-KR" sz="2000" b="1" dirty="0" smtClean="0">
+              <a:latin typeface="+mj-ea"/>
+              <a:ea typeface="+mj-ea"/>
+            </a:endParaRPr>
+          </a:p>
+          <a:p>
+            <a:pPr marL="285750" indent="-285750">
+              <a:buFontTx/>
+              <a:buChar char="-"/>
+            </a:pPr>
+            <a:r>
+              <a:rPr lang="ko-KR" altLang="en-US" sz="2000" dirty="0" smtClean="0">
+                <a:latin typeface="+mj-ea"/>
+                <a:ea typeface="+mj-ea"/>
+              </a:rPr>
+              <a:t>조건 설정 후 검색</a:t>
+            </a:r>
+            <a:endParaRPr lang="en-US" altLang="ko-KR" sz="2000" dirty="0" smtClean="0">
+              <a:latin typeface="+mj-ea"/>
+              <a:ea typeface="+mj-ea"/>
+            </a:endParaRPr>
+          </a:p>
+          <a:p>
+            <a:pPr marL="285750" indent="-285750">
+              <a:buFontTx/>
+              <a:buChar char="-"/>
+            </a:pPr>
+            <a:endParaRPr lang="en-US" altLang="ko-KR" sz="2000" dirty="0">
+              <a:latin typeface="+mj-ea"/>
+              <a:ea typeface="+mj-ea"/>
+            </a:endParaRPr>
+          </a:p>
+          <a:p>
+            <a:pPr marL="285750" indent="-285750">
+              <a:buFontTx/>
+              <a:buChar char="-"/>
+            </a:pPr>
+            <a:r>
+              <a:rPr lang="ko-KR" altLang="en-US" sz="2000" dirty="0" smtClean="0">
+                <a:latin typeface="+mj-ea"/>
+                <a:ea typeface="+mj-ea"/>
+              </a:rPr>
+              <a:t>주문 접수 중인 세탁물에 대한 정보 수정</a:t>
+            </a:r>
+            <a:endParaRPr lang="en-US" altLang="ko-KR" sz="2000" dirty="0" smtClean="0">
+              <a:latin typeface="+mj-ea"/>
+              <a:ea typeface="+mj-ea"/>
+            </a:endParaRPr>
+          </a:p>
+          <a:p>
+            <a:pPr marL="285750" indent="-285750">
+              <a:buFontTx/>
+              <a:buChar char="-"/>
+            </a:pPr>
+            <a:endParaRPr lang="en-US" altLang="ko-KR" sz="2000" dirty="0">
+              <a:latin typeface="+mj-ea"/>
+              <a:ea typeface="+mj-ea"/>
+            </a:endParaRPr>
+          </a:p>
+        </p:txBody>
+      </p:sp>
     </p:spTree>
     <p:extLst>
       <p:ext uri="{BB962C8B-B14F-4D97-AF65-F5344CB8AC3E}">
-        <p14:creationId xmlns:p14="http://schemas.microsoft.com/office/powerpoint/2010/main" val="1428508131"/>
+        <p14:creationId xmlns:p14="http://schemas.microsoft.com/office/powerpoint/2010/main" val="1494529616"/>
       </p:ext>
     </p:extLst>
   </p:cSld>
